--- a/Final Project Presentation.pptx
+++ b/Final Project Presentation.pptx
@@ -11,11 +11,12 @@
     <p:sldId id="259" r:id="rId5"/>
     <p:sldId id="260" r:id="rId6"/>
     <p:sldId id="261" r:id="rId7"/>
-    <p:sldId id="265" r:id="rId8"/>
-    <p:sldId id="266" r:id="rId9"/>
-    <p:sldId id="262" r:id="rId10"/>
-    <p:sldId id="263" r:id="rId11"/>
-    <p:sldId id="264" r:id="rId12"/>
+    <p:sldId id="267" r:id="rId8"/>
+    <p:sldId id="265" r:id="rId9"/>
+    <p:sldId id="266" r:id="rId10"/>
+    <p:sldId id="262" r:id="rId11"/>
+    <p:sldId id="263" r:id="rId12"/>
+    <p:sldId id="264" r:id="rId13"/>
   </p:sldIdLst>
   <p:sldSz cx="12192000" cy="6858000"/>
   <p:notesSz cx="6858000" cy="9144000"/>
@@ -114,6 +115,11 @@
       </a:defRPr>
     </a:lvl9pPr>
   </p:defaultTextStyle>
+  <p:extLst>
+    <p:ext uri="{EFAFB233-063F-42B5-8137-9DF3F51BA10A}">
+      <p15:sldGuideLst xmlns:p15="http://schemas.microsoft.com/office/powerpoint/2012/main"/>
+    </p:ext>
+  </p:extLst>
 </p:presentation>
 </file>
 
@@ -5706,7 +5712,7 @@
           <a:p>
             <a:fld id="{8F72BA41-EC5B-4197-BCC8-0FD2E523CD7A}" type="datetimeFigureOut">
               <a:rPr lang="en-US" smtClean="0"/>
-              <a:t>11/19/2024</a:t>
+              <a:t>11/26/2024</a:t>
             </a:fld>
             <a:endParaRPr lang="en-US"/>
           </a:p>
@@ -5909,7 +5915,7 @@
           <a:p>
             <a:fld id="{8F72BA41-EC5B-4197-BCC8-0FD2E523CD7A}" type="datetimeFigureOut">
               <a:rPr lang="en-US" smtClean="0"/>
-              <a:t>11/19/2024</a:t>
+              <a:t>11/26/2024</a:t>
             </a:fld>
             <a:endParaRPr lang="en-US"/>
           </a:p>
@@ -7630,7 +7636,7 @@
           <a:p>
             <a:fld id="{8F72BA41-EC5B-4197-BCC8-0FD2E523CD7A}" type="datetimeFigureOut">
               <a:rPr lang="en-US" smtClean="0"/>
-              <a:t>11/19/2024</a:t>
+              <a:t>11/26/2024</a:t>
             </a:fld>
             <a:endParaRPr lang="en-US"/>
           </a:p>
@@ -7829,7 +7835,7 @@
           <a:p>
             <a:fld id="{8F72BA41-EC5B-4197-BCC8-0FD2E523CD7A}" type="datetimeFigureOut">
               <a:rPr lang="en-US" smtClean="0"/>
-              <a:t>11/19/2024</a:t>
+              <a:t>11/26/2024</a:t>
             </a:fld>
             <a:endParaRPr lang="en-US"/>
           </a:p>
@@ -9619,7 +9625,7 @@
           <a:p>
             <a:fld id="{8F72BA41-EC5B-4197-BCC8-0FD2E523CD7A}" type="datetimeFigureOut">
               <a:rPr lang="en-US" smtClean="0"/>
-              <a:t>11/19/2024</a:t>
+              <a:t>11/26/2024</a:t>
             </a:fld>
             <a:endParaRPr lang="en-US"/>
           </a:p>
@@ -9892,7 +9898,7 @@
           <a:p>
             <a:fld id="{8F72BA41-EC5B-4197-BCC8-0FD2E523CD7A}" type="datetimeFigureOut">
               <a:rPr lang="en-US" smtClean="0"/>
-              <a:t>11/19/2024</a:t>
+              <a:t>11/26/2024</a:t>
             </a:fld>
             <a:endParaRPr lang="en-US"/>
           </a:p>
@@ -10312,7 +10318,7 @@
           <a:p>
             <a:fld id="{8F72BA41-EC5B-4197-BCC8-0FD2E523CD7A}" type="datetimeFigureOut">
               <a:rPr lang="en-US" smtClean="0"/>
-              <a:t>11/19/2024</a:t>
+              <a:t>11/26/2024</a:t>
             </a:fld>
             <a:endParaRPr lang="en-US"/>
           </a:p>
@@ -10468,7 +10474,7 @@
           <a:p>
             <a:fld id="{8F72BA41-EC5B-4197-BCC8-0FD2E523CD7A}" type="datetimeFigureOut">
               <a:rPr lang="en-US" smtClean="0"/>
-              <a:t>11/19/2024</a:t>
+              <a:t>11/26/2024</a:t>
             </a:fld>
             <a:endParaRPr lang="en-US"/>
           </a:p>
@@ -12036,7 +12042,7 @@
           <a:p>
             <a:fld id="{8F72BA41-EC5B-4197-BCC8-0FD2E523CD7A}" type="datetimeFigureOut">
               <a:rPr lang="en-US" smtClean="0"/>
-              <a:t>11/19/2024</a:t>
+              <a:t>11/26/2024</a:t>
             </a:fld>
             <a:endParaRPr lang="en-US"/>
           </a:p>
@@ -13887,7 +13893,7 @@
           <a:p>
             <a:fld id="{8F72BA41-EC5B-4197-BCC8-0FD2E523CD7A}" type="datetimeFigureOut">
               <a:rPr lang="en-US" smtClean="0"/>
-              <a:t>11/19/2024</a:t>
+              <a:t>11/26/2024</a:t>
             </a:fld>
             <a:endParaRPr lang="en-US"/>
           </a:p>
@@ -15700,7 +15706,7 @@
           <a:p>
             <a:fld id="{8F72BA41-EC5B-4197-BCC8-0FD2E523CD7A}" type="datetimeFigureOut">
               <a:rPr lang="en-US" smtClean="0"/>
-              <a:t>11/19/2024</a:t>
+              <a:t>11/26/2024</a:t>
             </a:fld>
             <a:endParaRPr lang="en-US"/>
           </a:p>
@@ -17394,7 +17400,7 @@
             <a:fld id="{8F72BA41-EC5B-4197-BCC8-0FD2E523CD7A}" type="datetimeFigureOut">
               <a:rPr lang="en-US" smtClean="0"/>
               <a:pPr/>
-              <a:t>11/19/2024</a:t>
+              <a:t>11/26/2024</a:t>
             </a:fld>
             <a:endParaRPr lang="en-US" dirty="0"/>
           </a:p>
@@ -19989,11 +19995,24 @@
           </a:bodyPr>
           <a:lstStyle/>
           <a:p>
-            <a:endParaRPr lang="de-DE">
-              <a:solidFill>
-                <a:srgbClr val="FFFFFF"/>
-              </a:solidFill>
-            </a:endParaRPr>
+            <a:r>
+              <a:rPr lang="de-DE" dirty="0">
+                <a:solidFill>
+                  <a:srgbClr val="FFFFFF"/>
+                </a:solidFill>
+              </a:rPr>
+              <a:t>Niklas Harald Rosseck</a:t>
+            </a:r>
+          </a:p>
+          <a:p>
+            <a:r>
+              <a:rPr lang="de-DE" dirty="0">
+                <a:solidFill>
+                  <a:srgbClr val="FFFFFF"/>
+                </a:solidFill>
+              </a:rPr>
+              <a:t>202400384</a:t>
+            </a:r>
           </a:p>
         </p:txBody>
       </p:sp>
@@ -20011,6 +20030,2127 @@
 </file>
 
 <file path=ppt/slides/slide10.xml><?xml version="1.0" encoding="utf-8"?>
+<p:sld xmlns:a="http://schemas.openxmlformats.org/drawingml/2006/main" xmlns:r="http://schemas.openxmlformats.org/officeDocument/2006/relationships" xmlns:p="http://schemas.openxmlformats.org/presentationml/2006/main">
+  <p:cSld>
+    <p:bg>
+      <p:bgPr>
+        <a:solidFill>
+          <a:schemeClr val="bg1"/>
+        </a:solidFill>
+        <a:effectLst/>
+      </p:bgPr>
+    </p:bg>
+    <p:spTree>
+      <p:nvGrpSpPr>
+        <p:cNvPr id="1" name=""/>
+        <p:cNvGrpSpPr/>
+        <p:nvPr/>
+      </p:nvGrpSpPr>
+      <p:grpSpPr>
+        <a:xfrm>
+          <a:off x="0" y="0"/>
+          <a:ext cx="0" cy="0"/>
+          <a:chOff x="0" y="0"/>
+          <a:chExt cx="0" cy="0"/>
+        </a:xfrm>
+      </p:grpSpPr>
+      <p:sp useBgFill="1">
+        <p:nvSpPr>
+          <p:cNvPr id="8" name="Rectangle 7">
+            <a:extLst>
+              <a:ext uri="{FF2B5EF4-FFF2-40B4-BE49-F238E27FC236}">
+                <a16:creationId xmlns:a16="http://schemas.microsoft.com/office/drawing/2014/main" id="{D7C3C2D0-A48F-4A6F-9C7D-888E9DFE643A}"/>
+              </a:ext>
+              <a:ext uri="{C183D7F6-B498-43B3-948B-1728B52AA6E4}">
+                <adec:decorative xmlns:adec="http://schemas.microsoft.com/office/drawing/2017/decorative" val="1"/>
+              </a:ext>
+            </a:extLst>
+          </p:cNvPr>
+          <p:cNvSpPr>
+            <a:spLocks noGrp="1" noRot="1" noChangeAspect="1" noMove="1" noResize="1" noEditPoints="1" noAdjustHandles="1" noChangeArrowheads="1" noChangeShapeType="1" noTextEdit="1"/>
+          </p:cNvSpPr>
+          <p:nvPr>
+            <p:extLst>
+              <p:ext uri="{386F3935-93C4-4BCD-93E2-E3B085C9AB24}">
+                <p16:designElem xmlns:p16="http://schemas.microsoft.com/office/powerpoint/2015/main" val="1"/>
+              </p:ext>
+            </p:extLst>
+          </p:nvPr>
+        </p:nvSpPr>
+        <p:spPr>
+          <a:xfrm>
+            <a:off x="0" y="0"/>
+            <a:ext cx="12188952" cy="6858000"/>
+          </a:xfrm>
+          <a:prstGeom prst="rect">
+            <a:avLst/>
+          </a:prstGeom>
+          <a:ln>
+            <a:noFill/>
+          </a:ln>
+        </p:spPr>
+        <p:style>
+          <a:lnRef idx="2">
+            <a:schemeClr val="accent1">
+              <a:shade val="50000"/>
+            </a:schemeClr>
+          </a:lnRef>
+          <a:fillRef idx="1">
+            <a:schemeClr val="accent1"/>
+          </a:fillRef>
+          <a:effectRef idx="0">
+            <a:schemeClr val="accent1"/>
+          </a:effectRef>
+          <a:fontRef idx="minor">
+            <a:schemeClr val="lt1"/>
+          </a:fontRef>
+        </p:style>
+        <p:txBody>
+          <a:bodyPr rtlCol="0" anchor="ctr"/>
+          <a:lstStyle/>
+          <a:p>
+            <a:pPr algn="ctr"/>
+            <a:endParaRPr lang="en-US">
+              <a:solidFill>
+                <a:schemeClr val="bg1"/>
+              </a:solidFill>
+            </a:endParaRPr>
+          </a:p>
+        </p:txBody>
+      </p:sp>
+      <p:grpSp>
+        <p:nvGrpSpPr>
+          <p:cNvPr id="10" name="Group 9">
+            <a:extLst>
+              <a:ext uri="{FF2B5EF4-FFF2-40B4-BE49-F238E27FC236}">
+                <a16:creationId xmlns:a16="http://schemas.microsoft.com/office/drawing/2014/main" id="{ACAC8F7F-D35D-4520-8F56-4EFA77C73B66}"/>
+              </a:ext>
+              <a:ext uri="{C183D7F6-B498-43B3-948B-1728B52AA6E4}">
+                <adec:decorative xmlns:adec="http://schemas.microsoft.com/office/drawing/2017/decorative" val="1"/>
+              </a:ext>
+            </a:extLst>
+          </p:cNvPr>
+          <p:cNvGrpSpPr>
+            <a:grpSpLocks noGrp="1" noUngrp="1" noRot="1" noChangeAspect="1" noMove="1" noResize="1"/>
+          </p:cNvGrpSpPr>
+          <p:nvPr>
+            <p:extLst>
+              <p:ext uri="{386F3935-93C4-4BCD-93E2-E3B085C9AB24}">
+                <p16:designElem xmlns:p16="http://schemas.microsoft.com/office/powerpoint/2015/main" val="1"/>
+              </p:ext>
+            </p:extLst>
+          </p:nvPr>
+        </p:nvGrpSpPr>
+        <p:grpSpPr>
+          <a:xfrm>
+            <a:off x="-6214" y="-1"/>
+            <a:ext cx="12214827" cy="6858000"/>
+            <a:chOff x="-6214" y="-1"/>
+            <a:chExt cx="12214827" cy="6858000"/>
+          </a:xfrm>
+        </p:grpSpPr>
+        <p:cxnSp>
+          <p:nvCxnSpPr>
+            <p:cNvPr id="11" name="Straight Connector 10">
+              <a:extLst>
+                <a:ext uri="{FF2B5EF4-FFF2-40B4-BE49-F238E27FC236}">
+                  <a16:creationId xmlns:a16="http://schemas.microsoft.com/office/drawing/2014/main" id="{E87C587A-B291-49B1-BE30-198570DDACDF}"/>
+                </a:ext>
+                <a:ext uri="{C183D7F6-B498-43B3-948B-1728B52AA6E4}">
+                  <adec:decorative xmlns:adec="http://schemas.microsoft.com/office/drawing/2017/decorative" val="1"/>
+                </a:ext>
+              </a:extLst>
+            </p:cNvPr>
+            <p:cNvCxnSpPr>
+              <a:cxnSpLocks/>
+            </p:cNvCxnSpPr>
+            <p:nvPr>
+              <p:extLst>
+                <p:ext uri="{386F3935-93C4-4BCD-93E2-E3B085C9AB24}">
+                  <p16:designElem xmlns:p16="http://schemas.microsoft.com/office/powerpoint/2015/main" val="1"/>
+                </p:ext>
+              </p:extLst>
+            </p:nvPr>
+          </p:nvCxnSpPr>
+          <p:spPr>
+            <a:xfrm>
+              <a:off x="-6214" y="6686283"/>
+              <a:ext cx="12192000" cy="0"/>
+            </a:xfrm>
+            <a:prstGeom prst="line">
+              <a:avLst/>
+            </a:prstGeom>
+            <a:ln w="12700">
+              <a:solidFill>
+                <a:srgbClr val="BCBCBC">
+                  <a:alpha val="29804"/>
+                </a:srgbClr>
+              </a:solidFill>
+              <a:prstDash val="sysDot"/>
+            </a:ln>
+          </p:spPr>
+          <p:style>
+            <a:lnRef idx="1">
+              <a:schemeClr val="accent1"/>
+            </a:lnRef>
+            <a:fillRef idx="0">
+              <a:schemeClr val="accent1"/>
+            </a:fillRef>
+            <a:effectRef idx="0">
+              <a:schemeClr val="accent1"/>
+            </a:effectRef>
+            <a:fontRef idx="minor">
+              <a:schemeClr val="tx1"/>
+            </a:fontRef>
+          </p:style>
+        </p:cxnSp>
+        <p:cxnSp>
+          <p:nvCxnSpPr>
+            <p:cNvPr id="12" name="Straight Connector 11">
+              <a:extLst>
+                <a:ext uri="{FF2B5EF4-FFF2-40B4-BE49-F238E27FC236}">
+                  <a16:creationId xmlns:a16="http://schemas.microsoft.com/office/drawing/2014/main" id="{CB6C1D58-93FC-4B49-9F8B-2262E08DAAB3}"/>
+                </a:ext>
+                <a:ext uri="{C183D7F6-B498-43B3-948B-1728B52AA6E4}">
+                  <adec:decorative xmlns:adec="http://schemas.microsoft.com/office/drawing/2017/decorative" val="1"/>
+                </a:ext>
+              </a:extLst>
+            </p:cNvPr>
+            <p:cNvCxnSpPr>
+              <a:cxnSpLocks/>
+            </p:cNvCxnSpPr>
+            <p:nvPr>
+              <p:extLst>
+                <p:ext uri="{386F3935-93C4-4BCD-93E2-E3B085C9AB24}">
+                  <p16:designElem xmlns:p16="http://schemas.microsoft.com/office/powerpoint/2015/main" val="1"/>
+                </p:ext>
+              </p:extLst>
+            </p:nvPr>
+          </p:nvCxnSpPr>
+          <p:spPr>
+            <a:xfrm>
+              <a:off x="0" y="-1"/>
+              <a:ext cx="0" cy="6858000"/>
+            </a:xfrm>
+            <a:prstGeom prst="line">
+              <a:avLst/>
+            </a:prstGeom>
+            <a:ln w="12700">
+              <a:solidFill>
+                <a:srgbClr val="BCBCBC">
+                  <a:alpha val="29804"/>
+                </a:srgbClr>
+              </a:solidFill>
+              <a:prstDash val="sysDot"/>
+            </a:ln>
+          </p:spPr>
+          <p:style>
+            <a:lnRef idx="1">
+              <a:schemeClr val="accent1"/>
+            </a:lnRef>
+            <a:fillRef idx="0">
+              <a:schemeClr val="accent1"/>
+            </a:fillRef>
+            <a:effectRef idx="0">
+              <a:schemeClr val="accent1"/>
+            </a:effectRef>
+            <a:fontRef idx="minor">
+              <a:schemeClr val="tx1"/>
+            </a:fontRef>
+          </p:style>
+        </p:cxnSp>
+        <p:cxnSp>
+          <p:nvCxnSpPr>
+            <p:cNvPr id="13" name="Straight Connector 12">
+              <a:extLst>
+                <a:ext uri="{FF2B5EF4-FFF2-40B4-BE49-F238E27FC236}">
+                  <a16:creationId xmlns:a16="http://schemas.microsoft.com/office/drawing/2014/main" id="{F0965ED9-2FC3-4180-9CAC-D7DF1C7BEF99}"/>
+                </a:ext>
+                <a:ext uri="{C183D7F6-B498-43B3-948B-1728B52AA6E4}">
+                  <adec:decorative xmlns:adec="http://schemas.microsoft.com/office/drawing/2017/decorative" val="1"/>
+                </a:ext>
+              </a:extLst>
+            </p:cNvPr>
+            <p:cNvCxnSpPr>
+              <a:cxnSpLocks/>
+            </p:cNvCxnSpPr>
+            <p:nvPr>
+              <p:extLst>
+                <p:ext uri="{386F3935-93C4-4BCD-93E2-E3B085C9AB24}">
+                  <p16:designElem xmlns:p16="http://schemas.microsoft.com/office/powerpoint/2015/main" val="1"/>
+                </p:ext>
+              </p:extLst>
+            </p:nvPr>
+          </p:nvCxnSpPr>
+          <p:spPr>
+            <a:xfrm>
+              <a:off x="11993258" y="-1"/>
+              <a:ext cx="0" cy="6858000"/>
+            </a:xfrm>
+            <a:prstGeom prst="line">
+              <a:avLst/>
+            </a:prstGeom>
+            <a:ln w="12700">
+              <a:solidFill>
+                <a:srgbClr val="BCBCBC">
+                  <a:alpha val="29804"/>
+                </a:srgbClr>
+              </a:solidFill>
+              <a:prstDash val="sysDot"/>
+            </a:ln>
+          </p:spPr>
+          <p:style>
+            <a:lnRef idx="1">
+              <a:schemeClr val="accent1"/>
+            </a:lnRef>
+            <a:fillRef idx="0">
+              <a:schemeClr val="accent1"/>
+            </a:fillRef>
+            <a:effectRef idx="0">
+              <a:schemeClr val="accent1"/>
+            </a:effectRef>
+            <a:fontRef idx="minor">
+              <a:schemeClr val="tx1"/>
+            </a:fontRef>
+          </p:style>
+        </p:cxnSp>
+        <p:cxnSp>
+          <p:nvCxnSpPr>
+            <p:cNvPr id="14" name="Straight Connector 13">
+              <a:extLst>
+                <a:ext uri="{FF2B5EF4-FFF2-40B4-BE49-F238E27FC236}">
+                  <a16:creationId xmlns:a16="http://schemas.microsoft.com/office/drawing/2014/main" id="{F116CA23-FA2C-4A44-A67C-FC147A715DD7}"/>
+                </a:ext>
+                <a:ext uri="{C183D7F6-B498-43B3-948B-1728B52AA6E4}">
+                  <adec:decorative xmlns:adec="http://schemas.microsoft.com/office/drawing/2017/decorative" val="1"/>
+                </a:ext>
+              </a:extLst>
+            </p:cNvPr>
+            <p:cNvCxnSpPr>
+              <a:cxnSpLocks/>
+            </p:cNvCxnSpPr>
+            <p:nvPr>
+              <p:extLst>
+                <p:ext uri="{386F3935-93C4-4BCD-93E2-E3B085C9AB24}">
+                  <p16:designElem xmlns:p16="http://schemas.microsoft.com/office/powerpoint/2015/main" val="1"/>
+                </p:ext>
+              </p:extLst>
+            </p:nvPr>
+          </p:nvCxnSpPr>
+          <p:spPr>
+            <a:xfrm>
+              <a:off x="192528" y="-1"/>
+              <a:ext cx="0" cy="6858000"/>
+            </a:xfrm>
+            <a:prstGeom prst="line">
+              <a:avLst/>
+            </a:prstGeom>
+            <a:ln w="12700">
+              <a:solidFill>
+                <a:srgbClr val="BCBCBC">
+                  <a:alpha val="29804"/>
+                </a:srgbClr>
+              </a:solidFill>
+              <a:prstDash val="sysDot"/>
+            </a:ln>
+          </p:spPr>
+          <p:style>
+            <a:lnRef idx="1">
+              <a:schemeClr val="accent1"/>
+            </a:lnRef>
+            <a:fillRef idx="0">
+              <a:schemeClr val="accent1"/>
+            </a:fillRef>
+            <a:effectRef idx="0">
+              <a:schemeClr val="accent1"/>
+            </a:effectRef>
+            <a:fontRef idx="minor">
+              <a:schemeClr val="tx1"/>
+            </a:fontRef>
+          </p:style>
+        </p:cxnSp>
+        <p:cxnSp>
+          <p:nvCxnSpPr>
+            <p:cNvPr id="15" name="Straight Connector 14">
+              <a:extLst>
+                <a:ext uri="{FF2B5EF4-FFF2-40B4-BE49-F238E27FC236}">
+                  <a16:creationId xmlns:a16="http://schemas.microsoft.com/office/drawing/2014/main" id="{E2C391CF-E782-40EA-B1EB-05ADC774CCE1}"/>
+                </a:ext>
+                <a:ext uri="{C183D7F6-B498-43B3-948B-1728B52AA6E4}">
+                  <adec:decorative xmlns:adec="http://schemas.microsoft.com/office/drawing/2017/decorative" val="1"/>
+                </a:ext>
+              </a:extLst>
+            </p:cNvPr>
+            <p:cNvCxnSpPr>
+              <a:cxnSpLocks/>
+            </p:cNvCxnSpPr>
+            <p:nvPr>
+              <p:extLst>
+                <p:ext uri="{386F3935-93C4-4BCD-93E2-E3B085C9AB24}">
+                  <p16:designElem xmlns:p16="http://schemas.microsoft.com/office/powerpoint/2015/main" val="1"/>
+                </p:ext>
+              </p:extLst>
+            </p:nvPr>
+          </p:nvCxnSpPr>
+          <p:spPr>
+            <a:xfrm>
+              <a:off x="1175922" y="-1"/>
+              <a:ext cx="0" cy="6858000"/>
+            </a:xfrm>
+            <a:prstGeom prst="line">
+              <a:avLst/>
+            </a:prstGeom>
+            <a:ln w="12700">
+              <a:solidFill>
+                <a:srgbClr val="BCBCBC">
+                  <a:alpha val="29804"/>
+                </a:srgbClr>
+              </a:solidFill>
+              <a:prstDash val="sysDot"/>
+            </a:ln>
+          </p:spPr>
+          <p:style>
+            <a:lnRef idx="1">
+              <a:schemeClr val="accent1"/>
+            </a:lnRef>
+            <a:fillRef idx="0">
+              <a:schemeClr val="accent1"/>
+            </a:fillRef>
+            <a:effectRef idx="0">
+              <a:schemeClr val="accent1"/>
+            </a:effectRef>
+            <a:fontRef idx="minor">
+              <a:schemeClr val="tx1"/>
+            </a:fontRef>
+          </p:style>
+        </p:cxnSp>
+        <p:cxnSp>
+          <p:nvCxnSpPr>
+            <p:cNvPr id="16" name="Straight Connector 15">
+              <a:extLst>
+                <a:ext uri="{FF2B5EF4-FFF2-40B4-BE49-F238E27FC236}">
+                  <a16:creationId xmlns:a16="http://schemas.microsoft.com/office/drawing/2014/main" id="{7B322665-68EB-45B5-A6DE-2869B30F1C9C}"/>
+                </a:ext>
+                <a:ext uri="{C183D7F6-B498-43B3-948B-1728B52AA6E4}">
+                  <adec:decorative xmlns:adec="http://schemas.microsoft.com/office/drawing/2017/decorative" val="1"/>
+                </a:ext>
+              </a:extLst>
+            </p:cNvPr>
+            <p:cNvCxnSpPr>
+              <a:cxnSpLocks/>
+            </p:cNvCxnSpPr>
+            <p:nvPr>
+              <p:extLst>
+                <p:ext uri="{386F3935-93C4-4BCD-93E2-E3B085C9AB24}">
+                  <p16:designElem xmlns:p16="http://schemas.microsoft.com/office/powerpoint/2015/main" val="1"/>
+                </p:ext>
+              </p:extLst>
+            </p:nvPr>
+          </p:nvCxnSpPr>
+          <p:spPr>
+            <a:xfrm>
+              <a:off x="2159316" y="-1"/>
+              <a:ext cx="0" cy="6858000"/>
+            </a:xfrm>
+            <a:prstGeom prst="line">
+              <a:avLst/>
+            </a:prstGeom>
+            <a:ln w="12700">
+              <a:solidFill>
+                <a:srgbClr val="BCBCBC">
+                  <a:alpha val="29804"/>
+                </a:srgbClr>
+              </a:solidFill>
+              <a:prstDash val="sysDot"/>
+            </a:ln>
+          </p:spPr>
+          <p:style>
+            <a:lnRef idx="1">
+              <a:schemeClr val="accent1"/>
+            </a:lnRef>
+            <a:fillRef idx="0">
+              <a:schemeClr val="accent1"/>
+            </a:fillRef>
+            <a:effectRef idx="0">
+              <a:schemeClr val="accent1"/>
+            </a:effectRef>
+            <a:fontRef idx="minor">
+              <a:schemeClr val="tx1"/>
+            </a:fontRef>
+          </p:style>
+        </p:cxnSp>
+        <p:cxnSp>
+          <p:nvCxnSpPr>
+            <p:cNvPr id="17" name="Straight Connector 16">
+              <a:extLst>
+                <a:ext uri="{FF2B5EF4-FFF2-40B4-BE49-F238E27FC236}">
+                  <a16:creationId xmlns:a16="http://schemas.microsoft.com/office/drawing/2014/main" id="{A3B7FA59-83C4-4952-AF38-C1FC950E9067}"/>
+                </a:ext>
+                <a:ext uri="{C183D7F6-B498-43B3-948B-1728B52AA6E4}">
+                  <adec:decorative xmlns:adec="http://schemas.microsoft.com/office/drawing/2017/decorative" val="1"/>
+                </a:ext>
+              </a:extLst>
+            </p:cNvPr>
+            <p:cNvCxnSpPr>
+              <a:cxnSpLocks/>
+            </p:cNvCxnSpPr>
+            <p:nvPr>
+              <p:extLst>
+                <p:ext uri="{386F3935-93C4-4BCD-93E2-E3B085C9AB24}">
+                  <p16:designElem xmlns:p16="http://schemas.microsoft.com/office/powerpoint/2015/main" val="1"/>
+                </p:ext>
+              </p:extLst>
+            </p:nvPr>
+          </p:nvCxnSpPr>
+          <p:spPr>
+            <a:xfrm>
+              <a:off x="3142710" y="-1"/>
+              <a:ext cx="0" cy="6858000"/>
+            </a:xfrm>
+            <a:prstGeom prst="line">
+              <a:avLst/>
+            </a:prstGeom>
+            <a:ln w="12700">
+              <a:solidFill>
+                <a:srgbClr val="BCBCBC">
+                  <a:alpha val="29804"/>
+                </a:srgbClr>
+              </a:solidFill>
+              <a:prstDash val="sysDot"/>
+            </a:ln>
+          </p:spPr>
+          <p:style>
+            <a:lnRef idx="1">
+              <a:schemeClr val="accent1"/>
+            </a:lnRef>
+            <a:fillRef idx="0">
+              <a:schemeClr val="accent1"/>
+            </a:fillRef>
+            <a:effectRef idx="0">
+              <a:schemeClr val="accent1"/>
+            </a:effectRef>
+            <a:fontRef idx="minor">
+              <a:schemeClr val="tx1"/>
+            </a:fontRef>
+          </p:style>
+        </p:cxnSp>
+        <p:cxnSp>
+          <p:nvCxnSpPr>
+            <p:cNvPr id="18" name="Straight Connector 17">
+              <a:extLst>
+                <a:ext uri="{FF2B5EF4-FFF2-40B4-BE49-F238E27FC236}">
+                  <a16:creationId xmlns:a16="http://schemas.microsoft.com/office/drawing/2014/main" id="{CE5D6D3A-DE20-486C-BBBF-F9B0E4D8A8B7}"/>
+                </a:ext>
+                <a:ext uri="{C183D7F6-B498-43B3-948B-1728B52AA6E4}">
+                  <adec:decorative xmlns:adec="http://schemas.microsoft.com/office/drawing/2017/decorative" val="1"/>
+                </a:ext>
+              </a:extLst>
+            </p:cNvPr>
+            <p:cNvCxnSpPr>
+              <a:cxnSpLocks/>
+            </p:cNvCxnSpPr>
+            <p:nvPr>
+              <p:extLst>
+                <p:ext uri="{386F3935-93C4-4BCD-93E2-E3B085C9AB24}">
+                  <p16:designElem xmlns:p16="http://schemas.microsoft.com/office/powerpoint/2015/main" val="1"/>
+                </p:ext>
+              </p:extLst>
+            </p:nvPr>
+          </p:nvCxnSpPr>
+          <p:spPr>
+            <a:xfrm>
+              <a:off x="4126104" y="-1"/>
+              <a:ext cx="0" cy="6858000"/>
+            </a:xfrm>
+            <a:prstGeom prst="line">
+              <a:avLst/>
+            </a:prstGeom>
+            <a:ln w="12700">
+              <a:solidFill>
+                <a:srgbClr val="BCBCBC">
+                  <a:alpha val="29804"/>
+                </a:srgbClr>
+              </a:solidFill>
+              <a:prstDash val="sysDot"/>
+            </a:ln>
+          </p:spPr>
+          <p:style>
+            <a:lnRef idx="1">
+              <a:schemeClr val="accent1"/>
+            </a:lnRef>
+            <a:fillRef idx="0">
+              <a:schemeClr val="accent1"/>
+            </a:fillRef>
+            <a:effectRef idx="0">
+              <a:schemeClr val="accent1"/>
+            </a:effectRef>
+            <a:fontRef idx="minor">
+              <a:schemeClr val="tx1"/>
+            </a:fontRef>
+          </p:style>
+        </p:cxnSp>
+        <p:cxnSp>
+          <p:nvCxnSpPr>
+            <p:cNvPr id="19" name="Straight Connector 18">
+              <a:extLst>
+                <a:ext uri="{FF2B5EF4-FFF2-40B4-BE49-F238E27FC236}">
+                  <a16:creationId xmlns:a16="http://schemas.microsoft.com/office/drawing/2014/main" id="{9B8B1D81-CEF1-437F-8252-036661CB5E4B}"/>
+                </a:ext>
+                <a:ext uri="{C183D7F6-B498-43B3-948B-1728B52AA6E4}">
+                  <adec:decorative xmlns:adec="http://schemas.microsoft.com/office/drawing/2017/decorative" val="1"/>
+                </a:ext>
+              </a:extLst>
+            </p:cNvPr>
+            <p:cNvCxnSpPr>
+              <a:cxnSpLocks/>
+            </p:cNvCxnSpPr>
+            <p:nvPr>
+              <p:extLst>
+                <p:ext uri="{386F3935-93C4-4BCD-93E2-E3B085C9AB24}">
+                  <p16:designElem xmlns:p16="http://schemas.microsoft.com/office/powerpoint/2015/main" val="1"/>
+                </p:ext>
+              </p:extLst>
+            </p:nvPr>
+          </p:nvCxnSpPr>
+          <p:spPr>
+            <a:xfrm>
+              <a:off x="5109498" y="-1"/>
+              <a:ext cx="0" cy="6858000"/>
+            </a:xfrm>
+            <a:prstGeom prst="line">
+              <a:avLst/>
+            </a:prstGeom>
+            <a:ln w="12700">
+              <a:solidFill>
+                <a:srgbClr val="BCBCBC">
+                  <a:alpha val="29804"/>
+                </a:srgbClr>
+              </a:solidFill>
+              <a:prstDash val="sysDot"/>
+            </a:ln>
+          </p:spPr>
+          <p:style>
+            <a:lnRef idx="1">
+              <a:schemeClr val="accent1"/>
+            </a:lnRef>
+            <a:fillRef idx="0">
+              <a:schemeClr val="accent1"/>
+            </a:fillRef>
+            <a:effectRef idx="0">
+              <a:schemeClr val="accent1"/>
+            </a:effectRef>
+            <a:fontRef idx="minor">
+              <a:schemeClr val="tx1"/>
+            </a:fontRef>
+          </p:style>
+        </p:cxnSp>
+        <p:cxnSp>
+          <p:nvCxnSpPr>
+            <p:cNvPr id="20" name="Straight Connector 19">
+              <a:extLst>
+                <a:ext uri="{FF2B5EF4-FFF2-40B4-BE49-F238E27FC236}">
+                  <a16:creationId xmlns:a16="http://schemas.microsoft.com/office/drawing/2014/main" id="{E1B0312A-9358-4743-961A-6F77AEB5D9DD}"/>
+                </a:ext>
+                <a:ext uri="{C183D7F6-B498-43B3-948B-1728B52AA6E4}">
+                  <adec:decorative xmlns:adec="http://schemas.microsoft.com/office/drawing/2017/decorative" val="1"/>
+                </a:ext>
+              </a:extLst>
+            </p:cNvPr>
+            <p:cNvCxnSpPr>
+              <a:cxnSpLocks/>
+            </p:cNvCxnSpPr>
+            <p:nvPr>
+              <p:extLst>
+                <p:ext uri="{386F3935-93C4-4BCD-93E2-E3B085C9AB24}">
+                  <p16:designElem xmlns:p16="http://schemas.microsoft.com/office/powerpoint/2015/main" val="1"/>
+                </p:ext>
+              </p:extLst>
+            </p:nvPr>
+          </p:nvCxnSpPr>
+          <p:spPr>
+            <a:xfrm>
+              <a:off x="6092892" y="-1"/>
+              <a:ext cx="0" cy="6858000"/>
+            </a:xfrm>
+            <a:prstGeom prst="line">
+              <a:avLst/>
+            </a:prstGeom>
+            <a:ln w="12700">
+              <a:solidFill>
+                <a:srgbClr val="BCBCBC">
+                  <a:alpha val="29804"/>
+                </a:srgbClr>
+              </a:solidFill>
+              <a:prstDash val="sysDot"/>
+            </a:ln>
+          </p:spPr>
+          <p:style>
+            <a:lnRef idx="1">
+              <a:schemeClr val="accent1"/>
+            </a:lnRef>
+            <a:fillRef idx="0">
+              <a:schemeClr val="accent1"/>
+            </a:fillRef>
+            <a:effectRef idx="0">
+              <a:schemeClr val="accent1"/>
+            </a:effectRef>
+            <a:fontRef idx="minor">
+              <a:schemeClr val="tx1"/>
+            </a:fontRef>
+          </p:style>
+        </p:cxnSp>
+        <p:cxnSp>
+          <p:nvCxnSpPr>
+            <p:cNvPr id="21" name="Straight Connector 20">
+              <a:extLst>
+                <a:ext uri="{FF2B5EF4-FFF2-40B4-BE49-F238E27FC236}">
+                  <a16:creationId xmlns:a16="http://schemas.microsoft.com/office/drawing/2014/main" id="{2C02485F-0EE1-4595-A972-16A13E91914C}"/>
+                </a:ext>
+                <a:ext uri="{C183D7F6-B498-43B3-948B-1728B52AA6E4}">
+                  <adec:decorative xmlns:adec="http://schemas.microsoft.com/office/drawing/2017/decorative" val="1"/>
+                </a:ext>
+              </a:extLst>
+            </p:cNvPr>
+            <p:cNvCxnSpPr>
+              <a:cxnSpLocks/>
+            </p:cNvCxnSpPr>
+            <p:nvPr>
+              <p:extLst>
+                <p:ext uri="{386F3935-93C4-4BCD-93E2-E3B085C9AB24}">
+                  <p16:designElem xmlns:p16="http://schemas.microsoft.com/office/powerpoint/2015/main" val="1"/>
+                </p:ext>
+              </p:extLst>
+            </p:nvPr>
+          </p:nvCxnSpPr>
+          <p:spPr>
+            <a:xfrm>
+              <a:off x="7076286" y="-1"/>
+              <a:ext cx="0" cy="6858000"/>
+            </a:xfrm>
+            <a:prstGeom prst="line">
+              <a:avLst/>
+            </a:prstGeom>
+            <a:ln w="12700">
+              <a:solidFill>
+                <a:srgbClr val="BCBCBC">
+                  <a:alpha val="29804"/>
+                </a:srgbClr>
+              </a:solidFill>
+              <a:prstDash val="sysDot"/>
+            </a:ln>
+          </p:spPr>
+          <p:style>
+            <a:lnRef idx="1">
+              <a:schemeClr val="accent1"/>
+            </a:lnRef>
+            <a:fillRef idx="0">
+              <a:schemeClr val="accent1"/>
+            </a:fillRef>
+            <a:effectRef idx="0">
+              <a:schemeClr val="accent1"/>
+            </a:effectRef>
+            <a:fontRef idx="minor">
+              <a:schemeClr val="tx1"/>
+            </a:fontRef>
+          </p:style>
+        </p:cxnSp>
+        <p:cxnSp>
+          <p:nvCxnSpPr>
+            <p:cNvPr id="22" name="Straight Connector 21">
+              <a:extLst>
+                <a:ext uri="{FF2B5EF4-FFF2-40B4-BE49-F238E27FC236}">
+                  <a16:creationId xmlns:a16="http://schemas.microsoft.com/office/drawing/2014/main" id="{F102D844-6E4F-483E-8E2E-9006EA180121}"/>
+                </a:ext>
+                <a:ext uri="{C183D7F6-B498-43B3-948B-1728B52AA6E4}">
+                  <adec:decorative xmlns:adec="http://schemas.microsoft.com/office/drawing/2017/decorative" val="1"/>
+                </a:ext>
+              </a:extLst>
+            </p:cNvPr>
+            <p:cNvCxnSpPr>
+              <a:cxnSpLocks/>
+            </p:cNvCxnSpPr>
+            <p:nvPr>
+              <p:extLst>
+                <p:ext uri="{386F3935-93C4-4BCD-93E2-E3B085C9AB24}">
+                  <p16:designElem xmlns:p16="http://schemas.microsoft.com/office/powerpoint/2015/main" val="1"/>
+                </p:ext>
+              </p:extLst>
+            </p:nvPr>
+          </p:nvCxnSpPr>
+          <p:spPr>
+            <a:xfrm>
+              <a:off x="8059680" y="-1"/>
+              <a:ext cx="0" cy="6858000"/>
+            </a:xfrm>
+            <a:prstGeom prst="line">
+              <a:avLst/>
+            </a:prstGeom>
+            <a:ln w="12700">
+              <a:solidFill>
+                <a:srgbClr val="BCBCBC">
+                  <a:alpha val="29804"/>
+                </a:srgbClr>
+              </a:solidFill>
+              <a:prstDash val="sysDot"/>
+            </a:ln>
+          </p:spPr>
+          <p:style>
+            <a:lnRef idx="1">
+              <a:schemeClr val="accent1"/>
+            </a:lnRef>
+            <a:fillRef idx="0">
+              <a:schemeClr val="accent1"/>
+            </a:fillRef>
+            <a:effectRef idx="0">
+              <a:schemeClr val="accent1"/>
+            </a:effectRef>
+            <a:fontRef idx="minor">
+              <a:schemeClr val="tx1"/>
+            </a:fontRef>
+          </p:style>
+        </p:cxnSp>
+        <p:cxnSp>
+          <p:nvCxnSpPr>
+            <p:cNvPr id="23" name="Straight Connector 22">
+              <a:extLst>
+                <a:ext uri="{FF2B5EF4-FFF2-40B4-BE49-F238E27FC236}">
+                  <a16:creationId xmlns:a16="http://schemas.microsoft.com/office/drawing/2014/main" id="{658766E6-D2D6-447C-B1DC-B7F7C381F1AC}"/>
+                </a:ext>
+                <a:ext uri="{C183D7F6-B498-43B3-948B-1728B52AA6E4}">
+                  <adec:decorative xmlns:adec="http://schemas.microsoft.com/office/drawing/2017/decorative" val="1"/>
+                </a:ext>
+              </a:extLst>
+            </p:cNvPr>
+            <p:cNvCxnSpPr>
+              <a:cxnSpLocks/>
+            </p:cNvCxnSpPr>
+            <p:nvPr>
+              <p:extLst>
+                <p:ext uri="{386F3935-93C4-4BCD-93E2-E3B085C9AB24}">
+                  <p16:designElem xmlns:p16="http://schemas.microsoft.com/office/powerpoint/2015/main" val="1"/>
+                </p:ext>
+              </p:extLst>
+            </p:nvPr>
+          </p:nvCxnSpPr>
+          <p:spPr>
+            <a:xfrm>
+              <a:off x="9043074" y="-1"/>
+              <a:ext cx="0" cy="6858000"/>
+            </a:xfrm>
+            <a:prstGeom prst="line">
+              <a:avLst/>
+            </a:prstGeom>
+            <a:ln w="12700">
+              <a:solidFill>
+                <a:srgbClr val="BCBCBC">
+                  <a:alpha val="29804"/>
+                </a:srgbClr>
+              </a:solidFill>
+              <a:prstDash val="sysDot"/>
+            </a:ln>
+          </p:spPr>
+          <p:style>
+            <a:lnRef idx="1">
+              <a:schemeClr val="accent1"/>
+            </a:lnRef>
+            <a:fillRef idx="0">
+              <a:schemeClr val="accent1"/>
+            </a:fillRef>
+            <a:effectRef idx="0">
+              <a:schemeClr val="accent1"/>
+            </a:effectRef>
+            <a:fontRef idx="minor">
+              <a:schemeClr val="tx1"/>
+            </a:fontRef>
+          </p:style>
+        </p:cxnSp>
+        <p:cxnSp>
+          <p:nvCxnSpPr>
+            <p:cNvPr id="24" name="Straight Connector 23">
+              <a:extLst>
+                <a:ext uri="{FF2B5EF4-FFF2-40B4-BE49-F238E27FC236}">
+                  <a16:creationId xmlns:a16="http://schemas.microsoft.com/office/drawing/2014/main" id="{B9BBD00C-7AB2-445E-B7DA-98CC7CAF3D92}"/>
+                </a:ext>
+                <a:ext uri="{C183D7F6-B498-43B3-948B-1728B52AA6E4}">
+                  <adec:decorative xmlns:adec="http://schemas.microsoft.com/office/drawing/2017/decorative" val="1"/>
+                </a:ext>
+              </a:extLst>
+            </p:cNvPr>
+            <p:cNvCxnSpPr>
+              <a:cxnSpLocks/>
+            </p:cNvCxnSpPr>
+            <p:nvPr>
+              <p:extLst>
+                <p:ext uri="{386F3935-93C4-4BCD-93E2-E3B085C9AB24}">
+                  <p16:designElem xmlns:p16="http://schemas.microsoft.com/office/powerpoint/2015/main" val="1"/>
+                </p:ext>
+              </p:extLst>
+            </p:nvPr>
+          </p:nvCxnSpPr>
+          <p:spPr>
+            <a:xfrm>
+              <a:off x="10026468" y="-1"/>
+              <a:ext cx="0" cy="6858000"/>
+            </a:xfrm>
+            <a:prstGeom prst="line">
+              <a:avLst/>
+            </a:prstGeom>
+            <a:ln w="12700">
+              <a:solidFill>
+                <a:srgbClr val="BCBCBC">
+                  <a:alpha val="29804"/>
+                </a:srgbClr>
+              </a:solidFill>
+              <a:prstDash val="sysDot"/>
+            </a:ln>
+          </p:spPr>
+          <p:style>
+            <a:lnRef idx="1">
+              <a:schemeClr val="accent1"/>
+            </a:lnRef>
+            <a:fillRef idx="0">
+              <a:schemeClr val="accent1"/>
+            </a:fillRef>
+            <a:effectRef idx="0">
+              <a:schemeClr val="accent1"/>
+            </a:effectRef>
+            <a:fontRef idx="minor">
+              <a:schemeClr val="tx1"/>
+            </a:fontRef>
+          </p:style>
+        </p:cxnSp>
+        <p:cxnSp>
+          <p:nvCxnSpPr>
+            <p:cNvPr id="25" name="Straight Connector 24">
+              <a:extLst>
+                <a:ext uri="{FF2B5EF4-FFF2-40B4-BE49-F238E27FC236}">
+                  <a16:creationId xmlns:a16="http://schemas.microsoft.com/office/drawing/2014/main" id="{6D177E1C-6580-456C-AAAE-89D422A2C187}"/>
+                </a:ext>
+                <a:ext uri="{C183D7F6-B498-43B3-948B-1728B52AA6E4}">
+                  <adec:decorative xmlns:adec="http://schemas.microsoft.com/office/drawing/2017/decorative" val="1"/>
+                </a:ext>
+              </a:extLst>
+            </p:cNvPr>
+            <p:cNvCxnSpPr>
+              <a:cxnSpLocks/>
+            </p:cNvCxnSpPr>
+            <p:nvPr>
+              <p:extLst>
+                <p:ext uri="{386F3935-93C4-4BCD-93E2-E3B085C9AB24}">
+                  <p16:designElem xmlns:p16="http://schemas.microsoft.com/office/powerpoint/2015/main" val="1"/>
+                </p:ext>
+              </p:extLst>
+            </p:nvPr>
+          </p:nvCxnSpPr>
+          <p:spPr>
+            <a:xfrm>
+              <a:off x="11009862" y="-1"/>
+              <a:ext cx="0" cy="6858000"/>
+            </a:xfrm>
+            <a:prstGeom prst="line">
+              <a:avLst/>
+            </a:prstGeom>
+            <a:ln w="12700">
+              <a:solidFill>
+                <a:srgbClr val="BCBCBC">
+                  <a:alpha val="29804"/>
+                </a:srgbClr>
+              </a:solidFill>
+              <a:prstDash val="sysDot"/>
+            </a:ln>
+          </p:spPr>
+          <p:style>
+            <a:lnRef idx="1">
+              <a:schemeClr val="accent1"/>
+            </a:lnRef>
+            <a:fillRef idx="0">
+              <a:schemeClr val="accent1"/>
+            </a:fillRef>
+            <a:effectRef idx="0">
+              <a:schemeClr val="accent1"/>
+            </a:effectRef>
+            <a:fontRef idx="minor">
+              <a:schemeClr val="tx1"/>
+            </a:fontRef>
+          </p:style>
+        </p:cxnSp>
+        <p:cxnSp>
+          <p:nvCxnSpPr>
+            <p:cNvPr id="26" name="Straight Connector 25">
+              <a:extLst>
+                <a:ext uri="{FF2B5EF4-FFF2-40B4-BE49-F238E27FC236}">
+                  <a16:creationId xmlns:a16="http://schemas.microsoft.com/office/drawing/2014/main" id="{BB85538F-9888-4E68-A9F3-DBB136C0FF17}"/>
+                </a:ext>
+                <a:ext uri="{C183D7F6-B498-43B3-948B-1728B52AA6E4}">
+                  <adec:decorative xmlns:adec="http://schemas.microsoft.com/office/drawing/2017/decorative" val="1"/>
+                </a:ext>
+              </a:extLst>
+            </p:cNvPr>
+            <p:cNvCxnSpPr>
+              <a:cxnSpLocks/>
+            </p:cNvCxnSpPr>
+            <p:nvPr>
+              <p:extLst>
+                <p:ext uri="{386F3935-93C4-4BCD-93E2-E3B085C9AB24}">
+                  <p16:designElem xmlns:p16="http://schemas.microsoft.com/office/powerpoint/2015/main" val="1"/>
+                </p:ext>
+              </p:extLst>
+            </p:nvPr>
+          </p:nvCxnSpPr>
+          <p:spPr>
+            <a:xfrm>
+              <a:off x="12185786" y="-1"/>
+              <a:ext cx="0" cy="6858000"/>
+            </a:xfrm>
+            <a:prstGeom prst="line">
+              <a:avLst/>
+            </a:prstGeom>
+            <a:ln w="12700">
+              <a:solidFill>
+                <a:srgbClr val="BCBCBC">
+                  <a:alpha val="29804"/>
+                </a:srgbClr>
+              </a:solidFill>
+              <a:prstDash val="sysDot"/>
+            </a:ln>
+          </p:spPr>
+          <p:style>
+            <a:lnRef idx="1">
+              <a:schemeClr val="accent1"/>
+            </a:lnRef>
+            <a:fillRef idx="0">
+              <a:schemeClr val="accent1"/>
+            </a:fillRef>
+            <a:effectRef idx="0">
+              <a:schemeClr val="accent1"/>
+            </a:effectRef>
+            <a:fontRef idx="minor">
+              <a:schemeClr val="tx1"/>
+            </a:fontRef>
+          </p:style>
+        </p:cxnSp>
+        <p:cxnSp>
+          <p:nvCxnSpPr>
+            <p:cNvPr id="27" name="Straight Connector 26">
+              <a:extLst>
+                <a:ext uri="{FF2B5EF4-FFF2-40B4-BE49-F238E27FC236}">
+                  <a16:creationId xmlns:a16="http://schemas.microsoft.com/office/drawing/2014/main" id="{C29B624F-F9D8-43BB-A468-08331D66CCA6}"/>
+                </a:ext>
+                <a:ext uri="{C183D7F6-B498-43B3-948B-1728B52AA6E4}">
+                  <adec:decorative xmlns:adec="http://schemas.microsoft.com/office/drawing/2017/decorative" val="1"/>
+                </a:ext>
+              </a:extLst>
+            </p:cNvPr>
+            <p:cNvCxnSpPr>
+              <a:cxnSpLocks/>
+            </p:cNvCxnSpPr>
+            <p:nvPr>
+              <p:extLst>
+                <p:ext uri="{386F3935-93C4-4BCD-93E2-E3B085C9AB24}">
+                  <p16:designElem xmlns:p16="http://schemas.microsoft.com/office/powerpoint/2015/main" val="1"/>
+                </p:ext>
+              </p:extLst>
+            </p:nvPr>
+          </p:nvCxnSpPr>
+          <p:spPr>
+            <a:xfrm>
+              <a:off x="0" y="171716"/>
+              <a:ext cx="12192000" cy="0"/>
+            </a:xfrm>
+            <a:prstGeom prst="line">
+              <a:avLst/>
+            </a:prstGeom>
+            <a:ln w="12700">
+              <a:solidFill>
+                <a:srgbClr val="BCBCBC">
+                  <a:alpha val="29804"/>
+                </a:srgbClr>
+              </a:solidFill>
+              <a:prstDash val="sysDot"/>
+            </a:ln>
+          </p:spPr>
+          <p:style>
+            <a:lnRef idx="1">
+              <a:schemeClr val="accent1"/>
+            </a:lnRef>
+            <a:fillRef idx="0">
+              <a:schemeClr val="accent1"/>
+            </a:fillRef>
+            <a:effectRef idx="0">
+              <a:schemeClr val="accent1"/>
+            </a:effectRef>
+            <a:fontRef idx="minor">
+              <a:schemeClr val="tx1"/>
+            </a:fontRef>
+          </p:style>
+        </p:cxnSp>
+        <p:cxnSp>
+          <p:nvCxnSpPr>
+            <p:cNvPr id="28" name="Straight Connector 27">
+              <a:extLst>
+                <a:ext uri="{FF2B5EF4-FFF2-40B4-BE49-F238E27FC236}">
+                  <a16:creationId xmlns:a16="http://schemas.microsoft.com/office/drawing/2014/main" id="{660E66F4-AE52-4D19-AF99-540F0CCFD716}"/>
+                </a:ext>
+                <a:ext uri="{C183D7F6-B498-43B3-948B-1728B52AA6E4}">
+                  <adec:decorative xmlns:adec="http://schemas.microsoft.com/office/drawing/2017/decorative" val="1"/>
+                </a:ext>
+              </a:extLst>
+            </p:cNvPr>
+            <p:cNvCxnSpPr>
+              <a:cxnSpLocks/>
+            </p:cNvCxnSpPr>
+            <p:nvPr>
+              <p:extLst>
+                <p:ext uri="{386F3935-93C4-4BCD-93E2-E3B085C9AB24}">
+                  <p16:designElem xmlns:p16="http://schemas.microsoft.com/office/powerpoint/2015/main" val="1"/>
+                </p:ext>
+              </p:extLst>
+            </p:nvPr>
+          </p:nvCxnSpPr>
+          <p:spPr>
+            <a:xfrm>
+              <a:off x="0" y="714597"/>
+              <a:ext cx="12192000" cy="0"/>
+            </a:xfrm>
+            <a:prstGeom prst="line">
+              <a:avLst/>
+            </a:prstGeom>
+            <a:ln w="12700">
+              <a:solidFill>
+                <a:srgbClr val="BCBCBC">
+                  <a:alpha val="29804"/>
+                </a:srgbClr>
+              </a:solidFill>
+              <a:prstDash val="sysDot"/>
+            </a:ln>
+          </p:spPr>
+          <p:style>
+            <a:lnRef idx="1">
+              <a:schemeClr val="accent1"/>
+            </a:lnRef>
+            <a:fillRef idx="0">
+              <a:schemeClr val="accent1"/>
+            </a:fillRef>
+            <a:effectRef idx="0">
+              <a:schemeClr val="accent1"/>
+            </a:effectRef>
+            <a:fontRef idx="minor">
+              <a:schemeClr val="tx1"/>
+            </a:fontRef>
+          </p:style>
+        </p:cxnSp>
+        <p:cxnSp>
+          <p:nvCxnSpPr>
+            <p:cNvPr id="29" name="Straight Connector 28">
+              <a:extLst>
+                <a:ext uri="{FF2B5EF4-FFF2-40B4-BE49-F238E27FC236}">
+                  <a16:creationId xmlns:a16="http://schemas.microsoft.com/office/drawing/2014/main" id="{ACADC852-407F-4870-9F7B-A6004FE77CEB}"/>
+                </a:ext>
+                <a:ext uri="{C183D7F6-B498-43B3-948B-1728B52AA6E4}">
+                  <adec:decorative xmlns:adec="http://schemas.microsoft.com/office/drawing/2017/decorative" val="1"/>
+                </a:ext>
+              </a:extLst>
+            </p:cNvPr>
+            <p:cNvCxnSpPr>
+              <a:cxnSpLocks/>
+            </p:cNvCxnSpPr>
+            <p:nvPr>
+              <p:extLst>
+                <p:ext uri="{386F3935-93C4-4BCD-93E2-E3B085C9AB24}">
+                  <p16:designElem xmlns:p16="http://schemas.microsoft.com/office/powerpoint/2015/main" val="1"/>
+                </p:ext>
+              </p:extLst>
+            </p:nvPr>
+          </p:nvCxnSpPr>
+          <p:spPr>
+            <a:xfrm>
+              <a:off x="0" y="1257478"/>
+              <a:ext cx="12192000" cy="0"/>
+            </a:xfrm>
+            <a:prstGeom prst="line">
+              <a:avLst/>
+            </a:prstGeom>
+            <a:ln w="12700">
+              <a:solidFill>
+                <a:srgbClr val="BCBCBC">
+                  <a:alpha val="29804"/>
+                </a:srgbClr>
+              </a:solidFill>
+              <a:prstDash val="sysDot"/>
+            </a:ln>
+          </p:spPr>
+          <p:style>
+            <a:lnRef idx="1">
+              <a:schemeClr val="accent1"/>
+            </a:lnRef>
+            <a:fillRef idx="0">
+              <a:schemeClr val="accent1"/>
+            </a:fillRef>
+            <a:effectRef idx="0">
+              <a:schemeClr val="accent1"/>
+            </a:effectRef>
+            <a:fontRef idx="minor">
+              <a:schemeClr val="tx1"/>
+            </a:fontRef>
+          </p:style>
+        </p:cxnSp>
+        <p:cxnSp>
+          <p:nvCxnSpPr>
+            <p:cNvPr id="30" name="Straight Connector 29">
+              <a:extLst>
+                <a:ext uri="{FF2B5EF4-FFF2-40B4-BE49-F238E27FC236}">
+                  <a16:creationId xmlns:a16="http://schemas.microsoft.com/office/drawing/2014/main" id="{8E9CC738-B12D-4154-A4EA-81D4576BC106}"/>
+                </a:ext>
+                <a:ext uri="{C183D7F6-B498-43B3-948B-1728B52AA6E4}">
+                  <adec:decorative xmlns:adec="http://schemas.microsoft.com/office/drawing/2017/decorative" val="1"/>
+                </a:ext>
+              </a:extLst>
+            </p:cNvPr>
+            <p:cNvCxnSpPr>
+              <a:cxnSpLocks/>
+            </p:cNvCxnSpPr>
+            <p:nvPr>
+              <p:extLst>
+                <p:ext uri="{386F3935-93C4-4BCD-93E2-E3B085C9AB24}">
+                  <p16:designElem xmlns:p16="http://schemas.microsoft.com/office/powerpoint/2015/main" val="1"/>
+                </p:ext>
+              </p:extLst>
+            </p:nvPr>
+          </p:nvCxnSpPr>
+          <p:spPr>
+            <a:xfrm>
+              <a:off x="0" y="1800359"/>
+              <a:ext cx="12192000" cy="0"/>
+            </a:xfrm>
+            <a:prstGeom prst="line">
+              <a:avLst/>
+            </a:prstGeom>
+            <a:ln w="12700">
+              <a:solidFill>
+                <a:srgbClr val="BCBCBC">
+                  <a:alpha val="29804"/>
+                </a:srgbClr>
+              </a:solidFill>
+              <a:prstDash val="sysDot"/>
+            </a:ln>
+          </p:spPr>
+          <p:style>
+            <a:lnRef idx="1">
+              <a:schemeClr val="accent1"/>
+            </a:lnRef>
+            <a:fillRef idx="0">
+              <a:schemeClr val="accent1"/>
+            </a:fillRef>
+            <a:effectRef idx="0">
+              <a:schemeClr val="accent1"/>
+            </a:effectRef>
+            <a:fontRef idx="minor">
+              <a:schemeClr val="tx1"/>
+            </a:fontRef>
+          </p:style>
+        </p:cxnSp>
+        <p:cxnSp>
+          <p:nvCxnSpPr>
+            <p:cNvPr id="31" name="Straight Connector 30">
+              <a:extLst>
+                <a:ext uri="{FF2B5EF4-FFF2-40B4-BE49-F238E27FC236}">
+                  <a16:creationId xmlns:a16="http://schemas.microsoft.com/office/drawing/2014/main" id="{0A2A84F5-CD6A-4287-A9C1-EED0E65CA9D9}"/>
+                </a:ext>
+                <a:ext uri="{C183D7F6-B498-43B3-948B-1728B52AA6E4}">
+                  <adec:decorative xmlns:adec="http://schemas.microsoft.com/office/drawing/2017/decorative" val="1"/>
+                </a:ext>
+              </a:extLst>
+            </p:cNvPr>
+            <p:cNvCxnSpPr>
+              <a:cxnSpLocks/>
+            </p:cNvCxnSpPr>
+            <p:nvPr>
+              <p:extLst>
+                <p:ext uri="{386F3935-93C4-4BCD-93E2-E3B085C9AB24}">
+                  <p16:designElem xmlns:p16="http://schemas.microsoft.com/office/powerpoint/2015/main" val="1"/>
+                </p:ext>
+              </p:extLst>
+            </p:nvPr>
+          </p:nvCxnSpPr>
+          <p:spPr>
+            <a:xfrm>
+              <a:off x="0" y="2343240"/>
+              <a:ext cx="12192000" cy="0"/>
+            </a:xfrm>
+            <a:prstGeom prst="line">
+              <a:avLst/>
+            </a:prstGeom>
+            <a:ln w="12700">
+              <a:solidFill>
+                <a:srgbClr val="BCBCBC">
+                  <a:alpha val="29804"/>
+                </a:srgbClr>
+              </a:solidFill>
+              <a:prstDash val="sysDot"/>
+            </a:ln>
+          </p:spPr>
+          <p:style>
+            <a:lnRef idx="1">
+              <a:schemeClr val="accent1"/>
+            </a:lnRef>
+            <a:fillRef idx="0">
+              <a:schemeClr val="accent1"/>
+            </a:fillRef>
+            <a:effectRef idx="0">
+              <a:schemeClr val="accent1"/>
+            </a:effectRef>
+            <a:fontRef idx="minor">
+              <a:schemeClr val="tx1"/>
+            </a:fontRef>
+          </p:style>
+        </p:cxnSp>
+        <p:cxnSp>
+          <p:nvCxnSpPr>
+            <p:cNvPr id="32" name="Straight Connector 31">
+              <a:extLst>
+                <a:ext uri="{FF2B5EF4-FFF2-40B4-BE49-F238E27FC236}">
+                  <a16:creationId xmlns:a16="http://schemas.microsoft.com/office/drawing/2014/main" id="{53F4EFD5-6D1E-4865-83BA-0F116DF06F39}"/>
+                </a:ext>
+                <a:ext uri="{C183D7F6-B498-43B3-948B-1728B52AA6E4}">
+                  <adec:decorative xmlns:adec="http://schemas.microsoft.com/office/drawing/2017/decorative" val="1"/>
+                </a:ext>
+              </a:extLst>
+            </p:cNvPr>
+            <p:cNvCxnSpPr>
+              <a:cxnSpLocks/>
+            </p:cNvCxnSpPr>
+            <p:nvPr>
+              <p:extLst>
+                <p:ext uri="{386F3935-93C4-4BCD-93E2-E3B085C9AB24}">
+                  <p16:designElem xmlns:p16="http://schemas.microsoft.com/office/powerpoint/2015/main" val="1"/>
+                </p:ext>
+              </p:extLst>
+            </p:nvPr>
+          </p:nvCxnSpPr>
+          <p:spPr>
+            <a:xfrm>
+              <a:off x="0" y="2886121"/>
+              <a:ext cx="12192000" cy="0"/>
+            </a:xfrm>
+            <a:prstGeom prst="line">
+              <a:avLst/>
+            </a:prstGeom>
+            <a:ln w="12700">
+              <a:solidFill>
+                <a:srgbClr val="BCBCBC">
+                  <a:alpha val="29804"/>
+                </a:srgbClr>
+              </a:solidFill>
+              <a:prstDash val="sysDot"/>
+            </a:ln>
+          </p:spPr>
+          <p:style>
+            <a:lnRef idx="1">
+              <a:schemeClr val="accent1"/>
+            </a:lnRef>
+            <a:fillRef idx="0">
+              <a:schemeClr val="accent1"/>
+            </a:fillRef>
+            <a:effectRef idx="0">
+              <a:schemeClr val="accent1"/>
+            </a:effectRef>
+            <a:fontRef idx="minor">
+              <a:schemeClr val="tx1"/>
+            </a:fontRef>
+          </p:style>
+        </p:cxnSp>
+        <p:cxnSp>
+          <p:nvCxnSpPr>
+            <p:cNvPr id="33" name="Straight Connector 32">
+              <a:extLst>
+                <a:ext uri="{FF2B5EF4-FFF2-40B4-BE49-F238E27FC236}">
+                  <a16:creationId xmlns:a16="http://schemas.microsoft.com/office/drawing/2014/main" id="{A0A8CE11-5C23-4CA3-8D8E-9E094566DBCF}"/>
+                </a:ext>
+                <a:ext uri="{C183D7F6-B498-43B3-948B-1728B52AA6E4}">
+                  <adec:decorative xmlns:adec="http://schemas.microsoft.com/office/drawing/2017/decorative" val="1"/>
+                </a:ext>
+              </a:extLst>
+            </p:cNvPr>
+            <p:cNvCxnSpPr>
+              <a:cxnSpLocks/>
+            </p:cNvCxnSpPr>
+            <p:nvPr>
+              <p:extLst>
+                <p:ext uri="{386F3935-93C4-4BCD-93E2-E3B085C9AB24}">
+                  <p16:designElem xmlns:p16="http://schemas.microsoft.com/office/powerpoint/2015/main" val="1"/>
+                </p:ext>
+              </p:extLst>
+            </p:nvPr>
+          </p:nvCxnSpPr>
+          <p:spPr>
+            <a:xfrm>
+              <a:off x="0" y="3429002"/>
+              <a:ext cx="12192000" cy="0"/>
+            </a:xfrm>
+            <a:prstGeom prst="line">
+              <a:avLst/>
+            </a:prstGeom>
+            <a:ln w="12700">
+              <a:solidFill>
+                <a:srgbClr val="BCBCBC">
+                  <a:alpha val="29804"/>
+                </a:srgbClr>
+              </a:solidFill>
+              <a:prstDash val="sysDot"/>
+            </a:ln>
+          </p:spPr>
+          <p:style>
+            <a:lnRef idx="1">
+              <a:schemeClr val="accent1"/>
+            </a:lnRef>
+            <a:fillRef idx="0">
+              <a:schemeClr val="accent1"/>
+            </a:fillRef>
+            <a:effectRef idx="0">
+              <a:schemeClr val="accent1"/>
+            </a:effectRef>
+            <a:fontRef idx="minor">
+              <a:schemeClr val="tx1"/>
+            </a:fontRef>
+          </p:style>
+        </p:cxnSp>
+        <p:cxnSp>
+          <p:nvCxnSpPr>
+            <p:cNvPr id="34" name="Straight Connector 33">
+              <a:extLst>
+                <a:ext uri="{FF2B5EF4-FFF2-40B4-BE49-F238E27FC236}">
+                  <a16:creationId xmlns:a16="http://schemas.microsoft.com/office/drawing/2014/main" id="{A5D41DA6-2047-4BB5-8469-509E240E4924}"/>
+                </a:ext>
+                <a:ext uri="{C183D7F6-B498-43B3-948B-1728B52AA6E4}">
+                  <adec:decorative xmlns:adec="http://schemas.microsoft.com/office/drawing/2017/decorative" val="1"/>
+                </a:ext>
+              </a:extLst>
+            </p:cNvPr>
+            <p:cNvCxnSpPr>
+              <a:cxnSpLocks/>
+            </p:cNvCxnSpPr>
+            <p:nvPr>
+              <p:extLst>
+                <p:ext uri="{386F3935-93C4-4BCD-93E2-E3B085C9AB24}">
+                  <p16:designElem xmlns:p16="http://schemas.microsoft.com/office/powerpoint/2015/main" val="1"/>
+                </p:ext>
+              </p:extLst>
+            </p:nvPr>
+          </p:nvCxnSpPr>
+          <p:spPr>
+            <a:xfrm>
+              <a:off x="0" y="3971883"/>
+              <a:ext cx="12192000" cy="0"/>
+            </a:xfrm>
+            <a:prstGeom prst="line">
+              <a:avLst/>
+            </a:prstGeom>
+            <a:ln w="12700">
+              <a:solidFill>
+                <a:srgbClr val="BCBCBC">
+                  <a:alpha val="29804"/>
+                </a:srgbClr>
+              </a:solidFill>
+              <a:prstDash val="sysDot"/>
+            </a:ln>
+          </p:spPr>
+          <p:style>
+            <a:lnRef idx="1">
+              <a:schemeClr val="accent1"/>
+            </a:lnRef>
+            <a:fillRef idx="0">
+              <a:schemeClr val="accent1"/>
+            </a:fillRef>
+            <a:effectRef idx="0">
+              <a:schemeClr val="accent1"/>
+            </a:effectRef>
+            <a:fontRef idx="minor">
+              <a:schemeClr val="tx1"/>
+            </a:fontRef>
+          </p:style>
+        </p:cxnSp>
+        <p:cxnSp>
+          <p:nvCxnSpPr>
+            <p:cNvPr id="35" name="Straight Connector 34">
+              <a:extLst>
+                <a:ext uri="{FF2B5EF4-FFF2-40B4-BE49-F238E27FC236}">
+                  <a16:creationId xmlns:a16="http://schemas.microsoft.com/office/drawing/2014/main" id="{FAACD460-E6E2-4C46-A780-095B52D1B2B6}"/>
+                </a:ext>
+                <a:ext uri="{C183D7F6-B498-43B3-948B-1728B52AA6E4}">
+                  <adec:decorative xmlns:adec="http://schemas.microsoft.com/office/drawing/2017/decorative" val="1"/>
+                </a:ext>
+              </a:extLst>
+            </p:cNvPr>
+            <p:cNvCxnSpPr>
+              <a:cxnSpLocks/>
+            </p:cNvCxnSpPr>
+            <p:nvPr>
+              <p:extLst>
+                <p:ext uri="{386F3935-93C4-4BCD-93E2-E3B085C9AB24}">
+                  <p16:designElem xmlns:p16="http://schemas.microsoft.com/office/powerpoint/2015/main" val="1"/>
+                </p:ext>
+              </p:extLst>
+            </p:nvPr>
+          </p:nvCxnSpPr>
+          <p:spPr>
+            <a:xfrm>
+              <a:off x="0" y="4514764"/>
+              <a:ext cx="12192000" cy="0"/>
+            </a:xfrm>
+            <a:prstGeom prst="line">
+              <a:avLst/>
+            </a:prstGeom>
+            <a:ln w="12700">
+              <a:solidFill>
+                <a:srgbClr val="BCBCBC">
+                  <a:alpha val="29804"/>
+                </a:srgbClr>
+              </a:solidFill>
+              <a:prstDash val="sysDot"/>
+            </a:ln>
+          </p:spPr>
+          <p:style>
+            <a:lnRef idx="1">
+              <a:schemeClr val="accent1"/>
+            </a:lnRef>
+            <a:fillRef idx="0">
+              <a:schemeClr val="accent1"/>
+            </a:fillRef>
+            <a:effectRef idx="0">
+              <a:schemeClr val="accent1"/>
+            </a:effectRef>
+            <a:fontRef idx="minor">
+              <a:schemeClr val="tx1"/>
+            </a:fontRef>
+          </p:style>
+        </p:cxnSp>
+        <p:cxnSp>
+          <p:nvCxnSpPr>
+            <p:cNvPr id="36" name="Straight Connector 35">
+              <a:extLst>
+                <a:ext uri="{FF2B5EF4-FFF2-40B4-BE49-F238E27FC236}">
+                  <a16:creationId xmlns:a16="http://schemas.microsoft.com/office/drawing/2014/main" id="{8B36364A-122E-43B1-B2B8-F00D83E5D68B}"/>
+                </a:ext>
+                <a:ext uri="{C183D7F6-B498-43B3-948B-1728B52AA6E4}">
+                  <adec:decorative xmlns:adec="http://schemas.microsoft.com/office/drawing/2017/decorative" val="1"/>
+                </a:ext>
+              </a:extLst>
+            </p:cNvPr>
+            <p:cNvCxnSpPr>
+              <a:cxnSpLocks/>
+            </p:cNvCxnSpPr>
+            <p:nvPr>
+              <p:extLst>
+                <p:ext uri="{386F3935-93C4-4BCD-93E2-E3B085C9AB24}">
+                  <p16:designElem xmlns:p16="http://schemas.microsoft.com/office/powerpoint/2015/main" val="1"/>
+                </p:ext>
+              </p:extLst>
+            </p:nvPr>
+          </p:nvCxnSpPr>
+          <p:spPr>
+            <a:xfrm>
+              <a:off x="0" y="5057645"/>
+              <a:ext cx="12192000" cy="0"/>
+            </a:xfrm>
+            <a:prstGeom prst="line">
+              <a:avLst/>
+            </a:prstGeom>
+            <a:ln w="12700">
+              <a:solidFill>
+                <a:srgbClr val="BCBCBC">
+                  <a:alpha val="29804"/>
+                </a:srgbClr>
+              </a:solidFill>
+              <a:prstDash val="sysDot"/>
+            </a:ln>
+          </p:spPr>
+          <p:style>
+            <a:lnRef idx="1">
+              <a:schemeClr val="accent1"/>
+            </a:lnRef>
+            <a:fillRef idx="0">
+              <a:schemeClr val="accent1"/>
+            </a:fillRef>
+            <a:effectRef idx="0">
+              <a:schemeClr val="accent1"/>
+            </a:effectRef>
+            <a:fontRef idx="minor">
+              <a:schemeClr val="tx1"/>
+            </a:fontRef>
+          </p:style>
+        </p:cxnSp>
+        <p:cxnSp>
+          <p:nvCxnSpPr>
+            <p:cNvPr id="37" name="Straight Connector 36">
+              <a:extLst>
+                <a:ext uri="{FF2B5EF4-FFF2-40B4-BE49-F238E27FC236}">
+                  <a16:creationId xmlns:a16="http://schemas.microsoft.com/office/drawing/2014/main" id="{99A63098-DBC2-4C59-9D33-809ECCA62333}"/>
+                </a:ext>
+                <a:ext uri="{C183D7F6-B498-43B3-948B-1728B52AA6E4}">
+                  <adec:decorative xmlns:adec="http://schemas.microsoft.com/office/drawing/2017/decorative" val="1"/>
+                </a:ext>
+              </a:extLst>
+            </p:cNvPr>
+            <p:cNvCxnSpPr>
+              <a:cxnSpLocks/>
+            </p:cNvCxnSpPr>
+            <p:nvPr>
+              <p:extLst>
+                <p:ext uri="{386F3935-93C4-4BCD-93E2-E3B085C9AB24}">
+                  <p16:designElem xmlns:p16="http://schemas.microsoft.com/office/powerpoint/2015/main" val="1"/>
+                </p:ext>
+              </p:extLst>
+            </p:nvPr>
+          </p:nvCxnSpPr>
+          <p:spPr>
+            <a:xfrm>
+              <a:off x="0" y="5600526"/>
+              <a:ext cx="12192000" cy="0"/>
+            </a:xfrm>
+            <a:prstGeom prst="line">
+              <a:avLst/>
+            </a:prstGeom>
+            <a:ln w="12700">
+              <a:solidFill>
+                <a:srgbClr val="BCBCBC">
+                  <a:alpha val="29804"/>
+                </a:srgbClr>
+              </a:solidFill>
+              <a:prstDash val="sysDot"/>
+            </a:ln>
+          </p:spPr>
+          <p:style>
+            <a:lnRef idx="1">
+              <a:schemeClr val="accent1"/>
+            </a:lnRef>
+            <a:fillRef idx="0">
+              <a:schemeClr val="accent1"/>
+            </a:fillRef>
+            <a:effectRef idx="0">
+              <a:schemeClr val="accent1"/>
+            </a:effectRef>
+            <a:fontRef idx="minor">
+              <a:schemeClr val="tx1"/>
+            </a:fontRef>
+          </p:style>
+        </p:cxnSp>
+        <p:cxnSp>
+          <p:nvCxnSpPr>
+            <p:cNvPr id="38" name="Straight Connector 37">
+              <a:extLst>
+                <a:ext uri="{FF2B5EF4-FFF2-40B4-BE49-F238E27FC236}">
+                  <a16:creationId xmlns:a16="http://schemas.microsoft.com/office/drawing/2014/main" id="{98F309E4-ACE9-4428-8DDA-20E0F1A1BC9B}"/>
+                </a:ext>
+                <a:ext uri="{C183D7F6-B498-43B3-948B-1728B52AA6E4}">
+                  <adec:decorative xmlns:adec="http://schemas.microsoft.com/office/drawing/2017/decorative" val="1"/>
+                </a:ext>
+              </a:extLst>
+            </p:cNvPr>
+            <p:cNvCxnSpPr>
+              <a:cxnSpLocks/>
+            </p:cNvCxnSpPr>
+            <p:nvPr>
+              <p:extLst>
+                <p:ext uri="{386F3935-93C4-4BCD-93E2-E3B085C9AB24}">
+                  <p16:designElem xmlns:p16="http://schemas.microsoft.com/office/powerpoint/2015/main" val="1"/>
+                </p:ext>
+              </p:extLst>
+            </p:nvPr>
+          </p:nvCxnSpPr>
+          <p:spPr>
+            <a:xfrm>
+              <a:off x="0" y="6857999"/>
+              <a:ext cx="12192000" cy="0"/>
+            </a:xfrm>
+            <a:prstGeom prst="line">
+              <a:avLst/>
+            </a:prstGeom>
+            <a:ln w="12700">
+              <a:solidFill>
+                <a:srgbClr val="BCBCBC">
+                  <a:alpha val="29804"/>
+                </a:srgbClr>
+              </a:solidFill>
+              <a:prstDash val="sysDot"/>
+            </a:ln>
+          </p:spPr>
+          <p:style>
+            <a:lnRef idx="1">
+              <a:schemeClr val="accent1"/>
+            </a:lnRef>
+            <a:fillRef idx="0">
+              <a:schemeClr val="accent1"/>
+            </a:fillRef>
+            <a:effectRef idx="0">
+              <a:schemeClr val="accent1"/>
+            </a:effectRef>
+            <a:fontRef idx="minor">
+              <a:schemeClr val="tx1"/>
+            </a:fontRef>
+          </p:style>
+        </p:cxnSp>
+        <p:cxnSp>
+          <p:nvCxnSpPr>
+            <p:cNvPr id="39" name="Straight Connector 38">
+              <a:extLst>
+                <a:ext uri="{FF2B5EF4-FFF2-40B4-BE49-F238E27FC236}">
+                  <a16:creationId xmlns:a16="http://schemas.microsoft.com/office/drawing/2014/main" id="{239F177F-07E3-45BF-85B1-21E231DCCC99}"/>
+                </a:ext>
+                <a:ext uri="{C183D7F6-B498-43B3-948B-1728B52AA6E4}">
+                  <adec:decorative xmlns:adec="http://schemas.microsoft.com/office/drawing/2017/decorative" val="1"/>
+                </a:ext>
+              </a:extLst>
+            </p:cNvPr>
+            <p:cNvCxnSpPr>
+              <a:cxnSpLocks/>
+            </p:cNvCxnSpPr>
+            <p:nvPr>
+              <p:extLst>
+                <p:ext uri="{386F3935-93C4-4BCD-93E2-E3B085C9AB24}">
+                  <p16:designElem xmlns:p16="http://schemas.microsoft.com/office/powerpoint/2015/main" val="1"/>
+                </p:ext>
+              </p:extLst>
+            </p:nvPr>
+          </p:nvCxnSpPr>
+          <p:spPr>
+            <a:xfrm>
+              <a:off x="16613" y="6143407"/>
+              <a:ext cx="12192000" cy="0"/>
+            </a:xfrm>
+            <a:prstGeom prst="line">
+              <a:avLst/>
+            </a:prstGeom>
+            <a:ln w="12700">
+              <a:solidFill>
+                <a:srgbClr val="BCBCBC">
+                  <a:alpha val="29804"/>
+                </a:srgbClr>
+              </a:solidFill>
+              <a:prstDash val="sysDot"/>
+            </a:ln>
+          </p:spPr>
+          <p:style>
+            <a:lnRef idx="1">
+              <a:schemeClr val="accent1"/>
+            </a:lnRef>
+            <a:fillRef idx="0">
+              <a:schemeClr val="accent1"/>
+            </a:fillRef>
+            <a:effectRef idx="0">
+              <a:schemeClr val="accent1"/>
+            </a:effectRef>
+            <a:fontRef idx="minor">
+              <a:schemeClr val="tx1"/>
+            </a:fontRef>
+          </p:style>
+        </p:cxnSp>
+        <p:cxnSp>
+          <p:nvCxnSpPr>
+            <p:cNvPr id="40" name="Straight Connector 39">
+              <a:extLst>
+                <a:ext uri="{FF2B5EF4-FFF2-40B4-BE49-F238E27FC236}">
+                  <a16:creationId xmlns:a16="http://schemas.microsoft.com/office/drawing/2014/main" id="{23EC3277-85FC-401E-80E3-B64B9808DE41}"/>
+                </a:ext>
+                <a:ext uri="{C183D7F6-B498-43B3-948B-1728B52AA6E4}">
+                  <adec:decorative xmlns:adec="http://schemas.microsoft.com/office/drawing/2017/decorative" val="1"/>
+                </a:ext>
+              </a:extLst>
+            </p:cNvPr>
+            <p:cNvCxnSpPr>
+              <a:cxnSpLocks/>
+            </p:cNvCxnSpPr>
+            <p:nvPr>
+              <p:extLst>
+                <p:ext uri="{386F3935-93C4-4BCD-93E2-E3B085C9AB24}">
+                  <p16:designElem xmlns:p16="http://schemas.microsoft.com/office/powerpoint/2015/main" val="1"/>
+                </p:ext>
+              </p:extLst>
+            </p:nvPr>
+          </p:nvCxnSpPr>
+          <p:spPr>
+            <a:xfrm>
+              <a:off x="684225" y="171716"/>
+              <a:ext cx="0" cy="6511464"/>
+            </a:xfrm>
+            <a:prstGeom prst="line">
+              <a:avLst/>
+            </a:prstGeom>
+            <a:ln w="12700">
+              <a:solidFill>
+                <a:srgbClr val="BCBCBC">
+                  <a:alpha val="29804"/>
+                </a:srgbClr>
+              </a:solidFill>
+              <a:prstDash val="sysDot"/>
+            </a:ln>
+          </p:spPr>
+          <p:style>
+            <a:lnRef idx="1">
+              <a:schemeClr val="accent1"/>
+            </a:lnRef>
+            <a:fillRef idx="0">
+              <a:schemeClr val="accent1"/>
+            </a:fillRef>
+            <a:effectRef idx="0">
+              <a:schemeClr val="accent1"/>
+            </a:effectRef>
+            <a:fontRef idx="minor">
+              <a:schemeClr val="tx1"/>
+            </a:fontRef>
+          </p:style>
+        </p:cxnSp>
+        <p:cxnSp>
+          <p:nvCxnSpPr>
+            <p:cNvPr id="41" name="Straight Connector 40">
+              <a:extLst>
+                <a:ext uri="{FF2B5EF4-FFF2-40B4-BE49-F238E27FC236}">
+                  <a16:creationId xmlns:a16="http://schemas.microsoft.com/office/drawing/2014/main" id="{59A24ED6-70A5-4DC0-A213-5385E58417FE}"/>
+                </a:ext>
+                <a:ext uri="{C183D7F6-B498-43B3-948B-1728B52AA6E4}">
+                  <adec:decorative xmlns:adec="http://schemas.microsoft.com/office/drawing/2017/decorative" val="1"/>
+                </a:ext>
+              </a:extLst>
+            </p:cNvPr>
+            <p:cNvCxnSpPr>
+              <a:cxnSpLocks/>
+            </p:cNvCxnSpPr>
+            <p:nvPr>
+              <p:extLst>
+                <p:ext uri="{386F3935-93C4-4BCD-93E2-E3B085C9AB24}">
+                  <p16:designElem xmlns:p16="http://schemas.microsoft.com/office/powerpoint/2015/main" val="1"/>
+                </p:ext>
+              </p:extLst>
+            </p:nvPr>
+          </p:nvCxnSpPr>
+          <p:spPr>
+            <a:xfrm>
+              <a:off x="11508412" y="173267"/>
+              <a:ext cx="0" cy="6511464"/>
+            </a:xfrm>
+            <a:prstGeom prst="line">
+              <a:avLst/>
+            </a:prstGeom>
+            <a:ln w="12700">
+              <a:solidFill>
+                <a:srgbClr val="BCBCBC">
+                  <a:alpha val="29804"/>
+                </a:srgbClr>
+              </a:solidFill>
+              <a:prstDash val="sysDot"/>
+            </a:ln>
+          </p:spPr>
+          <p:style>
+            <a:lnRef idx="1">
+              <a:schemeClr val="accent1"/>
+            </a:lnRef>
+            <a:fillRef idx="0">
+              <a:schemeClr val="accent1"/>
+            </a:fillRef>
+            <a:effectRef idx="0">
+              <a:schemeClr val="accent1"/>
+            </a:effectRef>
+            <a:fontRef idx="minor">
+              <a:schemeClr val="tx1"/>
+            </a:fontRef>
+          </p:style>
+        </p:cxnSp>
+      </p:grpSp>
+      <p:sp>
+        <p:nvSpPr>
+          <p:cNvPr id="2" name="Titel 1">
+            <a:extLst>
+              <a:ext uri="{FF2B5EF4-FFF2-40B4-BE49-F238E27FC236}">
+                <a16:creationId xmlns:a16="http://schemas.microsoft.com/office/drawing/2014/main" id="{6686947D-9BC0-037C-DA34-AED8FEF38419}"/>
+              </a:ext>
+            </a:extLst>
+          </p:cNvPr>
+          <p:cNvSpPr>
+            <a:spLocks noGrp="1"/>
+          </p:cNvSpPr>
+          <p:nvPr>
+            <p:ph type="title"/>
+          </p:nvPr>
+        </p:nvSpPr>
+        <p:spPr>
+          <a:xfrm>
+            <a:off x="691079" y="725951"/>
+            <a:ext cx="5401812" cy="5417452"/>
+          </a:xfrm>
+        </p:spPr>
+        <p:txBody>
+          <a:bodyPr anchor="ctr">
+            <a:normAutofit/>
+          </a:bodyPr>
+          <a:lstStyle/>
+          <a:p>
+            <a:r>
+              <a:rPr lang="de-DE" dirty="0" err="1"/>
+              <a:t>What</a:t>
+            </a:r>
+            <a:r>
+              <a:rPr lang="de-DE" dirty="0"/>
+              <a:t> still </a:t>
+            </a:r>
+            <a:r>
+              <a:rPr lang="de-DE" dirty="0" err="1"/>
+              <a:t>needs</a:t>
+            </a:r>
+            <a:r>
+              <a:rPr lang="de-DE" dirty="0"/>
+              <a:t> </a:t>
+            </a:r>
+            <a:r>
+              <a:rPr lang="de-DE" dirty="0" err="1"/>
+              <a:t>to</a:t>
+            </a:r>
+            <a:r>
+              <a:rPr lang="de-DE" dirty="0"/>
+              <a:t> </a:t>
+            </a:r>
+            <a:r>
+              <a:rPr lang="de-DE" dirty="0" err="1"/>
+              <a:t>be</a:t>
+            </a:r>
+            <a:r>
+              <a:rPr lang="de-DE" dirty="0"/>
+              <a:t> </a:t>
+            </a:r>
+            <a:r>
+              <a:rPr lang="de-DE" dirty="0" err="1"/>
+              <a:t>added</a:t>
+            </a:r>
+            <a:r>
+              <a:rPr lang="de-DE" dirty="0"/>
+              <a:t>?</a:t>
+            </a:r>
+          </a:p>
+        </p:txBody>
+      </p:sp>
+      <p:sp>
+        <p:nvSpPr>
+          <p:cNvPr id="43" name="Right Triangle 42">
+            <a:extLst>
+              <a:ext uri="{FF2B5EF4-FFF2-40B4-BE49-F238E27FC236}">
+                <a16:creationId xmlns:a16="http://schemas.microsoft.com/office/drawing/2014/main" id="{69F0804E-F8DE-40E7-90F4-68B638136E17}"/>
+              </a:ext>
+              <a:ext uri="{C183D7F6-B498-43B3-948B-1728B52AA6E4}">
+                <adec:decorative xmlns:adec="http://schemas.microsoft.com/office/drawing/2017/decorative" val="1"/>
+              </a:ext>
+            </a:extLst>
+          </p:cNvPr>
+          <p:cNvSpPr>
+            <a:spLocks noGrp="1" noRot="1" noChangeAspect="1" noMove="1" noResize="1" noEditPoints="1" noAdjustHandles="1" noChangeArrowheads="1" noChangeShapeType="1" noTextEdit="1"/>
+          </p:cNvSpPr>
+          <p:nvPr>
+            <p:extLst>
+              <p:ext uri="{386F3935-93C4-4BCD-93E2-E3B085C9AB24}">
+                <p16:designElem xmlns:p16="http://schemas.microsoft.com/office/powerpoint/2015/main" val="1"/>
+              </p:ext>
+            </p:extLst>
+          </p:nvPr>
+        </p:nvSpPr>
+        <p:spPr>
+          <a:xfrm rot="13500000">
+            <a:off x="-288924" y="3137678"/>
+            <a:ext cx="568289" cy="568289"/>
+          </a:xfrm>
+          <a:prstGeom prst="rtTriangle">
+            <a:avLst/>
+          </a:prstGeom>
+          <a:solidFill>
+            <a:schemeClr val="accent1">
+              <a:alpha val="50000"/>
+            </a:schemeClr>
+          </a:solidFill>
+          <a:ln>
+            <a:noFill/>
+          </a:ln>
+        </p:spPr>
+        <p:style>
+          <a:lnRef idx="2">
+            <a:schemeClr val="accent1">
+              <a:shade val="50000"/>
+            </a:schemeClr>
+          </a:lnRef>
+          <a:fillRef idx="1">
+            <a:schemeClr val="accent1"/>
+          </a:fillRef>
+          <a:effectRef idx="0">
+            <a:schemeClr val="accent1"/>
+          </a:effectRef>
+          <a:fontRef idx="minor">
+            <a:schemeClr val="lt1"/>
+          </a:fontRef>
+        </p:style>
+        <p:txBody>
+          <a:bodyPr rtlCol="0" anchor="ctr"/>
+          <a:lstStyle/>
+          <a:p>
+            <a:pPr algn="ctr"/>
+            <a:endParaRPr lang="en-US">
+              <a:solidFill>
+                <a:schemeClr val="tx1"/>
+              </a:solidFill>
+            </a:endParaRPr>
+          </a:p>
+        </p:txBody>
+      </p:sp>
+      <p:sp>
+        <p:nvSpPr>
+          <p:cNvPr id="3" name="Inhaltsplatzhalter 2">
+            <a:extLst>
+              <a:ext uri="{FF2B5EF4-FFF2-40B4-BE49-F238E27FC236}">
+                <a16:creationId xmlns:a16="http://schemas.microsoft.com/office/drawing/2014/main" id="{83BFFFC7-4466-7412-4C20-67420030FA68}"/>
+              </a:ext>
+            </a:extLst>
+          </p:cNvPr>
+          <p:cNvSpPr>
+            <a:spLocks noGrp="1"/>
+          </p:cNvSpPr>
+          <p:nvPr>
+            <p:ph idx="1"/>
+          </p:nvPr>
+        </p:nvSpPr>
+        <p:spPr>
+          <a:xfrm>
+            <a:off x="7086745" y="713048"/>
+            <a:ext cx="4414176" cy="5449532"/>
+          </a:xfrm>
+        </p:spPr>
+        <p:txBody>
+          <a:bodyPr anchor="ctr">
+            <a:normAutofit/>
+          </a:bodyPr>
+          <a:lstStyle/>
+          <a:p>
+            <a:r>
+              <a:rPr lang="de-DE" dirty="0"/>
+              <a:t>Pages </a:t>
+            </a:r>
+            <a:r>
+              <a:rPr lang="de-DE" dirty="0" err="1"/>
+              <a:t>for</a:t>
+            </a:r>
+            <a:r>
+              <a:rPr lang="de-DE" dirty="0"/>
+              <a:t> all different </a:t>
+            </a:r>
+            <a:r>
+              <a:rPr lang="de-DE" dirty="0" err="1"/>
+              <a:t>air</a:t>
+            </a:r>
+            <a:r>
+              <a:rPr lang="de-DE" dirty="0"/>
+              <a:t> </a:t>
+            </a:r>
+            <a:r>
+              <a:rPr lang="de-DE" dirty="0" err="1"/>
+              <a:t>quality</a:t>
+            </a:r>
+            <a:r>
+              <a:rPr lang="de-DE" dirty="0"/>
+              <a:t> </a:t>
+            </a:r>
+            <a:r>
+              <a:rPr lang="de-DE" dirty="0" err="1"/>
+              <a:t>values</a:t>
+            </a:r>
+            <a:endParaRPr lang="de-DE" dirty="0"/>
+          </a:p>
+          <a:p>
+            <a:r>
+              <a:rPr lang="de-DE" dirty="0"/>
+              <a:t>Reading </a:t>
+            </a:r>
+            <a:r>
+              <a:rPr lang="de-DE" dirty="0" err="1"/>
+              <a:t>data</a:t>
+            </a:r>
+            <a:r>
+              <a:rPr lang="de-DE" dirty="0"/>
+              <a:t> </a:t>
+            </a:r>
+            <a:r>
+              <a:rPr lang="de-DE" dirty="0" err="1"/>
+              <a:t>from</a:t>
+            </a:r>
+            <a:r>
+              <a:rPr lang="de-DE" dirty="0"/>
+              <a:t> CSV </a:t>
+            </a:r>
+          </a:p>
+          <a:p>
+            <a:r>
+              <a:rPr lang="de-DE" dirty="0"/>
+              <a:t>A </a:t>
+            </a:r>
+            <a:r>
+              <a:rPr lang="de-DE" dirty="0" err="1"/>
+              <a:t>footer</a:t>
+            </a:r>
+            <a:endParaRPr lang="de-DE" dirty="0"/>
+          </a:p>
+          <a:p>
+            <a:r>
+              <a:rPr lang="de-DE" dirty="0"/>
+              <a:t>Making </a:t>
+            </a:r>
+            <a:r>
+              <a:rPr lang="de-DE" dirty="0" err="1"/>
+              <a:t>it</a:t>
+            </a:r>
+            <a:r>
+              <a:rPr lang="de-DE" dirty="0"/>
+              <a:t> adaptive </a:t>
+            </a:r>
+            <a:r>
+              <a:rPr lang="de-DE" dirty="0" err="1"/>
+              <a:t>to</a:t>
+            </a:r>
+            <a:r>
+              <a:rPr lang="de-DE" dirty="0"/>
+              <a:t> </a:t>
+            </a:r>
+            <a:r>
+              <a:rPr lang="de-DE" dirty="0" err="1"/>
+              <a:t>various</a:t>
+            </a:r>
+            <a:r>
+              <a:rPr lang="de-DE" dirty="0"/>
+              <a:t> screen </a:t>
+            </a:r>
+            <a:r>
+              <a:rPr lang="de-DE" dirty="0" err="1"/>
+              <a:t>sizes</a:t>
+            </a:r>
+            <a:endParaRPr lang="de-DE" dirty="0"/>
+          </a:p>
+          <a:p>
+            <a:r>
+              <a:rPr lang="de-DE" dirty="0" err="1"/>
+              <a:t>Documentation</a:t>
+            </a:r>
+            <a:r>
+              <a:rPr lang="de-DE" dirty="0"/>
+              <a:t> (README.md)</a:t>
+            </a:r>
+          </a:p>
+        </p:txBody>
+      </p:sp>
+    </p:spTree>
+    <p:extLst>
+      <p:ext uri="{BB962C8B-B14F-4D97-AF65-F5344CB8AC3E}">
+        <p14:creationId xmlns:p14="http://schemas.microsoft.com/office/powerpoint/2010/main" val="3877148910"/>
+      </p:ext>
+    </p:extLst>
+  </p:cSld>
+  <p:clrMapOvr>
+    <a:masterClrMapping/>
+  </p:clrMapOvr>
+</p:sld>
+</file>
+
+<file path=ppt/slides/slide11.xml><?xml version="1.0" encoding="utf-8"?>
 <p:sld xmlns:a="http://schemas.openxmlformats.org/drawingml/2006/main" xmlns:r="http://schemas.openxmlformats.org/officeDocument/2006/relationships" xmlns:p="http://schemas.openxmlformats.org/presentationml/2006/main">
   <p:cSld>
     <p:bg>
@@ -22247,7 +24387,7 @@
 </p:sld>
 </file>
 
-<file path=ppt/slides/slide11.xml><?xml version="1.0" encoding="utf-8"?>
+<file path=ppt/slides/slide12.xml><?xml version="1.0" encoding="utf-8"?>
 <p:sld xmlns:a="http://schemas.openxmlformats.org/drawingml/2006/main" xmlns:r="http://schemas.openxmlformats.org/officeDocument/2006/relationships" xmlns:p="http://schemas.openxmlformats.org/presentationml/2006/main">
   <p:cSld>
     <p:bg>
@@ -41531,8 +43671,13 @@
           <a:p>
             <a:r>
               <a:rPr lang="en-US" dirty="0"/>
-              <a:t>Data derived from an API</a:t>
+              <a:t>Data derived from a </a:t>
             </a:r>
+            <a:r>
+              <a:rPr lang="en-US" dirty="0" err="1"/>
+              <a:t>WeatherAPI</a:t>
+            </a:r>
+            <a:endParaRPr lang="en-US" dirty="0"/>
           </a:p>
           <a:p>
             <a:r>
@@ -41595,6 +43740,3800 @@
 </file>
 
 <file path=ppt/slides/slide7.xml><?xml version="1.0" encoding="utf-8"?>
+<p:sld xmlns:a="http://schemas.openxmlformats.org/drawingml/2006/main" xmlns:r="http://schemas.openxmlformats.org/officeDocument/2006/relationships" xmlns:p="http://schemas.openxmlformats.org/presentationml/2006/main">
+  <p:cSld>
+    <p:bg>
+      <p:bgPr>
+        <a:solidFill>
+          <a:schemeClr val="bg1"/>
+        </a:solidFill>
+        <a:effectLst/>
+      </p:bgPr>
+    </p:bg>
+    <p:spTree>
+      <p:nvGrpSpPr>
+        <p:cNvPr id="1" name=""/>
+        <p:cNvGrpSpPr/>
+        <p:nvPr/>
+      </p:nvGrpSpPr>
+      <p:grpSpPr>
+        <a:xfrm>
+          <a:off x="0" y="0"/>
+          <a:ext cx="0" cy="0"/>
+          <a:chOff x="0" y="0"/>
+          <a:chExt cx="0" cy="0"/>
+        </a:xfrm>
+      </p:grpSpPr>
+      <p:grpSp>
+        <p:nvGrpSpPr>
+          <p:cNvPr id="8" name="Group 7">
+            <a:extLst>
+              <a:ext uri="{FF2B5EF4-FFF2-40B4-BE49-F238E27FC236}">
+                <a16:creationId xmlns:a16="http://schemas.microsoft.com/office/drawing/2014/main" id="{748618E9-EE2D-4864-9EEE-58939BD4FBBA}"/>
+              </a:ext>
+              <a:ext uri="{C183D7F6-B498-43B3-948B-1728B52AA6E4}">
+                <adec:decorative xmlns:adec="http://schemas.microsoft.com/office/drawing/2017/decorative" val="1"/>
+              </a:ext>
+            </a:extLst>
+          </p:cNvPr>
+          <p:cNvGrpSpPr>
+            <a:grpSpLocks noGrp="1" noUngrp="1" noRot="1" noChangeAspect="1" noMove="1" noResize="1"/>
+          </p:cNvGrpSpPr>
+          <p:nvPr>
+            <p:extLst>
+              <p:ext uri="{386F3935-93C4-4BCD-93E2-E3B085C9AB24}">
+                <p16:designElem xmlns:p16="http://schemas.microsoft.com/office/powerpoint/2015/main" val="1"/>
+              </p:ext>
+            </p:extLst>
+          </p:nvPr>
+        </p:nvGrpSpPr>
+        <p:grpSpPr>
+          <a:xfrm>
+            <a:off x="-6214" y="-1"/>
+            <a:ext cx="12214827" cy="6858000"/>
+            <a:chOff x="-6214" y="-1"/>
+            <a:chExt cx="12214827" cy="6858000"/>
+          </a:xfrm>
+        </p:grpSpPr>
+        <p:cxnSp>
+          <p:nvCxnSpPr>
+            <p:cNvPr id="9" name="Straight Connector 8">
+              <a:extLst>
+                <a:ext uri="{FF2B5EF4-FFF2-40B4-BE49-F238E27FC236}">
+                  <a16:creationId xmlns:a16="http://schemas.microsoft.com/office/drawing/2014/main" id="{317D1EC0-23FF-4FC8-B22D-E34878EAA4CC}"/>
+                </a:ext>
+                <a:ext uri="{C183D7F6-B498-43B3-948B-1728B52AA6E4}">
+                  <adec:decorative xmlns:adec="http://schemas.microsoft.com/office/drawing/2017/decorative" val="1"/>
+                </a:ext>
+              </a:extLst>
+            </p:cNvPr>
+            <p:cNvCxnSpPr>
+              <a:cxnSpLocks/>
+            </p:cNvCxnSpPr>
+            <p:nvPr>
+              <p:extLst>
+                <p:ext uri="{386F3935-93C4-4BCD-93E2-E3B085C9AB24}">
+                  <p16:designElem xmlns:p16="http://schemas.microsoft.com/office/powerpoint/2015/main" val="1"/>
+                </p:ext>
+              </p:extLst>
+            </p:nvPr>
+          </p:nvCxnSpPr>
+          <p:spPr>
+            <a:xfrm>
+              <a:off x="-6214" y="6686283"/>
+              <a:ext cx="12192000" cy="0"/>
+            </a:xfrm>
+            <a:prstGeom prst="line">
+              <a:avLst/>
+            </a:prstGeom>
+            <a:ln w="12700">
+              <a:solidFill>
+                <a:srgbClr val="BCBCBC">
+                  <a:alpha val="29804"/>
+                </a:srgbClr>
+              </a:solidFill>
+              <a:prstDash val="sysDot"/>
+            </a:ln>
+          </p:spPr>
+          <p:style>
+            <a:lnRef idx="1">
+              <a:schemeClr val="accent1"/>
+            </a:lnRef>
+            <a:fillRef idx="0">
+              <a:schemeClr val="accent1"/>
+            </a:fillRef>
+            <a:effectRef idx="0">
+              <a:schemeClr val="accent1"/>
+            </a:effectRef>
+            <a:fontRef idx="minor">
+              <a:schemeClr val="tx1"/>
+            </a:fontRef>
+          </p:style>
+        </p:cxnSp>
+        <p:cxnSp>
+          <p:nvCxnSpPr>
+            <p:cNvPr id="10" name="Straight Connector 9">
+              <a:extLst>
+                <a:ext uri="{FF2B5EF4-FFF2-40B4-BE49-F238E27FC236}">
+                  <a16:creationId xmlns:a16="http://schemas.microsoft.com/office/drawing/2014/main" id="{5AB929A7-258C-4469-AAB4-A67D713F7A80}"/>
+                </a:ext>
+                <a:ext uri="{C183D7F6-B498-43B3-948B-1728B52AA6E4}">
+                  <adec:decorative xmlns:adec="http://schemas.microsoft.com/office/drawing/2017/decorative" val="1"/>
+                </a:ext>
+              </a:extLst>
+            </p:cNvPr>
+            <p:cNvCxnSpPr>
+              <a:cxnSpLocks/>
+            </p:cNvCxnSpPr>
+            <p:nvPr>
+              <p:extLst>
+                <p:ext uri="{386F3935-93C4-4BCD-93E2-E3B085C9AB24}">
+                  <p16:designElem xmlns:p16="http://schemas.microsoft.com/office/powerpoint/2015/main" val="1"/>
+                </p:ext>
+              </p:extLst>
+            </p:nvPr>
+          </p:nvCxnSpPr>
+          <p:spPr>
+            <a:xfrm>
+              <a:off x="0" y="-1"/>
+              <a:ext cx="0" cy="6858000"/>
+            </a:xfrm>
+            <a:prstGeom prst="line">
+              <a:avLst/>
+            </a:prstGeom>
+            <a:ln w="12700">
+              <a:solidFill>
+                <a:srgbClr val="BCBCBC">
+                  <a:alpha val="29804"/>
+                </a:srgbClr>
+              </a:solidFill>
+              <a:prstDash val="sysDot"/>
+            </a:ln>
+          </p:spPr>
+          <p:style>
+            <a:lnRef idx="1">
+              <a:schemeClr val="accent1"/>
+            </a:lnRef>
+            <a:fillRef idx="0">
+              <a:schemeClr val="accent1"/>
+            </a:fillRef>
+            <a:effectRef idx="0">
+              <a:schemeClr val="accent1"/>
+            </a:effectRef>
+            <a:fontRef idx="minor">
+              <a:schemeClr val="tx1"/>
+            </a:fontRef>
+          </p:style>
+        </p:cxnSp>
+        <p:cxnSp>
+          <p:nvCxnSpPr>
+            <p:cNvPr id="11" name="Straight Connector 10">
+              <a:extLst>
+                <a:ext uri="{FF2B5EF4-FFF2-40B4-BE49-F238E27FC236}">
+                  <a16:creationId xmlns:a16="http://schemas.microsoft.com/office/drawing/2014/main" id="{DA635CDB-2D00-49D5-B26E-0694A25000C7}"/>
+                </a:ext>
+                <a:ext uri="{C183D7F6-B498-43B3-948B-1728B52AA6E4}">
+                  <adec:decorative xmlns:adec="http://schemas.microsoft.com/office/drawing/2017/decorative" val="1"/>
+                </a:ext>
+              </a:extLst>
+            </p:cNvPr>
+            <p:cNvCxnSpPr>
+              <a:cxnSpLocks/>
+            </p:cNvCxnSpPr>
+            <p:nvPr>
+              <p:extLst>
+                <p:ext uri="{386F3935-93C4-4BCD-93E2-E3B085C9AB24}">
+                  <p16:designElem xmlns:p16="http://schemas.microsoft.com/office/powerpoint/2015/main" val="1"/>
+                </p:ext>
+              </p:extLst>
+            </p:nvPr>
+          </p:nvCxnSpPr>
+          <p:spPr>
+            <a:xfrm>
+              <a:off x="11993258" y="-1"/>
+              <a:ext cx="0" cy="6858000"/>
+            </a:xfrm>
+            <a:prstGeom prst="line">
+              <a:avLst/>
+            </a:prstGeom>
+            <a:ln w="12700">
+              <a:solidFill>
+                <a:srgbClr val="BCBCBC">
+                  <a:alpha val="29804"/>
+                </a:srgbClr>
+              </a:solidFill>
+              <a:prstDash val="sysDot"/>
+            </a:ln>
+          </p:spPr>
+          <p:style>
+            <a:lnRef idx="1">
+              <a:schemeClr val="accent1"/>
+            </a:lnRef>
+            <a:fillRef idx="0">
+              <a:schemeClr val="accent1"/>
+            </a:fillRef>
+            <a:effectRef idx="0">
+              <a:schemeClr val="accent1"/>
+            </a:effectRef>
+            <a:fontRef idx="minor">
+              <a:schemeClr val="tx1"/>
+            </a:fontRef>
+          </p:style>
+        </p:cxnSp>
+        <p:cxnSp>
+          <p:nvCxnSpPr>
+            <p:cNvPr id="12" name="Straight Connector 11">
+              <a:extLst>
+                <a:ext uri="{FF2B5EF4-FFF2-40B4-BE49-F238E27FC236}">
+                  <a16:creationId xmlns:a16="http://schemas.microsoft.com/office/drawing/2014/main" id="{B4288D7A-F857-418D-92F2-368E841B9F27}"/>
+                </a:ext>
+                <a:ext uri="{C183D7F6-B498-43B3-948B-1728B52AA6E4}">
+                  <adec:decorative xmlns:adec="http://schemas.microsoft.com/office/drawing/2017/decorative" val="1"/>
+                </a:ext>
+              </a:extLst>
+            </p:cNvPr>
+            <p:cNvCxnSpPr>
+              <a:cxnSpLocks/>
+            </p:cNvCxnSpPr>
+            <p:nvPr>
+              <p:extLst>
+                <p:ext uri="{386F3935-93C4-4BCD-93E2-E3B085C9AB24}">
+                  <p16:designElem xmlns:p16="http://schemas.microsoft.com/office/powerpoint/2015/main" val="1"/>
+                </p:ext>
+              </p:extLst>
+            </p:nvPr>
+          </p:nvCxnSpPr>
+          <p:spPr>
+            <a:xfrm>
+              <a:off x="192528" y="-1"/>
+              <a:ext cx="0" cy="6858000"/>
+            </a:xfrm>
+            <a:prstGeom prst="line">
+              <a:avLst/>
+            </a:prstGeom>
+            <a:ln w="12700">
+              <a:solidFill>
+                <a:srgbClr val="BCBCBC">
+                  <a:alpha val="29804"/>
+                </a:srgbClr>
+              </a:solidFill>
+              <a:prstDash val="sysDot"/>
+            </a:ln>
+          </p:spPr>
+          <p:style>
+            <a:lnRef idx="1">
+              <a:schemeClr val="accent1"/>
+            </a:lnRef>
+            <a:fillRef idx="0">
+              <a:schemeClr val="accent1"/>
+            </a:fillRef>
+            <a:effectRef idx="0">
+              <a:schemeClr val="accent1"/>
+            </a:effectRef>
+            <a:fontRef idx="minor">
+              <a:schemeClr val="tx1"/>
+            </a:fontRef>
+          </p:style>
+        </p:cxnSp>
+        <p:cxnSp>
+          <p:nvCxnSpPr>
+            <p:cNvPr id="13" name="Straight Connector 12">
+              <a:extLst>
+                <a:ext uri="{FF2B5EF4-FFF2-40B4-BE49-F238E27FC236}">
+                  <a16:creationId xmlns:a16="http://schemas.microsoft.com/office/drawing/2014/main" id="{F1084F50-7F3C-4A4A-877E-FFD9EC7CD88B}"/>
+                </a:ext>
+                <a:ext uri="{C183D7F6-B498-43B3-948B-1728B52AA6E4}">
+                  <adec:decorative xmlns:adec="http://schemas.microsoft.com/office/drawing/2017/decorative" val="1"/>
+                </a:ext>
+              </a:extLst>
+            </p:cNvPr>
+            <p:cNvCxnSpPr>
+              <a:cxnSpLocks/>
+            </p:cNvCxnSpPr>
+            <p:nvPr>
+              <p:extLst>
+                <p:ext uri="{386F3935-93C4-4BCD-93E2-E3B085C9AB24}">
+                  <p16:designElem xmlns:p16="http://schemas.microsoft.com/office/powerpoint/2015/main" val="1"/>
+                </p:ext>
+              </p:extLst>
+            </p:nvPr>
+          </p:nvCxnSpPr>
+          <p:spPr>
+            <a:xfrm>
+              <a:off x="1175922" y="-1"/>
+              <a:ext cx="0" cy="6858000"/>
+            </a:xfrm>
+            <a:prstGeom prst="line">
+              <a:avLst/>
+            </a:prstGeom>
+            <a:ln w="12700">
+              <a:solidFill>
+                <a:srgbClr val="BCBCBC">
+                  <a:alpha val="29804"/>
+                </a:srgbClr>
+              </a:solidFill>
+              <a:prstDash val="sysDot"/>
+            </a:ln>
+          </p:spPr>
+          <p:style>
+            <a:lnRef idx="1">
+              <a:schemeClr val="accent1"/>
+            </a:lnRef>
+            <a:fillRef idx="0">
+              <a:schemeClr val="accent1"/>
+            </a:fillRef>
+            <a:effectRef idx="0">
+              <a:schemeClr val="accent1"/>
+            </a:effectRef>
+            <a:fontRef idx="minor">
+              <a:schemeClr val="tx1"/>
+            </a:fontRef>
+          </p:style>
+        </p:cxnSp>
+        <p:cxnSp>
+          <p:nvCxnSpPr>
+            <p:cNvPr id="14" name="Straight Connector 13">
+              <a:extLst>
+                <a:ext uri="{FF2B5EF4-FFF2-40B4-BE49-F238E27FC236}">
+                  <a16:creationId xmlns:a16="http://schemas.microsoft.com/office/drawing/2014/main" id="{331E64C1-F4C0-4A94-B319-BB1A0A2450B5}"/>
+                </a:ext>
+                <a:ext uri="{C183D7F6-B498-43B3-948B-1728B52AA6E4}">
+                  <adec:decorative xmlns:adec="http://schemas.microsoft.com/office/drawing/2017/decorative" val="1"/>
+                </a:ext>
+              </a:extLst>
+            </p:cNvPr>
+            <p:cNvCxnSpPr>
+              <a:cxnSpLocks/>
+            </p:cNvCxnSpPr>
+            <p:nvPr>
+              <p:extLst>
+                <p:ext uri="{386F3935-93C4-4BCD-93E2-E3B085C9AB24}">
+                  <p16:designElem xmlns:p16="http://schemas.microsoft.com/office/powerpoint/2015/main" val="1"/>
+                </p:ext>
+              </p:extLst>
+            </p:nvPr>
+          </p:nvCxnSpPr>
+          <p:spPr>
+            <a:xfrm>
+              <a:off x="2159316" y="-1"/>
+              <a:ext cx="0" cy="6858000"/>
+            </a:xfrm>
+            <a:prstGeom prst="line">
+              <a:avLst/>
+            </a:prstGeom>
+            <a:ln w="12700">
+              <a:solidFill>
+                <a:srgbClr val="BCBCBC">
+                  <a:alpha val="29804"/>
+                </a:srgbClr>
+              </a:solidFill>
+              <a:prstDash val="sysDot"/>
+            </a:ln>
+          </p:spPr>
+          <p:style>
+            <a:lnRef idx="1">
+              <a:schemeClr val="accent1"/>
+            </a:lnRef>
+            <a:fillRef idx="0">
+              <a:schemeClr val="accent1"/>
+            </a:fillRef>
+            <a:effectRef idx="0">
+              <a:schemeClr val="accent1"/>
+            </a:effectRef>
+            <a:fontRef idx="minor">
+              <a:schemeClr val="tx1"/>
+            </a:fontRef>
+          </p:style>
+        </p:cxnSp>
+        <p:cxnSp>
+          <p:nvCxnSpPr>
+            <p:cNvPr id="15" name="Straight Connector 14">
+              <a:extLst>
+                <a:ext uri="{FF2B5EF4-FFF2-40B4-BE49-F238E27FC236}">
+                  <a16:creationId xmlns:a16="http://schemas.microsoft.com/office/drawing/2014/main" id="{363D8374-8052-417F-AB69-B97EAC43D513}"/>
+                </a:ext>
+                <a:ext uri="{C183D7F6-B498-43B3-948B-1728B52AA6E4}">
+                  <adec:decorative xmlns:adec="http://schemas.microsoft.com/office/drawing/2017/decorative" val="1"/>
+                </a:ext>
+              </a:extLst>
+            </p:cNvPr>
+            <p:cNvCxnSpPr>
+              <a:cxnSpLocks/>
+            </p:cNvCxnSpPr>
+            <p:nvPr>
+              <p:extLst>
+                <p:ext uri="{386F3935-93C4-4BCD-93E2-E3B085C9AB24}">
+                  <p16:designElem xmlns:p16="http://schemas.microsoft.com/office/powerpoint/2015/main" val="1"/>
+                </p:ext>
+              </p:extLst>
+            </p:nvPr>
+          </p:nvCxnSpPr>
+          <p:spPr>
+            <a:xfrm>
+              <a:off x="3142710" y="-1"/>
+              <a:ext cx="0" cy="6858000"/>
+            </a:xfrm>
+            <a:prstGeom prst="line">
+              <a:avLst/>
+            </a:prstGeom>
+            <a:ln w="12700">
+              <a:solidFill>
+                <a:srgbClr val="BCBCBC">
+                  <a:alpha val="29804"/>
+                </a:srgbClr>
+              </a:solidFill>
+              <a:prstDash val="sysDot"/>
+            </a:ln>
+          </p:spPr>
+          <p:style>
+            <a:lnRef idx="1">
+              <a:schemeClr val="accent1"/>
+            </a:lnRef>
+            <a:fillRef idx="0">
+              <a:schemeClr val="accent1"/>
+            </a:fillRef>
+            <a:effectRef idx="0">
+              <a:schemeClr val="accent1"/>
+            </a:effectRef>
+            <a:fontRef idx="minor">
+              <a:schemeClr val="tx1"/>
+            </a:fontRef>
+          </p:style>
+        </p:cxnSp>
+        <p:cxnSp>
+          <p:nvCxnSpPr>
+            <p:cNvPr id="16" name="Straight Connector 15">
+              <a:extLst>
+                <a:ext uri="{FF2B5EF4-FFF2-40B4-BE49-F238E27FC236}">
+                  <a16:creationId xmlns:a16="http://schemas.microsoft.com/office/drawing/2014/main" id="{C7750734-4D51-4019-A003-38A3DE49B434}"/>
+                </a:ext>
+                <a:ext uri="{C183D7F6-B498-43B3-948B-1728B52AA6E4}">
+                  <adec:decorative xmlns:adec="http://schemas.microsoft.com/office/drawing/2017/decorative" val="1"/>
+                </a:ext>
+              </a:extLst>
+            </p:cNvPr>
+            <p:cNvCxnSpPr>
+              <a:cxnSpLocks/>
+            </p:cNvCxnSpPr>
+            <p:nvPr>
+              <p:extLst>
+                <p:ext uri="{386F3935-93C4-4BCD-93E2-E3B085C9AB24}">
+                  <p16:designElem xmlns:p16="http://schemas.microsoft.com/office/powerpoint/2015/main" val="1"/>
+                </p:ext>
+              </p:extLst>
+            </p:nvPr>
+          </p:nvCxnSpPr>
+          <p:spPr>
+            <a:xfrm>
+              <a:off x="4126104" y="-1"/>
+              <a:ext cx="0" cy="6858000"/>
+            </a:xfrm>
+            <a:prstGeom prst="line">
+              <a:avLst/>
+            </a:prstGeom>
+            <a:ln w="12700">
+              <a:solidFill>
+                <a:srgbClr val="BCBCBC">
+                  <a:alpha val="29804"/>
+                </a:srgbClr>
+              </a:solidFill>
+              <a:prstDash val="sysDot"/>
+            </a:ln>
+          </p:spPr>
+          <p:style>
+            <a:lnRef idx="1">
+              <a:schemeClr val="accent1"/>
+            </a:lnRef>
+            <a:fillRef idx="0">
+              <a:schemeClr val="accent1"/>
+            </a:fillRef>
+            <a:effectRef idx="0">
+              <a:schemeClr val="accent1"/>
+            </a:effectRef>
+            <a:fontRef idx="minor">
+              <a:schemeClr val="tx1"/>
+            </a:fontRef>
+          </p:style>
+        </p:cxnSp>
+        <p:cxnSp>
+          <p:nvCxnSpPr>
+            <p:cNvPr id="17" name="Straight Connector 16">
+              <a:extLst>
+                <a:ext uri="{FF2B5EF4-FFF2-40B4-BE49-F238E27FC236}">
+                  <a16:creationId xmlns:a16="http://schemas.microsoft.com/office/drawing/2014/main" id="{71B693D1-DBA2-4D3B-9B37-D9EE8C4112F4}"/>
+                </a:ext>
+                <a:ext uri="{C183D7F6-B498-43B3-948B-1728B52AA6E4}">
+                  <adec:decorative xmlns:adec="http://schemas.microsoft.com/office/drawing/2017/decorative" val="1"/>
+                </a:ext>
+              </a:extLst>
+            </p:cNvPr>
+            <p:cNvCxnSpPr>
+              <a:cxnSpLocks/>
+            </p:cNvCxnSpPr>
+            <p:nvPr>
+              <p:extLst>
+                <p:ext uri="{386F3935-93C4-4BCD-93E2-E3B085C9AB24}">
+                  <p16:designElem xmlns:p16="http://schemas.microsoft.com/office/powerpoint/2015/main" val="1"/>
+                </p:ext>
+              </p:extLst>
+            </p:nvPr>
+          </p:nvCxnSpPr>
+          <p:spPr>
+            <a:xfrm>
+              <a:off x="5109498" y="-1"/>
+              <a:ext cx="0" cy="6858000"/>
+            </a:xfrm>
+            <a:prstGeom prst="line">
+              <a:avLst/>
+            </a:prstGeom>
+            <a:ln w="12700">
+              <a:solidFill>
+                <a:srgbClr val="BCBCBC">
+                  <a:alpha val="29804"/>
+                </a:srgbClr>
+              </a:solidFill>
+              <a:prstDash val="sysDot"/>
+            </a:ln>
+          </p:spPr>
+          <p:style>
+            <a:lnRef idx="1">
+              <a:schemeClr val="accent1"/>
+            </a:lnRef>
+            <a:fillRef idx="0">
+              <a:schemeClr val="accent1"/>
+            </a:fillRef>
+            <a:effectRef idx="0">
+              <a:schemeClr val="accent1"/>
+            </a:effectRef>
+            <a:fontRef idx="minor">
+              <a:schemeClr val="tx1"/>
+            </a:fontRef>
+          </p:style>
+        </p:cxnSp>
+        <p:cxnSp>
+          <p:nvCxnSpPr>
+            <p:cNvPr id="18" name="Straight Connector 17">
+              <a:extLst>
+                <a:ext uri="{FF2B5EF4-FFF2-40B4-BE49-F238E27FC236}">
+                  <a16:creationId xmlns:a16="http://schemas.microsoft.com/office/drawing/2014/main" id="{1BCD3EA8-E4C0-4AF6-817F-F9F29157A499}"/>
+                </a:ext>
+                <a:ext uri="{C183D7F6-B498-43B3-948B-1728B52AA6E4}">
+                  <adec:decorative xmlns:adec="http://schemas.microsoft.com/office/drawing/2017/decorative" val="1"/>
+                </a:ext>
+              </a:extLst>
+            </p:cNvPr>
+            <p:cNvCxnSpPr>
+              <a:cxnSpLocks/>
+            </p:cNvCxnSpPr>
+            <p:nvPr>
+              <p:extLst>
+                <p:ext uri="{386F3935-93C4-4BCD-93E2-E3B085C9AB24}">
+                  <p16:designElem xmlns:p16="http://schemas.microsoft.com/office/powerpoint/2015/main" val="1"/>
+                </p:ext>
+              </p:extLst>
+            </p:nvPr>
+          </p:nvCxnSpPr>
+          <p:spPr>
+            <a:xfrm>
+              <a:off x="6092892" y="-1"/>
+              <a:ext cx="0" cy="6858000"/>
+            </a:xfrm>
+            <a:prstGeom prst="line">
+              <a:avLst/>
+            </a:prstGeom>
+            <a:ln w="12700">
+              <a:solidFill>
+                <a:srgbClr val="BCBCBC">
+                  <a:alpha val="29804"/>
+                </a:srgbClr>
+              </a:solidFill>
+              <a:prstDash val="sysDot"/>
+            </a:ln>
+          </p:spPr>
+          <p:style>
+            <a:lnRef idx="1">
+              <a:schemeClr val="accent1"/>
+            </a:lnRef>
+            <a:fillRef idx="0">
+              <a:schemeClr val="accent1"/>
+            </a:fillRef>
+            <a:effectRef idx="0">
+              <a:schemeClr val="accent1"/>
+            </a:effectRef>
+            <a:fontRef idx="minor">
+              <a:schemeClr val="tx1"/>
+            </a:fontRef>
+          </p:style>
+        </p:cxnSp>
+        <p:cxnSp>
+          <p:nvCxnSpPr>
+            <p:cNvPr id="19" name="Straight Connector 18">
+              <a:extLst>
+                <a:ext uri="{FF2B5EF4-FFF2-40B4-BE49-F238E27FC236}">
+                  <a16:creationId xmlns:a16="http://schemas.microsoft.com/office/drawing/2014/main" id="{7A170FB3-B397-4AC9-85FD-65388F26D90A}"/>
+                </a:ext>
+                <a:ext uri="{C183D7F6-B498-43B3-948B-1728B52AA6E4}">
+                  <adec:decorative xmlns:adec="http://schemas.microsoft.com/office/drawing/2017/decorative" val="1"/>
+                </a:ext>
+              </a:extLst>
+            </p:cNvPr>
+            <p:cNvCxnSpPr>
+              <a:cxnSpLocks/>
+            </p:cNvCxnSpPr>
+            <p:nvPr>
+              <p:extLst>
+                <p:ext uri="{386F3935-93C4-4BCD-93E2-E3B085C9AB24}">
+                  <p16:designElem xmlns:p16="http://schemas.microsoft.com/office/powerpoint/2015/main" val="1"/>
+                </p:ext>
+              </p:extLst>
+            </p:nvPr>
+          </p:nvCxnSpPr>
+          <p:spPr>
+            <a:xfrm>
+              <a:off x="7076286" y="-1"/>
+              <a:ext cx="0" cy="6858000"/>
+            </a:xfrm>
+            <a:prstGeom prst="line">
+              <a:avLst/>
+            </a:prstGeom>
+            <a:ln w="12700">
+              <a:solidFill>
+                <a:srgbClr val="BCBCBC">
+                  <a:alpha val="29804"/>
+                </a:srgbClr>
+              </a:solidFill>
+              <a:prstDash val="sysDot"/>
+            </a:ln>
+          </p:spPr>
+          <p:style>
+            <a:lnRef idx="1">
+              <a:schemeClr val="accent1"/>
+            </a:lnRef>
+            <a:fillRef idx="0">
+              <a:schemeClr val="accent1"/>
+            </a:fillRef>
+            <a:effectRef idx="0">
+              <a:schemeClr val="accent1"/>
+            </a:effectRef>
+            <a:fontRef idx="minor">
+              <a:schemeClr val="tx1"/>
+            </a:fontRef>
+          </p:style>
+        </p:cxnSp>
+        <p:cxnSp>
+          <p:nvCxnSpPr>
+            <p:cNvPr id="20" name="Straight Connector 19">
+              <a:extLst>
+                <a:ext uri="{FF2B5EF4-FFF2-40B4-BE49-F238E27FC236}">
+                  <a16:creationId xmlns:a16="http://schemas.microsoft.com/office/drawing/2014/main" id="{BE5EC0B9-49C7-4777-AEC5-B5EF8DE40498}"/>
+                </a:ext>
+                <a:ext uri="{C183D7F6-B498-43B3-948B-1728B52AA6E4}">
+                  <adec:decorative xmlns:adec="http://schemas.microsoft.com/office/drawing/2017/decorative" val="1"/>
+                </a:ext>
+              </a:extLst>
+            </p:cNvPr>
+            <p:cNvCxnSpPr>
+              <a:cxnSpLocks/>
+            </p:cNvCxnSpPr>
+            <p:nvPr>
+              <p:extLst>
+                <p:ext uri="{386F3935-93C4-4BCD-93E2-E3B085C9AB24}">
+                  <p16:designElem xmlns:p16="http://schemas.microsoft.com/office/powerpoint/2015/main" val="1"/>
+                </p:ext>
+              </p:extLst>
+            </p:nvPr>
+          </p:nvCxnSpPr>
+          <p:spPr>
+            <a:xfrm>
+              <a:off x="8059680" y="-1"/>
+              <a:ext cx="0" cy="6858000"/>
+            </a:xfrm>
+            <a:prstGeom prst="line">
+              <a:avLst/>
+            </a:prstGeom>
+            <a:ln w="12700">
+              <a:solidFill>
+                <a:srgbClr val="BCBCBC">
+                  <a:alpha val="29804"/>
+                </a:srgbClr>
+              </a:solidFill>
+              <a:prstDash val="sysDot"/>
+            </a:ln>
+          </p:spPr>
+          <p:style>
+            <a:lnRef idx="1">
+              <a:schemeClr val="accent1"/>
+            </a:lnRef>
+            <a:fillRef idx="0">
+              <a:schemeClr val="accent1"/>
+            </a:fillRef>
+            <a:effectRef idx="0">
+              <a:schemeClr val="accent1"/>
+            </a:effectRef>
+            <a:fontRef idx="minor">
+              <a:schemeClr val="tx1"/>
+            </a:fontRef>
+          </p:style>
+        </p:cxnSp>
+        <p:cxnSp>
+          <p:nvCxnSpPr>
+            <p:cNvPr id="21" name="Straight Connector 20">
+              <a:extLst>
+                <a:ext uri="{FF2B5EF4-FFF2-40B4-BE49-F238E27FC236}">
+                  <a16:creationId xmlns:a16="http://schemas.microsoft.com/office/drawing/2014/main" id="{7902048B-30F7-4434-87A5-140F9BB4BEB1}"/>
+                </a:ext>
+                <a:ext uri="{C183D7F6-B498-43B3-948B-1728B52AA6E4}">
+                  <adec:decorative xmlns:adec="http://schemas.microsoft.com/office/drawing/2017/decorative" val="1"/>
+                </a:ext>
+              </a:extLst>
+            </p:cNvPr>
+            <p:cNvCxnSpPr>
+              <a:cxnSpLocks/>
+            </p:cNvCxnSpPr>
+            <p:nvPr>
+              <p:extLst>
+                <p:ext uri="{386F3935-93C4-4BCD-93E2-E3B085C9AB24}">
+                  <p16:designElem xmlns:p16="http://schemas.microsoft.com/office/powerpoint/2015/main" val="1"/>
+                </p:ext>
+              </p:extLst>
+            </p:nvPr>
+          </p:nvCxnSpPr>
+          <p:spPr>
+            <a:xfrm>
+              <a:off x="9043074" y="-1"/>
+              <a:ext cx="0" cy="6858000"/>
+            </a:xfrm>
+            <a:prstGeom prst="line">
+              <a:avLst/>
+            </a:prstGeom>
+            <a:ln w="12700">
+              <a:solidFill>
+                <a:srgbClr val="BCBCBC">
+                  <a:alpha val="29804"/>
+                </a:srgbClr>
+              </a:solidFill>
+              <a:prstDash val="sysDot"/>
+            </a:ln>
+          </p:spPr>
+          <p:style>
+            <a:lnRef idx="1">
+              <a:schemeClr val="accent1"/>
+            </a:lnRef>
+            <a:fillRef idx="0">
+              <a:schemeClr val="accent1"/>
+            </a:fillRef>
+            <a:effectRef idx="0">
+              <a:schemeClr val="accent1"/>
+            </a:effectRef>
+            <a:fontRef idx="minor">
+              <a:schemeClr val="tx1"/>
+            </a:fontRef>
+          </p:style>
+        </p:cxnSp>
+        <p:cxnSp>
+          <p:nvCxnSpPr>
+            <p:cNvPr id="22" name="Straight Connector 21">
+              <a:extLst>
+                <a:ext uri="{FF2B5EF4-FFF2-40B4-BE49-F238E27FC236}">
+                  <a16:creationId xmlns:a16="http://schemas.microsoft.com/office/drawing/2014/main" id="{0500A6E2-A41C-4751-8A4E-9A0C5718D930}"/>
+                </a:ext>
+                <a:ext uri="{C183D7F6-B498-43B3-948B-1728B52AA6E4}">
+                  <adec:decorative xmlns:adec="http://schemas.microsoft.com/office/drawing/2017/decorative" val="1"/>
+                </a:ext>
+              </a:extLst>
+            </p:cNvPr>
+            <p:cNvCxnSpPr>
+              <a:cxnSpLocks/>
+            </p:cNvCxnSpPr>
+            <p:nvPr>
+              <p:extLst>
+                <p:ext uri="{386F3935-93C4-4BCD-93E2-E3B085C9AB24}">
+                  <p16:designElem xmlns:p16="http://schemas.microsoft.com/office/powerpoint/2015/main" val="1"/>
+                </p:ext>
+              </p:extLst>
+            </p:nvPr>
+          </p:nvCxnSpPr>
+          <p:spPr>
+            <a:xfrm>
+              <a:off x="10026468" y="-1"/>
+              <a:ext cx="0" cy="6858000"/>
+            </a:xfrm>
+            <a:prstGeom prst="line">
+              <a:avLst/>
+            </a:prstGeom>
+            <a:ln w="12700">
+              <a:solidFill>
+                <a:srgbClr val="BCBCBC">
+                  <a:alpha val="29804"/>
+                </a:srgbClr>
+              </a:solidFill>
+              <a:prstDash val="sysDot"/>
+            </a:ln>
+          </p:spPr>
+          <p:style>
+            <a:lnRef idx="1">
+              <a:schemeClr val="accent1"/>
+            </a:lnRef>
+            <a:fillRef idx="0">
+              <a:schemeClr val="accent1"/>
+            </a:fillRef>
+            <a:effectRef idx="0">
+              <a:schemeClr val="accent1"/>
+            </a:effectRef>
+            <a:fontRef idx="minor">
+              <a:schemeClr val="tx1"/>
+            </a:fontRef>
+          </p:style>
+        </p:cxnSp>
+        <p:cxnSp>
+          <p:nvCxnSpPr>
+            <p:cNvPr id="23" name="Straight Connector 22">
+              <a:extLst>
+                <a:ext uri="{FF2B5EF4-FFF2-40B4-BE49-F238E27FC236}">
+                  <a16:creationId xmlns:a16="http://schemas.microsoft.com/office/drawing/2014/main" id="{FC259517-7BE7-45F9-81C0-3A6362BF143C}"/>
+                </a:ext>
+                <a:ext uri="{C183D7F6-B498-43B3-948B-1728B52AA6E4}">
+                  <adec:decorative xmlns:adec="http://schemas.microsoft.com/office/drawing/2017/decorative" val="1"/>
+                </a:ext>
+              </a:extLst>
+            </p:cNvPr>
+            <p:cNvCxnSpPr>
+              <a:cxnSpLocks/>
+            </p:cNvCxnSpPr>
+            <p:nvPr>
+              <p:extLst>
+                <p:ext uri="{386F3935-93C4-4BCD-93E2-E3B085C9AB24}">
+                  <p16:designElem xmlns:p16="http://schemas.microsoft.com/office/powerpoint/2015/main" val="1"/>
+                </p:ext>
+              </p:extLst>
+            </p:nvPr>
+          </p:nvCxnSpPr>
+          <p:spPr>
+            <a:xfrm>
+              <a:off x="11009862" y="-1"/>
+              <a:ext cx="0" cy="6858000"/>
+            </a:xfrm>
+            <a:prstGeom prst="line">
+              <a:avLst/>
+            </a:prstGeom>
+            <a:ln w="12700">
+              <a:solidFill>
+                <a:srgbClr val="BCBCBC">
+                  <a:alpha val="29804"/>
+                </a:srgbClr>
+              </a:solidFill>
+              <a:prstDash val="sysDot"/>
+            </a:ln>
+          </p:spPr>
+          <p:style>
+            <a:lnRef idx="1">
+              <a:schemeClr val="accent1"/>
+            </a:lnRef>
+            <a:fillRef idx="0">
+              <a:schemeClr val="accent1"/>
+            </a:fillRef>
+            <a:effectRef idx="0">
+              <a:schemeClr val="accent1"/>
+            </a:effectRef>
+            <a:fontRef idx="minor">
+              <a:schemeClr val="tx1"/>
+            </a:fontRef>
+          </p:style>
+        </p:cxnSp>
+        <p:cxnSp>
+          <p:nvCxnSpPr>
+            <p:cNvPr id="24" name="Straight Connector 23">
+              <a:extLst>
+                <a:ext uri="{FF2B5EF4-FFF2-40B4-BE49-F238E27FC236}">
+                  <a16:creationId xmlns:a16="http://schemas.microsoft.com/office/drawing/2014/main" id="{90652F56-7B71-42B2-AB68-22204A6DF177}"/>
+                </a:ext>
+                <a:ext uri="{C183D7F6-B498-43B3-948B-1728B52AA6E4}">
+                  <adec:decorative xmlns:adec="http://schemas.microsoft.com/office/drawing/2017/decorative" val="1"/>
+                </a:ext>
+              </a:extLst>
+            </p:cNvPr>
+            <p:cNvCxnSpPr>
+              <a:cxnSpLocks/>
+            </p:cNvCxnSpPr>
+            <p:nvPr>
+              <p:extLst>
+                <p:ext uri="{386F3935-93C4-4BCD-93E2-E3B085C9AB24}">
+                  <p16:designElem xmlns:p16="http://schemas.microsoft.com/office/powerpoint/2015/main" val="1"/>
+                </p:ext>
+              </p:extLst>
+            </p:nvPr>
+          </p:nvCxnSpPr>
+          <p:spPr>
+            <a:xfrm>
+              <a:off x="12185786" y="-1"/>
+              <a:ext cx="0" cy="6858000"/>
+            </a:xfrm>
+            <a:prstGeom prst="line">
+              <a:avLst/>
+            </a:prstGeom>
+            <a:ln w="12700">
+              <a:solidFill>
+                <a:srgbClr val="BCBCBC">
+                  <a:alpha val="29804"/>
+                </a:srgbClr>
+              </a:solidFill>
+              <a:prstDash val="sysDot"/>
+            </a:ln>
+          </p:spPr>
+          <p:style>
+            <a:lnRef idx="1">
+              <a:schemeClr val="accent1"/>
+            </a:lnRef>
+            <a:fillRef idx="0">
+              <a:schemeClr val="accent1"/>
+            </a:fillRef>
+            <a:effectRef idx="0">
+              <a:schemeClr val="accent1"/>
+            </a:effectRef>
+            <a:fontRef idx="minor">
+              <a:schemeClr val="tx1"/>
+            </a:fontRef>
+          </p:style>
+        </p:cxnSp>
+        <p:cxnSp>
+          <p:nvCxnSpPr>
+            <p:cNvPr id="25" name="Straight Connector 24">
+              <a:extLst>
+                <a:ext uri="{FF2B5EF4-FFF2-40B4-BE49-F238E27FC236}">
+                  <a16:creationId xmlns:a16="http://schemas.microsoft.com/office/drawing/2014/main" id="{1059830E-1C3D-4D42-8789-524971CB4657}"/>
+                </a:ext>
+                <a:ext uri="{C183D7F6-B498-43B3-948B-1728B52AA6E4}">
+                  <adec:decorative xmlns:adec="http://schemas.microsoft.com/office/drawing/2017/decorative" val="1"/>
+                </a:ext>
+              </a:extLst>
+            </p:cNvPr>
+            <p:cNvCxnSpPr>
+              <a:cxnSpLocks/>
+            </p:cNvCxnSpPr>
+            <p:nvPr>
+              <p:extLst>
+                <p:ext uri="{386F3935-93C4-4BCD-93E2-E3B085C9AB24}">
+                  <p16:designElem xmlns:p16="http://schemas.microsoft.com/office/powerpoint/2015/main" val="1"/>
+                </p:ext>
+              </p:extLst>
+            </p:nvPr>
+          </p:nvCxnSpPr>
+          <p:spPr>
+            <a:xfrm>
+              <a:off x="0" y="171716"/>
+              <a:ext cx="12192000" cy="0"/>
+            </a:xfrm>
+            <a:prstGeom prst="line">
+              <a:avLst/>
+            </a:prstGeom>
+            <a:ln w="12700">
+              <a:solidFill>
+                <a:srgbClr val="BCBCBC">
+                  <a:alpha val="29804"/>
+                </a:srgbClr>
+              </a:solidFill>
+              <a:prstDash val="sysDot"/>
+            </a:ln>
+          </p:spPr>
+          <p:style>
+            <a:lnRef idx="1">
+              <a:schemeClr val="accent1"/>
+            </a:lnRef>
+            <a:fillRef idx="0">
+              <a:schemeClr val="accent1"/>
+            </a:fillRef>
+            <a:effectRef idx="0">
+              <a:schemeClr val="accent1"/>
+            </a:effectRef>
+            <a:fontRef idx="minor">
+              <a:schemeClr val="tx1"/>
+            </a:fontRef>
+          </p:style>
+        </p:cxnSp>
+        <p:cxnSp>
+          <p:nvCxnSpPr>
+            <p:cNvPr id="26" name="Straight Connector 25">
+              <a:extLst>
+                <a:ext uri="{FF2B5EF4-FFF2-40B4-BE49-F238E27FC236}">
+                  <a16:creationId xmlns:a16="http://schemas.microsoft.com/office/drawing/2014/main" id="{B53325A7-86D3-4B52-A7E3-ADDF408B4067}"/>
+                </a:ext>
+                <a:ext uri="{C183D7F6-B498-43B3-948B-1728B52AA6E4}">
+                  <adec:decorative xmlns:adec="http://schemas.microsoft.com/office/drawing/2017/decorative" val="1"/>
+                </a:ext>
+              </a:extLst>
+            </p:cNvPr>
+            <p:cNvCxnSpPr>
+              <a:cxnSpLocks/>
+            </p:cNvCxnSpPr>
+            <p:nvPr>
+              <p:extLst>
+                <p:ext uri="{386F3935-93C4-4BCD-93E2-E3B085C9AB24}">
+                  <p16:designElem xmlns:p16="http://schemas.microsoft.com/office/powerpoint/2015/main" val="1"/>
+                </p:ext>
+              </p:extLst>
+            </p:nvPr>
+          </p:nvCxnSpPr>
+          <p:spPr>
+            <a:xfrm>
+              <a:off x="0" y="714597"/>
+              <a:ext cx="12192000" cy="0"/>
+            </a:xfrm>
+            <a:prstGeom prst="line">
+              <a:avLst/>
+            </a:prstGeom>
+            <a:ln w="12700">
+              <a:solidFill>
+                <a:srgbClr val="BCBCBC">
+                  <a:alpha val="29804"/>
+                </a:srgbClr>
+              </a:solidFill>
+              <a:prstDash val="sysDot"/>
+            </a:ln>
+          </p:spPr>
+          <p:style>
+            <a:lnRef idx="1">
+              <a:schemeClr val="accent1"/>
+            </a:lnRef>
+            <a:fillRef idx="0">
+              <a:schemeClr val="accent1"/>
+            </a:fillRef>
+            <a:effectRef idx="0">
+              <a:schemeClr val="accent1"/>
+            </a:effectRef>
+            <a:fontRef idx="minor">
+              <a:schemeClr val="tx1"/>
+            </a:fontRef>
+          </p:style>
+        </p:cxnSp>
+        <p:cxnSp>
+          <p:nvCxnSpPr>
+            <p:cNvPr id="27" name="Straight Connector 26">
+              <a:extLst>
+                <a:ext uri="{FF2B5EF4-FFF2-40B4-BE49-F238E27FC236}">
+                  <a16:creationId xmlns:a16="http://schemas.microsoft.com/office/drawing/2014/main" id="{6D53F46F-EC12-484C-A4E7-791E57687AC1}"/>
+                </a:ext>
+                <a:ext uri="{C183D7F6-B498-43B3-948B-1728B52AA6E4}">
+                  <adec:decorative xmlns:adec="http://schemas.microsoft.com/office/drawing/2017/decorative" val="1"/>
+                </a:ext>
+              </a:extLst>
+            </p:cNvPr>
+            <p:cNvCxnSpPr>
+              <a:cxnSpLocks/>
+            </p:cNvCxnSpPr>
+            <p:nvPr>
+              <p:extLst>
+                <p:ext uri="{386F3935-93C4-4BCD-93E2-E3B085C9AB24}">
+                  <p16:designElem xmlns:p16="http://schemas.microsoft.com/office/powerpoint/2015/main" val="1"/>
+                </p:ext>
+              </p:extLst>
+            </p:nvPr>
+          </p:nvCxnSpPr>
+          <p:spPr>
+            <a:xfrm>
+              <a:off x="0" y="1257478"/>
+              <a:ext cx="12192000" cy="0"/>
+            </a:xfrm>
+            <a:prstGeom prst="line">
+              <a:avLst/>
+            </a:prstGeom>
+            <a:ln w="12700">
+              <a:solidFill>
+                <a:srgbClr val="BCBCBC">
+                  <a:alpha val="29804"/>
+                </a:srgbClr>
+              </a:solidFill>
+              <a:prstDash val="sysDot"/>
+            </a:ln>
+          </p:spPr>
+          <p:style>
+            <a:lnRef idx="1">
+              <a:schemeClr val="accent1"/>
+            </a:lnRef>
+            <a:fillRef idx="0">
+              <a:schemeClr val="accent1"/>
+            </a:fillRef>
+            <a:effectRef idx="0">
+              <a:schemeClr val="accent1"/>
+            </a:effectRef>
+            <a:fontRef idx="minor">
+              <a:schemeClr val="tx1"/>
+            </a:fontRef>
+          </p:style>
+        </p:cxnSp>
+        <p:cxnSp>
+          <p:nvCxnSpPr>
+            <p:cNvPr id="28" name="Straight Connector 27">
+              <a:extLst>
+                <a:ext uri="{FF2B5EF4-FFF2-40B4-BE49-F238E27FC236}">
+                  <a16:creationId xmlns:a16="http://schemas.microsoft.com/office/drawing/2014/main" id="{464ED9CA-8950-47B8-A9ED-22B45CE15FBC}"/>
+                </a:ext>
+                <a:ext uri="{C183D7F6-B498-43B3-948B-1728B52AA6E4}">
+                  <adec:decorative xmlns:adec="http://schemas.microsoft.com/office/drawing/2017/decorative" val="1"/>
+                </a:ext>
+              </a:extLst>
+            </p:cNvPr>
+            <p:cNvCxnSpPr>
+              <a:cxnSpLocks/>
+            </p:cNvCxnSpPr>
+            <p:nvPr>
+              <p:extLst>
+                <p:ext uri="{386F3935-93C4-4BCD-93E2-E3B085C9AB24}">
+                  <p16:designElem xmlns:p16="http://schemas.microsoft.com/office/powerpoint/2015/main" val="1"/>
+                </p:ext>
+              </p:extLst>
+            </p:nvPr>
+          </p:nvCxnSpPr>
+          <p:spPr>
+            <a:xfrm>
+              <a:off x="0" y="1800359"/>
+              <a:ext cx="12192000" cy="0"/>
+            </a:xfrm>
+            <a:prstGeom prst="line">
+              <a:avLst/>
+            </a:prstGeom>
+            <a:ln w="12700">
+              <a:solidFill>
+                <a:srgbClr val="BCBCBC">
+                  <a:alpha val="29804"/>
+                </a:srgbClr>
+              </a:solidFill>
+              <a:prstDash val="sysDot"/>
+            </a:ln>
+          </p:spPr>
+          <p:style>
+            <a:lnRef idx="1">
+              <a:schemeClr val="accent1"/>
+            </a:lnRef>
+            <a:fillRef idx="0">
+              <a:schemeClr val="accent1"/>
+            </a:fillRef>
+            <a:effectRef idx="0">
+              <a:schemeClr val="accent1"/>
+            </a:effectRef>
+            <a:fontRef idx="minor">
+              <a:schemeClr val="tx1"/>
+            </a:fontRef>
+          </p:style>
+        </p:cxnSp>
+        <p:cxnSp>
+          <p:nvCxnSpPr>
+            <p:cNvPr id="29" name="Straight Connector 28">
+              <a:extLst>
+                <a:ext uri="{FF2B5EF4-FFF2-40B4-BE49-F238E27FC236}">
+                  <a16:creationId xmlns:a16="http://schemas.microsoft.com/office/drawing/2014/main" id="{E4429F7B-9FD7-438F-8ECA-3FCAD0061805}"/>
+                </a:ext>
+                <a:ext uri="{C183D7F6-B498-43B3-948B-1728B52AA6E4}">
+                  <adec:decorative xmlns:adec="http://schemas.microsoft.com/office/drawing/2017/decorative" val="1"/>
+                </a:ext>
+              </a:extLst>
+            </p:cNvPr>
+            <p:cNvCxnSpPr>
+              <a:cxnSpLocks/>
+            </p:cNvCxnSpPr>
+            <p:nvPr>
+              <p:extLst>
+                <p:ext uri="{386F3935-93C4-4BCD-93E2-E3B085C9AB24}">
+                  <p16:designElem xmlns:p16="http://schemas.microsoft.com/office/powerpoint/2015/main" val="1"/>
+                </p:ext>
+              </p:extLst>
+            </p:nvPr>
+          </p:nvCxnSpPr>
+          <p:spPr>
+            <a:xfrm>
+              <a:off x="0" y="2343240"/>
+              <a:ext cx="12192000" cy="0"/>
+            </a:xfrm>
+            <a:prstGeom prst="line">
+              <a:avLst/>
+            </a:prstGeom>
+            <a:ln w="12700">
+              <a:solidFill>
+                <a:srgbClr val="BCBCBC">
+                  <a:alpha val="29804"/>
+                </a:srgbClr>
+              </a:solidFill>
+              <a:prstDash val="sysDot"/>
+            </a:ln>
+          </p:spPr>
+          <p:style>
+            <a:lnRef idx="1">
+              <a:schemeClr val="accent1"/>
+            </a:lnRef>
+            <a:fillRef idx="0">
+              <a:schemeClr val="accent1"/>
+            </a:fillRef>
+            <a:effectRef idx="0">
+              <a:schemeClr val="accent1"/>
+            </a:effectRef>
+            <a:fontRef idx="minor">
+              <a:schemeClr val="tx1"/>
+            </a:fontRef>
+          </p:style>
+        </p:cxnSp>
+        <p:cxnSp>
+          <p:nvCxnSpPr>
+            <p:cNvPr id="30" name="Straight Connector 29">
+              <a:extLst>
+                <a:ext uri="{FF2B5EF4-FFF2-40B4-BE49-F238E27FC236}">
+                  <a16:creationId xmlns:a16="http://schemas.microsoft.com/office/drawing/2014/main" id="{0C558100-D455-4B41-890C-BCC898B2D165}"/>
+                </a:ext>
+                <a:ext uri="{C183D7F6-B498-43B3-948B-1728B52AA6E4}">
+                  <adec:decorative xmlns:adec="http://schemas.microsoft.com/office/drawing/2017/decorative" val="1"/>
+                </a:ext>
+              </a:extLst>
+            </p:cNvPr>
+            <p:cNvCxnSpPr>
+              <a:cxnSpLocks/>
+            </p:cNvCxnSpPr>
+            <p:nvPr>
+              <p:extLst>
+                <p:ext uri="{386F3935-93C4-4BCD-93E2-E3B085C9AB24}">
+                  <p16:designElem xmlns:p16="http://schemas.microsoft.com/office/powerpoint/2015/main" val="1"/>
+                </p:ext>
+              </p:extLst>
+            </p:nvPr>
+          </p:nvCxnSpPr>
+          <p:spPr>
+            <a:xfrm>
+              <a:off x="0" y="2886121"/>
+              <a:ext cx="12192000" cy="0"/>
+            </a:xfrm>
+            <a:prstGeom prst="line">
+              <a:avLst/>
+            </a:prstGeom>
+            <a:ln w="12700">
+              <a:solidFill>
+                <a:srgbClr val="BCBCBC">
+                  <a:alpha val="29804"/>
+                </a:srgbClr>
+              </a:solidFill>
+              <a:prstDash val="sysDot"/>
+            </a:ln>
+          </p:spPr>
+          <p:style>
+            <a:lnRef idx="1">
+              <a:schemeClr val="accent1"/>
+            </a:lnRef>
+            <a:fillRef idx="0">
+              <a:schemeClr val="accent1"/>
+            </a:fillRef>
+            <a:effectRef idx="0">
+              <a:schemeClr val="accent1"/>
+            </a:effectRef>
+            <a:fontRef idx="minor">
+              <a:schemeClr val="tx1"/>
+            </a:fontRef>
+          </p:style>
+        </p:cxnSp>
+        <p:cxnSp>
+          <p:nvCxnSpPr>
+            <p:cNvPr id="31" name="Straight Connector 30">
+              <a:extLst>
+                <a:ext uri="{FF2B5EF4-FFF2-40B4-BE49-F238E27FC236}">
+                  <a16:creationId xmlns:a16="http://schemas.microsoft.com/office/drawing/2014/main" id="{F2886397-398A-4318-BE16-2CBAC1902F9E}"/>
+                </a:ext>
+                <a:ext uri="{C183D7F6-B498-43B3-948B-1728B52AA6E4}">
+                  <adec:decorative xmlns:adec="http://schemas.microsoft.com/office/drawing/2017/decorative" val="1"/>
+                </a:ext>
+              </a:extLst>
+            </p:cNvPr>
+            <p:cNvCxnSpPr>
+              <a:cxnSpLocks/>
+            </p:cNvCxnSpPr>
+            <p:nvPr>
+              <p:extLst>
+                <p:ext uri="{386F3935-93C4-4BCD-93E2-E3B085C9AB24}">
+                  <p16:designElem xmlns:p16="http://schemas.microsoft.com/office/powerpoint/2015/main" val="1"/>
+                </p:ext>
+              </p:extLst>
+            </p:nvPr>
+          </p:nvCxnSpPr>
+          <p:spPr>
+            <a:xfrm>
+              <a:off x="0" y="3429002"/>
+              <a:ext cx="12192000" cy="0"/>
+            </a:xfrm>
+            <a:prstGeom prst="line">
+              <a:avLst/>
+            </a:prstGeom>
+            <a:ln w="12700">
+              <a:solidFill>
+                <a:srgbClr val="BCBCBC">
+                  <a:alpha val="29804"/>
+                </a:srgbClr>
+              </a:solidFill>
+              <a:prstDash val="sysDot"/>
+            </a:ln>
+          </p:spPr>
+          <p:style>
+            <a:lnRef idx="1">
+              <a:schemeClr val="accent1"/>
+            </a:lnRef>
+            <a:fillRef idx="0">
+              <a:schemeClr val="accent1"/>
+            </a:fillRef>
+            <a:effectRef idx="0">
+              <a:schemeClr val="accent1"/>
+            </a:effectRef>
+            <a:fontRef idx="minor">
+              <a:schemeClr val="tx1"/>
+            </a:fontRef>
+          </p:style>
+        </p:cxnSp>
+        <p:cxnSp>
+          <p:nvCxnSpPr>
+            <p:cNvPr id="32" name="Straight Connector 31">
+              <a:extLst>
+                <a:ext uri="{FF2B5EF4-FFF2-40B4-BE49-F238E27FC236}">
+                  <a16:creationId xmlns:a16="http://schemas.microsoft.com/office/drawing/2014/main" id="{7D32A3A6-CE6E-4ABD-8522-2C8DC88C070E}"/>
+                </a:ext>
+                <a:ext uri="{C183D7F6-B498-43B3-948B-1728B52AA6E4}">
+                  <adec:decorative xmlns:adec="http://schemas.microsoft.com/office/drawing/2017/decorative" val="1"/>
+                </a:ext>
+              </a:extLst>
+            </p:cNvPr>
+            <p:cNvCxnSpPr>
+              <a:cxnSpLocks/>
+            </p:cNvCxnSpPr>
+            <p:nvPr>
+              <p:extLst>
+                <p:ext uri="{386F3935-93C4-4BCD-93E2-E3B085C9AB24}">
+                  <p16:designElem xmlns:p16="http://schemas.microsoft.com/office/powerpoint/2015/main" val="1"/>
+                </p:ext>
+              </p:extLst>
+            </p:nvPr>
+          </p:nvCxnSpPr>
+          <p:spPr>
+            <a:xfrm>
+              <a:off x="0" y="3971883"/>
+              <a:ext cx="12192000" cy="0"/>
+            </a:xfrm>
+            <a:prstGeom prst="line">
+              <a:avLst/>
+            </a:prstGeom>
+            <a:ln w="12700">
+              <a:solidFill>
+                <a:srgbClr val="BCBCBC">
+                  <a:alpha val="29804"/>
+                </a:srgbClr>
+              </a:solidFill>
+              <a:prstDash val="sysDot"/>
+            </a:ln>
+          </p:spPr>
+          <p:style>
+            <a:lnRef idx="1">
+              <a:schemeClr val="accent1"/>
+            </a:lnRef>
+            <a:fillRef idx="0">
+              <a:schemeClr val="accent1"/>
+            </a:fillRef>
+            <a:effectRef idx="0">
+              <a:schemeClr val="accent1"/>
+            </a:effectRef>
+            <a:fontRef idx="minor">
+              <a:schemeClr val="tx1"/>
+            </a:fontRef>
+          </p:style>
+        </p:cxnSp>
+        <p:cxnSp>
+          <p:nvCxnSpPr>
+            <p:cNvPr id="33" name="Straight Connector 32">
+              <a:extLst>
+                <a:ext uri="{FF2B5EF4-FFF2-40B4-BE49-F238E27FC236}">
+                  <a16:creationId xmlns:a16="http://schemas.microsoft.com/office/drawing/2014/main" id="{F9014C09-5B84-4798-8BDE-C80D76E67B8E}"/>
+                </a:ext>
+                <a:ext uri="{C183D7F6-B498-43B3-948B-1728B52AA6E4}">
+                  <adec:decorative xmlns:adec="http://schemas.microsoft.com/office/drawing/2017/decorative" val="1"/>
+                </a:ext>
+              </a:extLst>
+            </p:cNvPr>
+            <p:cNvCxnSpPr>
+              <a:cxnSpLocks/>
+            </p:cNvCxnSpPr>
+            <p:nvPr>
+              <p:extLst>
+                <p:ext uri="{386F3935-93C4-4BCD-93E2-E3B085C9AB24}">
+                  <p16:designElem xmlns:p16="http://schemas.microsoft.com/office/powerpoint/2015/main" val="1"/>
+                </p:ext>
+              </p:extLst>
+            </p:nvPr>
+          </p:nvCxnSpPr>
+          <p:spPr>
+            <a:xfrm>
+              <a:off x="0" y="4514764"/>
+              <a:ext cx="12192000" cy="0"/>
+            </a:xfrm>
+            <a:prstGeom prst="line">
+              <a:avLst/>
+            </a:prstGeom>
+            <a:ln w="12700">
+              <a:solidFill>
+                <a:srgbClr val="BCBCBC">
+                  <a:alpha val="29804"/>
+                </a:srgbClr>
+              </a:solidFill>
+              <a:prstDash val="sysDot"/>
+            </a:ln>
+          </p:spPr>
+          <p:style>
+            <a:lnRef idx="1">
+              <a:schemeClr val="accent1"/>
+            </a:lnRef>
+            <a:fillRef idx="0">
+              <a:schemeClr val="accent1"/>
+            </a:fillRef>
+            <a:effectRef idx="0">
+              <a:schemeClr val="accent1"/>
+            </a:effectRef>
+            <a:fontRef idx="minor">
+              <a:schemeClr val="tx1"/>
+            </a:fontRef>
+          </p:style>
+        </p:cxnSp>
+        <p:cxnSp>
+          <p:nvCxnSpPr>
+            <p:cNvPr id="34" name="Straight Connector 33">
+              <a:extLst>
+                <a:ext uri="{FF2B5EF4-FFF2-40B4-BE49-F238E27FC236}">
+                  <a16:creationId xmlns:a16="http://schemas.microsoft.com/office/drawing/2014/main" id="{2A29EB9E-ED9D-4C69-8A26-9A7A0A830569}"/>
+                </a:ext>
+                <a:ext uri="{C183D7F6-B498-43B3-948B-1728B52AA6E4}">
+                  <adec:decorative xmlns:adec="http://schemas.microsoft.com/office/drawing/2017/decorative" val="1"/>
+                </a:ext>
+              </a:extLst>
+            </p:cNvPr>
+            <p:cNvCxnSpPr>
+              <a:cxnSpLocks/>
+            </p:cNvCxnSpPr>
+            <p:nvPr>
+              <p:extLst>
+                <p:ext uri="{386F3935-93C4-4BCD-93E2-E3B085C9AB24}">
+                  <p16:designElem xmlns:p16="http://schemas.microsoft.com/office/powerpoint/2015/main" val="1"/>
+                </p:ext>
+              </p:extLst>
+            </p:nvPr>
+          </p:nvCxnSpPr>
+          <p:spPr>
+            <a:xfrm>
+              <a:off x="0" y="5057645"/>
+              <a:ext cx="12192000" cy="0"/>
+            </a:xfrm>
+            <a:prstGeom prst="line">
+              <a:avLst/>
+            </a:prstGeom>
+            <a:ln w="12700">
+              <a:solidFill>
+                <a:srgbClr val="BCBCBC">
+                  <a:alpha val="29804"/>
+                </a:srgbClr>
+              </a:solidFill>
+              <a:prstDash val="sysDot"/>
+            </a:ln>
+          </p:spPr>
+          <p:style>
+            <a:lnRef idx="1">
+              <a:schemeClr val="accent1"/>
+            </a:lnRef>
+            <a:fillRef idx="0">
+              <a:schemeClr val="accent1"/>
+            </a:fillRef>
+            <a:effectRef idx="0">
+              <a:schemeClr val="accent1"/>
+            </a:effectRef>
+            <a:fontRef idx="minor">
+              <a:schemeClr val="tx1"/>
+            </a:fontRef>
+          </p:style>
+        </p:cxnSp>
+        <p:cxnSp>
+          <p:nvCxnSpPr>
+            <p:cNvPr id="35" name="Straight Connector 34">
+              <a:extLst>
+                <a:ext uri="{FF2B5EF4-FFF2-40B4-BE49-F238E27FC236}">
+                  <a16:creationId xmlns:a16="http://schemas.microsoft.com/office/drawing/2014/main" id="{AA2899F9-1795-416F-8F3D-26EEB684DB6A}"/>
+                </a:ext>
+                <a:ext uri="{C183D7F6-B498-43B3-948B-1728B52AA6E4}">
+                  <adec:decorative xmlns:adec="http://schemas.microsoft.com/office/drawing/2017/decorative" val="1"/>
+                </a:ext>
+              </a:extLst>
+            </p:cNvPr>
+            <p:cNvCxnSpPr>
+              <a:cxnSpLocks/>
+            </p:cNvCxnSpPr>
+            <p:nvPr>
+              <p:extLst>
+                <p:ext uri="{386F3935-93C4-4BCD-93E2-E3B085C9AB24}">
+                  <p16:designElem xmlns:p16="http://schemas.microsoft.com/office/powerpoint/2015/main" val="1"/>
+                </p:ext>
+              </p:extLst>
+            </p:nvPr>
+          </p:nvCxnSpPr>
+          <p:spPr>
+            <a:xfrm>
+              <a:off x="0" y="5600526"/>
+              <a:ext cx="12192000" cy="0"/>
+            </a:xfrm>
+            <a:prstGeom prst="line">
+              <a:avLst/>
+            </a:prstGeom>
+            <a:ln w="12700">
+              <a:solidFill>
+                <a:srgbClr val="BCBCBC">
+                  <a:alpha val="29804"/>
+                </a:srgbClr>
+              </a:solidFill>
+              <a:prstDash val="sysDot"/>
+            </a:ln>
+          </p:spPr>
+          <p:style>
+            <a:lnRef idx="1">
+              <a:schemeClr val="accent1"/>
+            </a:lnRef>
+            <a:fillRef idx="0">
+              <a:schemeClr val="accent1"/>
+            </a:fillRef>
+            <a:effectRef idx="0">
+              <a:schemeClr val="accent1"/>
+            </a:effectRef>
+            <a:fontRef idx="minor">
+              <a:schemeClr val="tx1"/>
+            </a:fontRef>
+          </p:style>
+        </p:cxnSp>
+        <p:cxnSp>
+          <p:nvCxnSpPr>
+            <p:cNvPr id="36" name="Straight Connector 35">
+              <a:extLst>
+                <a:ext uri="{FF2B5EF4-FFF2-40B4-BE49-F238E27FC236}">
+                  <a16:creationId xmlns:a16="http://schemas.microsoft.com/office/drawing/2014/main" id="{E3043474-8625-495C-BD06-3627FD286C55}"/>
+                </a:ext>
+                <a:ext uri="{C183D7F6-B498-43B3-948B-1728B52AA6E4}">
+                  <adec:decorative xmlns:adec="http://schemas.microsoft.com/office/drawing/2017/decorative" val="1"/>
+                </a:ext>
+              </a:extLst>
+            </p:cNvPr>
+            <p:cNvCxnSpPr>
+              <a:cxnSpLocks/>
+            </p:cNvCxnSpPr>
+            <p:nvPr>
+              <p:extLst>
+                <p:ext uri="{386F3935-93C4-4BCD-93E2-E3B085C9AB24}">
+                  <p16:designElem xmlns:p16="http://schemas.microsoft.com/office/powerpoint/2015/main" val="1"/>
+                </p:ext>
+              </p:extLst>
+            </p:nvPr>
+          </p:nvCxnSpPr>
+          <p:spPr>
+            <a:xfrm>
+              <a:off x="0" y="6857999"/>
+              <a:ext cx="12192000" cy="0"/>
+            </a:xfrm>
+            <a:prstGeom prst="line">
+              <a:avLst/>
+            </a:prstGeom>
+            <a:ln w="12700">
+              <a:solidFill>
+                <a:srgbClr val="BCBCBC">
+                  <a:alpha val="29804"/>
+                </a:srgbClr>
+              </a:solidFill>
+              <a:prstDash val="sysDot"/>
+            </a:ln>
+          </p:spPr>
+          <p:style>
+            <a:lnRef idx="1">
+              <a:schemeClr val="accent1"/>
+            </a:lnRef>
+            <a:fillRef idx="0">
+              <a:schemeClr val="accent1"/>
+            </a:fillRef>
+            <a:effectRef idx="0">
+              <a:schemeClr val="accent1"/>
+            </a:effectRef>
+            <a:fontRef idx="minor">
+              <a:schemeClr val="tx1"/>
+            </a:fontRef>
+          </p:style>
+        </p:cxnSp>
+        <p:cxnSp>
+          <p:nvCxnSpPr>
+            <p:cNvPr id="37" name="Straight Connector 36">
+              <a:extLst>
+                <a:ext uri="{FF2B5EF4-FFF2-40B4-BE49-F238E27FC236}">
+                  <a16:creationId xmlns:a16="http://schemas.microsoft.com/office/drawing/2014/main" id="{D432CE47-7631-408E-8DDC-79EE378B707B}"/>
+                </a:ext>
+                <a:ext uri="{C183D7F6-B498-43B3-948B-1728B52AA6E4}">
+                  <adec:decorative xmlns:adec="http://schemas.microsoft.com/office/drawing/2017/decorative" val="1"/>
+                </a:ext>
+              </a:extLst>
+            </p:cNvPr>
+            <p:cNvCxnSpPr>
+              <a:cxnSpLocks/>
+            </p:cNvCxnSpPr>
+            <p:nvPr>
+              <p:extLst>
+                <p:ext uri="{386F3935-93C4-4BCD-93E2-E3B085C9AB24}">
+                  <p16:designElem xmlns:p16="http://schemas.microsoft.com/office/powerpoint/2015/main" val="1"/>
+                </p:ext>
+              </p:extLst>
+            </p:nvPr>
+          </p:nvCxnSpPr>
+          <p:spPr>
+            <a:xfrm>
+              <a:off x="16613" y="6143407"/>
+              <a:ext cx="12192000" cy="0"/>
+            </a:xfrm>
+            <a:prstGeom prst="line">
+              <a:avLst/>
+            </a:prstGeom>
+            <a:ln w="12700">
+              <a:solidFill>
+                <a:srgbClr val="BCBCBC">
+                  <a:alpha val="29804"/>
+                </a:srgbClr>
+              </a:solidFill>
+              <a:prstDash val="sysDot"/>
+            </a:ln>
+          </p:spPr>
+          <p:style>
+            <a:lnRef idx="1">
+              <a:schemeClr val="accent1"/>
+            </a:lnRef>
+            <a:fillRef idx="0">
+              <a:schemeClr val="accent1"/>
+            </a:fillRef>
+            <a:effectRef idx="0">
+              <a:schemeClr val="accent1"/>
+            </a:effectRef>
+            <a:fontRef idx="minor">
+              <a:schemeClr val="tx1"/>
+            </a:fontRef>
+          </p:style>
+        </p:cxnSp>
+        <p:cxnSp>
+          <p:nvCxnSpPr>
+            <p:cNvPr id="38" name="Straight Connector 37">
+              <a:extLst>
+                <a:ext uri="{FF2B5EF4-FFF2-40B4-BE49-F238E27FC236}">
+                  <a16:creationId xmlns:a16="http://schemas.microsoft.com/office/drawing/2014/main" id="{B2C8832D-8B8D-4036-B913-2D363143274B}"/>
+                </a:ext>
+                <a:ext uri="{C183D7F6-B498-43B3-948B-1728B52AA6E4}">
+                  <adec:decorative xmlns:adec="http://schemas.microsoft.com/office/drawing/2017/decorative" val="1"/>
+                </a:ext>
+              </a:extLst>
+            </p:cNvPr>
+            <p:cNvCxnSpPr>
+              <a:cxnSpLocks/>
+            </p:cNvCxnSpPr>
+            <p:nvPr>
+              <p:extLst>
+                <p:ext uri="{386F3935-93C4-4BCD-93E2-E3B085C9AB24}">
+                  <p16:designElem xmlns:p16="http://schemas.microsoft.com/office/powerpoint/2015/main" val="1"/>
+                </p:ext>
+              </p:extLst>
+            </p:nvPr>
+          </p:nvCxnSpPr>
+          <p:spPr>
+            <a:xfrm>
+              <a:off x="684225" y="171716"/>
+              <a:ext cx="0" cy="6511464"/>
+            </a:xfrm>
+            <a:prstGeom prst="line">
+              <a:avLst/>
+            </a:prstGeom>
+            <a:ln w="12700">
+              <a:solidFill>
+                <a:srgbClr val="BCBCBC">
+                  <a:alpha val="29804"/>
+                </a:srgbClr>
+              </a:solidFill>
+              <a:prstDash val="sysDot"/>
+            </a:ln>
+          </p:spPr>
+          <p:style>
+            <a:lnRef idx="1">
+              <a:schemeClr val="accent1"/>
+            </a:lnRef>
+            <a:fillRef idx="0">
+              <a:schemeClr val="accent1"/>
+            </a:fillRef>
+            <a:effectRef idx="0">
+              <a:schemeClr val="accent1"/>
+            </a:effectRef>
+            <a:fontRef idx="minor">
+              <a:schemeClr val="tx1"/>
+            </a:fontRef>
+          </p:style>
+        </p:cxnSp>
+        <p:cxnSp>
+          <p:nvCxnSpPr>
+            <p:cNvPr id="39" name="Straight Connector 38">
+              <a:extLst>
+                <a:ext uri="{FF2B5EF4-FFF2-40B4-BE49-F238E27FC236}">
+                  <a16:creationId xmlns:a16="http://schemas.microsoft.com/office/drawing/2014/main" id="{1CCEFEAF-E87B-4FF2-A947-94CABAA0610D}"/>
+                </a:ext>
+                <a:ext uri="{C183D7F6-B498-43B3-948B-1728B52AA6E4}">
+                  <adec:decorative xmlns:adec="http://schemas.microsoft.com/office/drawing/2017/decorative" val="1"/>
+                </a:ext>
+              </a:extLst>
+            </p:cNvPr>
+            <p:cNvCxnSpPr>
+              <a:cxnSpLocks/>
+            </p:cNvCxnSpPr>
+            <p:nvPr>
+              <p:extLst>
+                <p:ext uri="{386F3935-93C4-4BCD-93E2-E3B085C9AB24}">
+                  <p16:designElem xmlns:p16="http://schemas.microsoft.com/office/powerpoint/2015/main" val="1"/>
+                </p:ext>
+              </p:extLst>
+            </p:nvPr>
+          </p:nvCxnSpPr>
+          <p:spPr>
+            <a:xfrm>
+              <a:off x="11508412" y="173267"/>
+              <a:ext cx="0" cy="6511464"/>
+            </a:xfrm>
+            <a:prstGeom prst="line">
+              <a:avLst/>
+            </a:prstGeom>
+            <a:ln w="12700">
+              <a:solidFill>
+                <a:srgbClr val="BCBCBC">
+                  <a:alpha val="29804"/>
+                </a:srgbClr>
+              </a:solidFill>
+              <a:prstDash val="sysDot"/>
+            </a:ln>
+          </p:spPr>
+          <p:style>
+            <a:lnRef idx="1">
+              <a:schemeClr val="accent1"/>
+            </a:lnRef>
+            <a:fillRef idx="0">
+              <a:schemeClr val="accent1"/>
+            </a:fillRef>
+            <a:effectRef idx="0">
+              <a:schemeClr val="accent1"/>
+            </a:effectRef>
+            <a:fontRef idx="minor">
+              <a:schemeClr val="tx1"/>
+            </a:fontRef>
+          </p:style>
+        </p:cxnSp>
+      </p:grpSp>
+      <p:sp>
+        <p:nvSpPr>
+          <p:cNvPr id="41" name="Right Triangle 40">
+            <a:extLst>
+              <a:ext uri="{FF2B5EF4-FFF2-40B4-BE49-F238E27FC236}">
+                <a16:creationId xmlns:a16="http://schemas.microsoft.com/office/drawing/2014/main" id="{2437C4A8-8E3A-4ADA-93B9-64737CE1ABB1}"/>
+              </a:ext>
+              <a:ext uri="{C183D7F6-B498-43B3-948B-1728B52AA6E4}">
+                <adec:decorative xmlns:adec="http://schemas.microsoft.com/office/drawing/2017/decorative" val="1"/>
+              </a:ext>
+            </a:extLst>
+          </p:cNvPr>
+          <p:cNvSpPr>
+            <a:spLocks noGrp="1" noRot="1" noChangeAspect="1" noMove="1" noResize="1" noEditPoints="1" noAdjustHandles="1" noChangeArrowheads="1" noChangeShapeType="1" noTextEdit="1"/>
+          </p:cNvSpPr>
+          <p:nvPr>
+            <p:extLst>
+              <p:ext uri="{386F3935-93C4-4BCD-93E2-E3B085C9AB24}">
+                <p16:designElem xmlns:p16="http://schemas.microsoft.com/office/powerpoint/2015/main" val="1"/>
+              </p:ext>
+            </p:extLst>
+          </p:nvPr>
+        </p:nvSpPr>
+        <p:spPr>
+          <a:xfrm rot="13500000">
+            <a:off x="-281093" y="2607907"/>
+            <a:ext cx="568289" cy="568289"/>
+          </a:xfrm>
+          <a:prstGeom prst="rtTriangle">
+            <a:avLst/>
+          </a:prstGeom>
+          <a:solidFill>
+            <a:schemeClr val="accent1">
+              <a:alpha val="50000"/>
+            </a:schemeClr>
+          </a:solidFill>
+          <a:ln>
+            <a:noFill/>
+          </a:ln>
+        </p:spPr>
+        <p:style>
+          <a:lnRef idx="2">
+            <a:schemeClr val="accent1">
+              <a:shade val="50000"/>
+            </a:schemeClr>
+          </a:lnRef>
+          <a:fillRef idx="1">
+            <a:schemeClr val="accent1"/>
+          </a:fillRef>
+          <a:effectRef idx="0">
+            <a:schemeClr val="accent1"/>
+          </a:effectRef>
+          <a:fontRef idx="minor">
+            <a:schemeClr val="lt1"/>
+          </a:fontRef>
+        </p:style>
+        <p:txBody>
+          <a:bodyPr rtlCol="0" anchor="ctr"/>
+          <a:lstStyle/>
+          <a:p>
+            <a:pPr algn="ctr"/>
+            <a:endParaRPr lang="en-US">
+              <a:solidFill>
+                <a:schemeClr val="tx1"/>
+              </a:solidFill>
+            </a:endParaRPr>
+          </a:p>
+        </p:txBody>
+      </p:sp>
+      <p:sp useBgFill="1">
+        <p:nvSpPr>
+          <p:cNvPr id="43" name="Rectangle 42">
+            <a:extLst>
+              <a:ext uri="{FF2B5EF4-FFF2-40B4-BE49-F238E27FC236}">
+                <a16:creationId xmlns:a16="http://schemas.microsoft.com/office/drawing/2014/main" id="{BA6285CA-6AFA-4F27-AFB5-1B32CDE09B1A}"/>
+              </a:ext>
+              <a:ext uri="{C183D7F6-B498-43B3-948B-1728B52AA6E4}">
+                <adec:decorative xmlns:adec="http://schemas.microsoft.com/office/drawing/2017/decorative" val="1"/>
+              </a:ext>
+            </a:extLst>
+          </p:cNvPr>
+          <p:cNvSpPr>
+            <a:spLocks noGrp="1" noRot="1" noChangeAspect="1" noMove="1" noResize="1" noEditPoints="1" noAdjustHandles="1" noChangeArrowheads="1" noChangeShapeType="1" noTextEdit="1"/>
+          </p:cNvSpPr>
+          <p:nvPr>
+            <p:extLst>
+              <p:ext uri="{386F3935-93C4-4BCD-93E2-E3B085C9AB24}">
+                <p16:designElem xmlns:p16="http://schemas.microsoft.com/office/powerpoint/2015/main" val="1"/>
+              </p:ext>
+            </p:extLst>
+          </p:nvPr>
+        </p:nvSpPr>
+        <p:spPr>
+          <a:xfrm>
+            <a:off x="0" y="0"/>
+            <a:ext cx="12188952" cy="6858000"/>
+          </a:xfrm>
+          <a:prstGeom prst="rect">
+            <a:avLst/>
+          </a:prstGeom>
+          <a:ln>
+            <a:noFill/>
+          </a:ln>
+        </p:spPr>
+        <p:style>
+          <a:lnRef idx="2">
+            <a:schemeClr val="accent1">
+              <a:shade val="50000"/>
+            </a:schemeClr>
+          </a:lnRef>
+          <a:fillRef idx="1">
+            <a:schemeClr val="accent1"/>
+          </a:fillRef>
+          <a:effectRef idx="0">
+            <a:schemeClr val="accent1"/>
+          </a:effectRef>
+          <a:fontRef idx="minor">
+            <a:schemeClr val="lt1"/>
+          </a:fontRef>
+        </p:style>
+        <p:txBody>
+          <a:bodyPr rtlCol="0" anchor="ctr"/>
+          <a:lstStyle/>
+          <a:p>
+            <a:pPr algn="ctr"/>
+            <a:endParaRPr lang="en-US">
+              <a:solidFill>
+                <a:schemeClr val="bg1"/>
+              </a:solidFill>
+            </a:endParaRPr>
+          </a:p>
+        </p:txBody>
+      </p:sp>
+      <p:grpSp>
+        <p:nvGrpSpPr>
+          <p:cNvPr id="45" name="Group 44">
+            <a:extLst>
+              <a:ext uri="{FF2B5EF4-FFF2-40B4-BE49-F238E27FC236}">
+                <a16:creationId xmlns:a16="http://schemas.microsoft.com/office/drawing/2014/main" id="{5DBF4C08-1E63-4DF5-8493-1C3BBDCA3BBF}"/>
+              </a:ext>
+              <a:ext uri="{C183D7F6-B498-43B3-948B-1728B52AA6E4}">
+                <adec:decorative xmlns:adec="http://schemas.microsoft.com/office/drawing/2017/decorative" val="1"/>
+              </a:ext>
+            </a:extLst>
+          </p:cNvPr>
+          <p:cNvGrpSpPr>
+            <a:grpSpLocks noGrp="1" noUngrp="1" noRot="1" noChangeAspect="1" noMove="1" noResize="1"/>
+          </p:cNvGrpSpPr>
+          <p:nvPr>
+            <p:extLst>
+              <p:ext uri="{386F3935-93C4-4BCD-93E2-E3B085C9AB24}">
+                <p16:designElem xmlns:p16="http://schemas.microsoft.com/office/powerpoint/2015/main" val="1"/>
+              </p:ext>
+            </p:extLst>
+          </p:nvPr>
+        </p:nvGrpSpPr>
+        <p:grpSpPr>
+          <a:xfrm>
+            <a:off x="-6214" y="-1"/>
+            <a:ext cx="12214827" cy="6858000"/>
+            <a:chOff x="-6214" y="-1"/>
+            <a:chExt cx="12214827" cy="6858000"/>
+          </a:xfrm>
+        </p:grpSpPr>
+        <p:cxnSp>
+          <p:nvCxnSpPr>
+            <p:cNvPr id="46" name="Straight Connector 45">
+              <a:extLst>
+                <a:ext uri="{FF2B5EF4-FFF2-40B4-BE49-F238E27FC236}">
+                  <a16:creationId xmlns:a16="http://schemas.microsoft.com/office/drawing/2014/main" id="{B0172335-C8F3-4867-9911-2F5BD212C866}"/>
+                </a:ext>
+                <a:ext uri="{C183D7F6-B498-43B3-948B-1728B52AA6E4}">
+                  <adec:decorative xmlns:adec="http://schemas.microsoft.com/office/drawing/2017/decorative" val="1"/>
+                </a:ext>
+              </a:extLst>
+            </p:cNvPr>
+            <p:cNvCxnSpPr>
+              <a:cxnSpLocks/>
+            </p:cNvCxnSpPr>
+            <p:nvPr>
+              <p:extLst>
+                <p:ext uri="{386F3935-93C4-4BCD-93E2-E3B085C9AB24}">
+                  <p16:designElem xmlns:p16="http://schemas.microsoft.com/office/powerpoint/2015/main" val="1"/>
+                </p:ext>
+              </p:extLst>
+            </p:nvPr>
+          </p:nvCxnSpPr>
+          <p:spPr>
+            <a:xfrm>
+              <a:off x="-6214" y="6686283"/>
+              <a:ext cx="12192000" cy="0"/>
+            </a:xfrm>
+            <a:prstGeom prst="line">
+              <a:avLst/>
+            </a:prstGeom>
+            <a:ln w="12700">
+              <a:solidFill>
+                <a:srgbClr val="BCBCBC">
+                  <a:alpha val="29804"/>
+                </a:srgbClr>
+              </a:solidFill>
+              <a:prstDash val="sysDot"/>
+            </a:ln>
+          </p:spPr>
+          <p:style>
+            <a:lnRef idx="1">
+              <a:schemeClr val="accent1"/>
+            </a:lnRef>
+            <a:fillRef idx="0">
+              <a:schemeClr val="accent1"/>
+            </a:fillRef>
+            <a:effectRef idx="0">
+              <a:schemeClr val="accent1"/>
+            </a:effectRef>
+            <a:fontRef idx="minor">
+              <a:schemeClr val="tx1"/>
+            </a:fontRef>
+          </p:style>
+        </p:cxnSp>
+        <p:cxnSp>
+          <p:nvCxnSpPr>
+            <p:cNvPr id="47" name="Straight Connector 46">
+              <a:extLst>
+                <a:ext uri="{FF2B5EF4-FFF2-40B4-BE49-F238E27FC236}">
+                  <a16:creationId xmlns:a16="http://schemas.microsoft.com/office/drawing/2014/main" id="{67BDAF4F-CC6E-411F-A8CD-919C9BF08833}"/>
+                </a:ext>
+                <a:ext uri="{C183D7F6-B498-43B3-948B-1728B52AA6E4}">
+                  <adec:decorative xmlns:adec="http://schemas.microsoft.com/office/drawing/2017/decorative" val="1"/>
+                </a:ext>
+              </a:extLst>
+            </p:cNvPr>
+            <p:cNvCxnSpPr>
+              <a:cxnSpLocks/>
+            </p:cNvCxnSpPr>
+            <p:nvPr>
+              <p:extLst>
+                <p:ext uri="{386F3935-93C4-4BCD-93E2-E3B085C9AB24}">
+                  <p16:designElem xmlns:p16="http://schemas.microsoft.com/office/powerpoint/2015/main" val="1"/>
+                </p:ext>
+              </p:extLst>
+            </p:nvPr>
+          </p:nvCxnSpPr>
+          <p:spPr>
+            <a:xfrm>
+              <a:off x="0" y="-1"/>
+              <a:ext cx="0" cy="6858000"/>
+            </a:xfrm>
+            <a:prstGeom prst="line">
+              <a:avLst/>
+            </a:prstGeom>
+            <a:ln w="12700">
+              <a:solidFill>
+                <a:srgbClr val="BCBCBC">
+                  <a:alpha val="29804"/>
+                </a:srgbClr>
+              </a:solidFill>
+              <a:prstDash val="sysDot"/>
+            </a:ln>
+          </p:spPr>
+          <p:style>
+            <a:lnRef idx="1">
+              <a:schemeClr val="accent1"/>
+            </a:lnRef>
+            <a:fillRef idx="0">
+              <a:schemeClr val="accent1"/>
+            </a:fillRef>
+            <a:effectRef idx="0">
+              <a:schemeClr val="accent1"/>
+            </a:effectRef>
+            <a:fontRef idx="minor">
+              <a:schemeClr val="tx1"/>
+            </a:fontRef>
+          </p:style>
+        </p:cxnSp>
+        <p:cxnSp>
+          <p:nvCxnSpPr>
+            <p:cNvPr id="48" name="Straight Connector 47">
+              <a:extLst>
+                <a:ext uri="{FF2B5EF4-FFF2-40B4-BE49-F238E27FC236}">
+                  <a16:creationId xmlns:a16="http://schemas.microsoft.com/office/drawing/2014/main" id="{5DA124D5-EC6C-40E8-A453-8021DEF63F90}"/>
+                </a:ext>
+                <a:ext uri="{C183D7F6-B498-43B3-948B-1728B52AA6E4}">
+                  <adec:decorative xmlns:adec="http://schemas.microsoft.com/office/drawing/2017/decorative" val="1"/>
+                </a:ext>
+              </a:extLst>
+            </p:cNvPr>
+            <p:cNvCxnSpPr>
+              <a:cxnSpLocks/>
+            </p:cNvCxnSpPr>
+            <p:nvPr>
+              <p:extLst>
+                <p:ext uri="{386F3935-93C4-4BCD-93E2-E3B085C9AB24}">
+                  <p16:designElem xmlns:p16="http://schemas.microsoft.com/office/powerpoint/2015/main" val="1"/>
+                </p:ext>
+              </p:extLst>
+            </p:nvPr>
+          </p:nvCxnSpPr>
+          <p:spPr>
+            <a:xfrm>
+              <a:off x="11993258" y="-1"/>
+              <a:ext cx="0" cy="6858000"/>
+            </a:xfrm>
+            <a:prstGeom prst="line">
+              <a:avLst/>
+            </a:prstGeom>
+            <a:ln w="12700">
+              <a:solidFill>
+                <a:srgbClr val="BCBCBC">
+                  <a:alpha val="29804"/>
+                </a:srgbClr>
+              </a:solidFill>
+              <a:prstDash val="sysDot"/>
+            </a:ln>
+          </p:spPr>
+          <p:style>
+            <a:lnRef idx="1">
+              <a:schemeClr val="accent1"/>
+            </a:lnRef>
+            <a:fillRef idx="0">
+              <a:schemeClr val="accent1"/>
+            </a:fillRef>
+            <a:effectRef idx="0">
+              <a:schemeClr val="accent1"/>
+            </a:effectRef>
+            <a:fontRef idx="minor">
+              <a:schemeClr val="tx1"/>
+            </a:fontRef>
+          </p:style>
+        </p:cxnSp>
+        <p:cxnSp>
+          <p:nvCxnSpPr>
+            <p:cNvPr id="49" name="Straight Connector 48">
+              <a:extLst>
+                <a:ext uri="{FF2B5EF4-FFF2-40B4-BE49-F238E27FC236}">
+                  <a16:creationId xmlns:a16="http://schemas.microsoft.com/office/drawing/2014/main" id="{CC7C4E89-FF36-4C86-8662-1B0DE7F21A8C}"/>
+                </a:ext>
+                <a:ext uri="{C183D7F6-B498-43B3-948B-1728B52AA6E4}">
+                  <adec:decorative xmlns:adec="http://schemas.microsoft.com/office/drawing/2017/decorative" val="1"/>
+                </a:ext>
+              </a:extLst>
+            </p:cNvPr>
+            <p:cNvCxnSpPr>
+              <a:cxnSpLocks/>
+            </p:cNvCxnSpPr>
+            <p:nvPr>
+              <p:extLst>
+                <p:ext uri="{386F3935-93C4-4BCD-93E2-E3B085C9AB24}">
+                  <p16:designElem xmlns:p16="http://schemas.microsoft.com/office/powerpoint/2015/main" val="1"/>
+                </p:ext>
+              </p:extLst>
+            </p:nvPr>
+          </p:nvCxnSpPr>
+          <p:spPr>
+            <a:xfrm>
+              <a:off x="192528" y="-1"/>
+              <a:ext cx="0" cy="6858000"/>
+            </a:xfrm>
+            <a:prstGeom prst="line">
+              <a:avLst/>
+            </a:prstGeom>
+            <a:ln w="12700">
+              <a:solidFill>
+                <a:srgbClr val="BCBCBC">
+                  <a:alpha val="29804"/>
+                </a:srgbClr>
+              </a:solidFill>
+              <a:prstDash val="sysDot"/>
+            </a:ln>
+          </p:spPr>
+          <p:style>
+            <a:lnRef idx="1">
+              <a:schemeClr val="accent1"/>
+            </a:lnRef>
+            <a:fillRef idx="0">
+              <a:schemeClr val="accent1"/>
+            </a:fillRef>
+            <a:effectRef idx="0">
+              <a:schemeClr val="accent1"/>
+            </a:effectRef>
+            <a:fontRef idx="minor">
+              <a:schemeClr val="tx1"/>
+            </a:fontRef>
+          </p:style>
+        </p:cxnSp>
+        <p:cxnSp>
+          <p:nvCxnSpPr>
+            <p:cNvPr id="50" name="Straight Connector 49">
+              <a:extLst>
+                <a:ext uri="{FF2B5EF4-FFF2-40B4-BE49-F238E27FC236}">
+                  <a16:creationId xmlns:a16="http://schemas.microsoft.com/office/drawing/2014/main" id="{6728F9F7-96C0-40B6-8FEC-1204F7E5786A}"/>
+                </a:ext>
+                <a:ext uri="{C183D7F6-B498-43B3-948B-1728B52AA6E4}">
+                  <adec:decorative xmlns:adec="http://schemas.microsoft.com/office/drawing/2017/decorative" val="1"/>
+                </a:ext>
+              </a:extLst>
+            </p:cNvPr>
+            <p:cNvCxnSpPr>
+              <a:cxnSpLocks/>
+            </p:cNvCxnSpPr>
+            <p:nvPr>
+              <p:extLst>
+                <p:ext uri="{386F3935-93C4-4BCD-93E2-E3B085C9AB24}">
+                  <p16:designElem xmlns:p16="http://schemas.microsoft.com/office/powerpoint/2015/main" val="1"/>
+                </p:ext>
+              </p:extLst>
+            </p:nvPr>
+          </p:nvCxnSpPr>
+          <p:spPr>
+            <a:xfrm>
+              <a:off x="1175922" y="-1"/>
+              <a:ext cx="0" cy="6858000"/>
+            </a:xfrm>
+            <a:prstGeom prst="line">
+              <a:avLst/>
+            </a:prstGeom>
+            <a:ln w="12700">
+              <a:solidFill>
+                <a:srgbClr val="BCBCBC">
+                  <a:alpha val="29804"/>
+                </a:srgbClr>
+              </a:solidFill>
+              <a:prstDash val="sysDot"/>
+            </a:ln>
+          </p:spPr>
+          <p:style>
+            <a:lnRef idx="1">
+              <a:schemeClr val="accent1"/>
+            </a:lnRef>
+            <a:fillRef idx="0">
+              <a:schemeClr val="accent1"/>
+            </a:fillRef>
+            <a:effectRef idx="0">
+              <a:schemeClr val="accent1"/>
+            </a:effectRef>
+            <a:fontRef idx="minor">
+              <a:schemeClr val="tx1"/>
+            </a:fontRef>
+          </p:style>
+        </p:cxnSp>
+        <p:cxnSp>
+          <p:nvCxnSpPr>
+            <p:cNvPr id="51" name="Straight Connector 50">
+              <a:extLst>
+                <a:ext uri="{FF2B5EF4-FFF2-40B4-BE49-F238E27FC236}">
+                  <a16:creationId xmlns:a16="http://schemas.microsoft.com/office/drawing/2014/main" id="{9BF2264B-0EBB-4AE9-B192-C49A51638357}"/>
+                </a:ext>
+                <a:ext uri="{C183D7F6-B498-43B3-948B-1728B52AA6E4}">
+                  <adec:decorative xmlns:adec="http://schemas.microsoft.com/office/drawing/2017/decorative" val="1"/>
+                </a:ext>
+              </a:extLst>
+            </p:cNvPr>
+            <p:cNvCxnSpPr>
+              <a:cxnSpLocks/>
+            </p:cNvCxnSpPr>
+            <p:nvPr>
+              <p:extLst>
+                <p:ext uri="{386F3935-93C4-4BCD-93E2-E3B085C9AB24}">
+                  <p16:designElem xmlns:p16="http://schemas.microsoft.com/office/powerpoint/2015/main" val="1"/>
+                </p:ext>
+              </p:extLst>
+            </p:nvPr>
+          </p:nvCxnSpPr>
+          <p:spPr>
+            <a:xfrm>
+              <a:off x="2159316" y="-1"/>
+              <a:ext cx="0" cy="6858000"/>
+            </a:xfrm>
+            <a:prstGeom prst="line">
+              <a:avLst/>
+            </a:prstGeom>
+            <a:ln w="12700">
+              <a:solidFill>
+                <a:srgbClr val="BCBCBC">
+                  <a:alpha val="29804"/>
+                </a:srgbClr>
+              </a:solidFill>
+              <a:prstDash val="sysDot"/>
+            </a:ln>
+          </p:spPr>
+          <p:style>
+            <a:lnRef idx="1">
+              <a:schemeClr val="accent1"/>
+            </a:lnRef>
+            <a:fillRef idx="0">
+              <a:schemeClr val="accent1"/>
+            </a:fillRef>
+            <a:effectRef idx="0">
+              <a:schemeClr val="accent1"/>
+            </a:effectRef>
+            <a:fontRef idx="minor">
+              <a:schemeClr val="tx1"/>
+            </a:fontRef>
+          </p:style>
+        </p:cxnSp>
+        <p:cxnSp>
+          <p:nvCxnSpPr>
+            <p:cNvPr id="52" name="Straight Connector 51">
+              <a:extLst>
+                <a:ext uri="{FF2B5EF4-FFF2-40B4-BE49-F238E27FC236}">
+                  <a16:creationId xmlns:a16="http://schemas.microsoft.com/office/drawing/2014/main" id="{980A4381-2144-4FCB-95A1-1538834F48F7}"/>
+                </a:ext>
+                <a:ext uri="{C183D7F6-B498-43B3-948B-1728B52AA6E4}">
+                  <adec:decorative xmlns:adec="http://schemas.microsoft.com/office/drawing/2017/decorative" val="1"/>
+                </a:ext>
+              </a:extLst>
+            </p:cNvPr>
+            <p:cNvCxnSpPr>
+              <a:cxnSpLocks/>
+            </p:cNvCxnSpPr>
+            <p:nvPr>
+              <p:extLst>
+                <p:ext uri="{386F3935-93C4-4BCD-93E2-E3B085C9AB24}">
+                  <p16:designElem xmlns:p16="http://schemas.microsoft.com/office/powerpoint/2015/main" val="1"/>
+                </p:ext>
+              </p:extLst>
+            </p:nvPr>
+          </p:nvCxnSpPr>
+          <p:spPr>
+            <a:xfrm>
+              <a:off x="3142710" y="-1"/>
+              <a:ext cx="0" cy="6858000"/>
+            </a:xfrm>
+            <a:prstGeom prst="line">
+              <a:avLst/>
+            </a:prstGeom>
+            <a:ln w="12700">
+              <a:solidFill>
+                <a:srgbClr val="BCBCBC">
+                  <a:alpha val="29804"/>
+                </a:srgbClr>
+              </a:solidFill>
+              <a:prstDash val="sysDot"/>
+            </a:ln>
+          </p:spPr>
+          <p:style>
+            <a:lnRef idx="1">
+              <a:schemeClr val="accent1"/>
+            </a:lnRef>
+            <a:fillRef idx="0">
+              <a:schemeClr val="accent1"/>
+            </a:fillRef>
+            <a:effectRef idx="0">
+              <a:schemeClr val="accent1"/>
+            </a:effectRef>
+            <a:fontRef idx="minor">
+              <a:schemeClr val="tx1"/>
+            </a:fontRef>
+          </p:style>
+        </p:cxnSp>
+        <p:cxnSp>
+          <p:nvCxnSpPr>
+            <p:cNvPr id="53" name="Straight Connector 52">
+              <a:extLst>
+                <a:ext uri="{FF2B5EF4-FFF2-40B4-BE49-F238E27FC236}">
+                  <a16:creationId xmlns:a16="http://schemas.microsoft.com/office/drawing/2014/main" id="{E0FDAAE2-E1A2-4517-838D-DB7B1BE30BDA}"/>
+                </a:ext>
+                <a:ext uri="{C183D7F6-B498-43B3-948B-1728B52AA6E4}">
+                  <adec:decorative xmlns:adec="http://schemas.microsoft.com/office/drawing/2017/decorative" val="1"/>
+                </a:ext>
+              </a:extLst>
+            </p:cNvPr>
+            <p:cNvCxnSpPr>
+              <a:cxnSpLocks/>
+            </p:cNvCxnSpPr>
+            <p:nvPr>
+              <p:extLst>
+                <p:ext uri="{386F3935-93C4-4BCD-93E2-E3B085C9AB24}">
+                  <p16:designElem xmlns:p16="http://schemas.microsoft.com/office/powerpoint/2015/main" val="1"/>
+                </p:ext>
+              </p:extLst>
+            </p:nvPr>
+          </p:nvCxnSpPr>
+          <p:spPr>
+            <a:xfrm>
+              <a:off x="4126104" y="-1"/>
+              <a:ext cx="0" cy="6858000"/>
+            </a:xfrm>
+            <a:prstGeom prst="line">
+              <a:avLst/>
+            </a:prstGeom>
+            <a:ln w="12700">
+              <a:solidFill>
+                <a:srgbClr val="BCBCBC">
+                  <a:alpha val="29804"/>
+                </a:srgbClr>
+              </a:solidFill>
+              <a:prstDash val="sysDot"/>
+            </a:ln>
+          </p:spPr>
+          <p:style>
+            <a:lnRef idx="1">
+              <a:schemeClr val="accent1"/>
+            </a:lnRef>
+            <a:fillRef idx="0">
+              <a:schemeClr val="accent1"/>
+            </a:fillRef>
+            <a:effectRef idx="0">
+              <a:schemeClr val="accent1"/>
+            </a:effectRef>
+            <a:fontRef idx="minor">
+              <a:schemeClr val="tx1"/>
+            </a:fontRef>
+          </p:style>
+        </p:cxnSp>
+        <p:cxnSp>
+          <p:nvCxnSpPr>
+            <p:cNvPr id="54" name="Straight Connector 53">
+              <a:extLst>
+                <a:ext uri="{FF2B5EF4-FFF2-40B4-BE49-F238E27FC236}">
+                  <a16:creationId xmlns:a16="http://schemas.microsoft.com/office/drawing/2014/main" id="{57BBB666-4FE4-459B-AA22-99776D6B0260}"/>
+                </a:ext>
+                <a:ext uri="{C183D7F6-B498-43B3-948B-1728B52AA6E4}">
+                  <adec:decorative xmlns:adec="http://schemas.microsoft.com/office/drawing/2017/decorative" val="1"/>
+                </a:ext>
+              </a:extLst>
+            </p:cNvPr>
+            <p:cNvCxnSpPr>
+              <a:cxnSpLocks/>
+            </p:cNvCxnSpPr>
+            <p:nvPr>
+              <p:extLst>
+                <p:ext uri="{386F3935-93C4-4BCD-93E2-E3B085C9AB24}">
+                  <p16:designElem xmlns:p16="http://schemas.microsoft.com/office/powerpoint/2015/main" val="1"/>
+                </p:ext>
+              </p:extLst>
+            </p:nvPr>
+          </p:nvCxnSpPr>
+          <p:spPr>
+            <a:xfrm>
+              <a:off x="5109498" y="-1"/>
+              <a:ext cx="0" cy="6858000"/>
+            </a:xfrm>
+            <a:prstGeom prst="line">
+              <a:avLst/>
+            </a:prstGeom>
+            <a:ln w="12700">
+              <a:solidFill>
+                <a:srgbClr val="BCBCBC">
+                  <a:alpha val="29804"/>
+                </a:srgbClr>
+              </a:solidFill>
+              <a:prstDash val="sysDot"/>
+            </a:ln>
+          </p:spPr>
+          <p:style>
+            <a:lnRef idx="1">
+              <a:schemeClr val="accent1"/>
+            </a:lnRef>
+            <a:fillRef idx="0">
+              <a:schemeClr val="accent1"/>
+            </a:fillRef>
+            <a:effectRef idx="0">
+              <a:schemeClr val="accent1"/>
+            </a:effectRef>
+            <a:fontRef idx="minor">
+              <a:schemeClr val="tx1"/>
+            </a:fontRef>
+          </p:style>
+        </p:cxnSp>
+        <p:cxnSp>
+          <p:nvCxnSpPr>
+            <p:cNvPr id="55" name="Straight Connector 54">
+              <a:extLst>
+                <a:ext uri="{FF2B5EF4-FFF2-40B4-BE49-F238E27FC236}">
+                  <a16:creationId xmlns:a16="http://schemas.microsoft.com/office/drawing/2014/main" id="{8E23CB0F-9564-4C2B-8847-CECC117187DA}"/>
+                </a:ext>
+                <a:ext uri="{C183D7F6-B498-43B3-948B-1728B52AA6E4}">
+                  <adec:decorative xmlns:adec="http://schemas.microsoft.com/office/drawing/2017/decorative" val="1"/>
+                </a:ext>
+              </a:extLst>
+            </p:cNvPr>
+            <p:cNvCxnSpPr>
+              <a:cxnSpLocks/>
+            </p:cNvCxnSpPr>
+            <p:nvPr>
+              <p:extLst>
+                <p:ext uri="{386F3935-93C4-4BCD-93E2-E3B085C9AB24}">
+                  <p16:designElem xmlns:p16="http://schemas.microsoft.com/office/powerpoint/2015/main" val="1"/>
+                </p:ext>
+              </p:extLst>
+            </p:nvPr>
+          </p:nvCxnSpPr>
+          <p:spPr>
+            <a:xfrm>
+              <a:off x="6092892" y="-1"/>
+              <a:ext cx="0" cy="6858000"/>
+            </a:xfrm>
+            <a:prstGeom prst="line">
+              <a:avLst/>
+            </a:prstGeom>
+            <a:ln w="12700">
+              <a:solidFill>
+                <a:srgbClr val="BCBCBC">
+                  <a:alpha val="29804"/>
+                </a:srgbClr>
+              </a:solidFill>
+              <a:prstDash val="sysDot"/>
+            </a:ln>
+          </p:spPr>
+          <p:style>
+            <a:lnRef idx="1">
+              <a:schemeClr val="accent1"/>
+            </a:lnRef>
+            <a:fillRef idx="0">
+              <a:schemeClr val="accent1"/>
+            </a:fillRef>
+            <a:effectRef idx="0">
+              <a:schemeClr val="accent1"/>
+            </a:effectRef>
+            <a:fontRef idx="minor">
+              <a:schemeClr val="tx1"/>
+            </a:fontRef>
+          </p:style>
+        </p:cxnSp>
+        <p:cxnSp>
+          <p:nvCxnSpPr>
+            <p:cNvPr id="56" name="Straight Connector 55">
+              <a:extLst>
+                <a:ext uri="{FF2B5EF4-FFF2-40B4-BE49-F238E27FC236}">
+                  <a16:creationId xmlns:a16="http://schemas.microsoft.com/office/drawing/2014/main" id="{0A06EBC9-FF83-480F-BAFC-F11C07A10935}"/>
+                </a:ext>
+                <a:ext uri="{C183D7F6-B498-43B3-948B-1728B52AA6E4}">
+                  <adec:decorative xmlns:adec="http://schemas.microsoft.com/office/drawing/2017/decorative" val="1"/>
+                </a:ext>
+              </a:extLst>
+            </p:cNvPr>
+            <p:cNvCxnSpPr>
+              <a:cxnSpLocks/>
+            </p:cNvCxnSpPr>
+            <p:nvPr>
+              <p:extLst>
+                <p:ext uri="{386F3935-93C4-4BCD-93E2-E3B085C9AB24}">
+                  <p16:designElem xmlns:p16="http://schemas.microsoft.com/office/powerpoint/2015/main" val="1"/>
+                </p:ext>
+              </p:extLst>
+            </p:nvPr>
+          </p:nvCxnSpPr>
+          <p:spPr>
+            <a:xfrm>
+              <a:off x="7076286" y="-1"/>
+              <a:ext cx="0" cy="6858000"/>
+            </a:xfrm>
+            <a:prstGeom prst="line">
+              <a:avLst/>
+            </a:prstGeom>
+            <a:ln w="12700">
+              <a:solidFill>
+                <a:srgbClr val="BCBCBC">
+                  <a:alpha val="29804"/>
+                </a:srgbClr>
+              </a:solidFill>
+              <a:prstDash val="sysDot"/>
+            </a:ln>
+          </p:spPr>
+          <p:style>
+            <a:lnRef idx="1">
+              <a:schemeClr val="accent1"/>
+            </a:lnRef>
+            <a:fillRef idx="0">
+              <a:schemeClr val="accent1"/>
+            </a:fillRef>
+            <a:effectRef idx="0">
+              <a:schemeClr val="accent1"/>
+            </a:effectRef>
+            <a:fontRef idx="minor">
+              <a:schemeClr val="tx1"/>
+            </a:fontRef>
+          </p:style>
+        </p:cxnSp>
+        <p:cxnSp>
+          <p:nvCxnSpPr>
+            <p:cNvPr id="57" name="Straight Connector 56">
+              <a:extLst>
+                <a:ext uri="{FF2B5EF4-FFF2-40B4-BE49-F238E27FC236}">
+                  <a16:creationId xmlns:a16="http://schemas.microsoft.com/office/drawing/2014/main" id="{30B19B23-13F1-4B16-9E14-7C8A6CD4BCA4}"/>
+                </a:ext>
+                <a:ext uri="{C183D7F6-B498-43B3-948B-1728B52AA6E4}">
+                  <adec:decorative xmlns:adec="http://schemas.microsoft.com/office/drawing/2017/decorative" val="1"/>
+                </a:ext>
+              </a:extLst>
+            </p:cNvPr>
+            <p:cNvCxnSpPr>
+              <a:cxnSpLocks/>
+            </p:cNvCxnSpPr>
+            <p:nvPr>
+              <p:extLst>
+                <p:ext uri="{386F3935-93C4-4BCD-93E2-E3B085C9AB24}">
+                  <p16:designElem xmlns:p16="http://schemas.microsoft.com/office/powerpoint/2015/main" val="1"/>
+                </p:ext>
+              </p:extLst>
+            </p:nvPr>
+          </p:nvCxnSpPr>
+          <p:spPr>
+            <a:xfrm>
+              <a:off x="8059680" y="-1"/>
+              <a:ext cx="0" cy="6858000"/>
+            </a:xfrm>
+            <a:prstGeom prst="line">
+              <a:avLst/>
+            </a:prstGeom>
+            <a:ln w="12700">
+              <a:solidFill>
+                <a:srgbClr val="BCBCBC">
+                  <a:alpha val="29804"/>
+                </a:srgbClr>
+              </a:solidFill>
+              <a:prstDash val="sysDot"/>
+            </a:ln>
+          </p:spPr>
+          <p:style>
+            <a:lnRef idx="1">
+              <a:schemeClr val="accent1"/>
+            </a:lnRef>
+            <a:fillRef idx="0">
+              <a:schemeClr val="accent1"/>
+            </a:fillRef>
+            <a:effectRef idx="0">
+              <a:schemeClr val="accent1"/>
+            </a:effectRef>
+            <a:fontRef idx="minor">
+              <a:schemeClr val="tx1"/>
+            </a:fontRef>
+          </p:style>
+        </p:cxnSp>
+        <p:cxnSp>
+          <p:nvCxnSpPr>
+            <p:cNvPr id="58" name="Straight Connector 57">
+              <a:extLst>
+                <a:ext uri="{FF2B5EF4-FFF2-40B4-BE49-F238E27FC236}">
+                  <a16:creationId xmlns:a16="http://schemas.microsoft.com/office/drawing/2014/main" id="{5E4C9EBB-4687-4958-B779-A7E68209D7F5}"/>
+                </a:ext>
+                <a:ext uri="{C183D7F6-B498-43B3-948B-1728B52AA6E4}">
+                  <adec:decorative xmlns:adec="http://schemas.microsoft.com/office/drawing/2017/decorative" val="1"/>
+                </a:ext>
+              </a:extLst>
+            </p:cNvPr>
+            <p:cNvCxnSpPr>
+              <a:cxnSpLocks/>
+            </p:cNvCxnSpPr>
+            <p:nvPr>
+              <p:extLst>
+                <p:ext uri="{386F3935-93C4-4BCD-93E2-E3B085C9AB24}">
+                  <p16:designElem xmlns:p16="http://schemas.microsoft.com/office/powerpoint/2015/main" val="1"/>
+                </p:ext>
+              </p:extLst>
+            </p:nvPr>
+          </p:nvCxnSpPr>
+          <p:spPr>
+            <a:xfrm>
+              <a:off x="9043074" y="-1"/>
+              <a:ext cx="0" cy="6858000"/>
+            </a:xfrm>
+            <a:prstGeom prst="line">
+              <a:avLst/>
+            </a:prstGeom>
+            <a:ln w="12700">
+              <a:solidFill>
+                <a:srgbClr val="BCBCBC">
+                  <a:alpha val="29804"/>
+                </a:srgbClr>
+              </a:solidFill>
+              <a:prstDash val="sysDot"/>
+            </a:ln>
+          </p:spPr>
+          <p:style>
+            <a:lnRef idx="1">
+              <a:schemeClr val="accent1"/>
+            </a:lnRef>
+            <a:fillRef idx="0">
+              <a:schemeClr val="accent1"/>
+            </a:fillRef>
+            <a:effectRef idx="0">
+              <a:schemeClr val="accent1"/>
+            </a:effectRef>
+            <a:fontRef idx="minor">
+              <a:schemeClr val="tx1"/>
+            </a:fontRef>
+          </p:style>
+        </p:cxnSp>
+        <p:cxnSp>
+          <p:nvCxnSpPr>
+            <p:cNvPr id="59" name="Straight Connector 58">
+              <a:extLst>
+                <a:ext uri="{FF2B5EF4-FFF2-40B4-BE49-F238E27FC236}">
+                  <a16:creationId xmlns:a16="http://schemas.microsoft.com/office/drawing/2014/main" id="{43686F2B-B045-40CC-B434-69B83AA1976A}"/>
+                </a:ext>
+                <a:ext uri="{C183D7F6-B498-43B3-948B-1728B52AA6E4}">
+                  <adec:decorative xmlns:adec="http://schemas.microsoft.com/office/drawing/2017/decorative" val="1"/>
+                </a:ext>
+              </a:extLst>
+            </p:cNvPr>
+            <p:cNvCxnSpPr>
+              <a:cxnSpLocks/>
+            </p:cNvCxnSpPr>
+            <p:nvPr>
+              <p:extLst>
+                <p:ext uri="{386F3935-93C4-4BCD-93E2-E3B085C9AB24}">
+                  <p16:designElem xmlns:p16="http://schemas.microsoft.com/office/powerpoint/2015/main" val="1"/>
+                </p:ext>
+              </p:extLst>
+            </p:nvPr>
+          </p:nvCxnSpPr>
+          <p:spPr>
+            <a:xfrm>
+              <a:off x="10026468" y="-1"/>
+              <a:ext cx="0" cy="6858000"/>
+            </a:xfrm>
+            <a:prstGeom prst="line">
+              <a:avLst/>
+            </a:prstGeom>
+            <a:ln w="12700">
+              <a:solidFill>
+                <a:srgbClr val="BCBCBC">
+                  <a:alpha val="29804"/>
+                </a:srgbClr>
+              </a:solidFill>
+              <a:prstDash val="sysDot"/>
+            </a:ln>
+          </p:spPr>
+          <p:style>
+            <a:lnRef idx="1">
+              <a:schemeClr val="accent1"/>
+            </a:lnRef>
+            <a:fillRef idx="0">
+              <a:schemeClr val="accent1"/>
+            </a:fillRef>
+            <a:effectRef idx="0">
+              <a:schemeClr val="accent1"/>
+            </a:effectRef>
+            <a:fontRef idx="minor">
+              <a:schemeClr val="tx1"/>
+            </a:fontRef>
+          </p:style>
+        </p:cxnSp>
+        <p:cxnSp>
+          <p:nvCxnSpPr>
+            <p:cNvPr id="60" name="Straight Connector 59">
+              <a:extLst>
+                <a:ext uri="{FF2B5EF4-FFF2-40B4-BE49-F238E27FC236}">
+                  <a16:creationId xmlns:a16="http://schemas.microsoft.com/office/drawing/2014/main" id="{764C71E8-FEA3-4F9B-AC53-A8374AA97E4C}"/>
+                </a:ext>
+                <a:ext uri="{C183D7F6-B498-43B3-948B-1728B52AA6E4}">
+                  <adec:decorative xmlns:adec="http://schemas.microsoft.com/office/drawing/2017/decorative" val="1"/>
+                </a:ext>
+              </a:extLst>
+            </p:cNvPr>
+            <p:cNvCxnSpPr>
+              <a:cxnSpLocks/>
+            </p:cNvCxnSpPr>
+            <p:nvPr>
+              <p:extLst>
+                <p:ext uri="{386F3935-93C4-4BCD-93E2-E3B085C9AB24}">
+                  <p16:designElem xmlns:p16="http://schemas.microsoft.com/office/powerpoint/2015/main" val="1"/>
+                </p:ext>
+              </p:extLst>
+            </p:nvPr>
+          </p:nvCxnSpPr>
+          <p:spPr>
+            <a:xfrm>
+              <a:off x="11009862" y="-1"/>
+              <a:ext cx="0" cy="6858000"/>
+            </a:xfrm>
+            <a:prstGeom prst="line">
+              <a:avLst/>
+            </a:prstGeom>
+            <a:ln w="12700">
+              <a:solidFill>
+                <a:srgbClr val="BCBCBC">
+                  <a:alpha val="29804"/>
+                </a:srgbClr>
+              </a:solidFill>
+              <a:prstDash val="sysDot"/>
+            </a:ln>
+          </p:spPr>
+          <p:style>
+            <a:lnRef idx="1">
+              <a:schemeClr val="accent1"/>
+            </a:lnRef>
+            <a:fillRef idx="0">
+              <a:schemeClr val="accent1"/>
+            </a:fillRef>
+            <a:effectRef idx="0">
+              <a:schemeClr val="accent1"/>
+            </a:effectRef>
+            <a:fontRef idx="minor">
+              <a:schemeClr val="tx1"/>
+            </a:fontRef>
+          </p:style>
+        </p:cxnSp>
+        <p:cxnSp>
+          <p:nvCxnSpPr>
+            <p:cNvPr id="61" name="Straight Connector 60">
+              <a:extLst>
+                <a:ext uri="{FF2B5EF4-FFF2-40B4-BE49-F238E27FC236}">
+                  <a16:creationId xmlns:a16="http://schemas.microsoft.com/office/drawing/2014/main" id="{85743F8F-79CE-483D-884E-4737026CEAFB}"/>
+                </a:ext>
+                <a:ext uri="{C183D7F6-B498-43B3-948B-1728B52AA6E4}">
+                  <adec:decorative xmlns:adec="http://schemas.microsoft.com/office/drawing/2017/decorative" val="1"/>
+                </a:ext>
+              </a:extLst>
+            </p:cNvPr>
+            <p:cNvCxnSpPr>
+              <a:cxnSpLocks/>
+            </p:cNvCxnSpPr>
+            <p:nvPr>
+              <p:extLst>
+                <p:ext uri="{386F3935-93C4-4BCD-93E2-E3B085C9AB24}">
+                  <p16:designElem xmlns:p16="http://schemas.microsoft.com/office/powerpoint/2015/main" val="1"/>
+                </p:ext>
+              </p:extLst>
+            </p:nvPr>
+          </p:nvCxnSpPr>
+          <p:spPr>
+            <a:xfrm>
+              <a:off x="12185786" y="-1"/>
+              <a:ext cx="0" cy="6858000"/>
+            </a:xfrm>
+            <a:prstGeom prst="line">
+              <a:avLst/>
+            </a:prstGeom>
+            <a:ln w="12700">
+              <a:solidFill>
+                <a:srgbClr val="BCBCBC">
+                  <a:alpha val="29804"/>
+                </a:srgbClr>
+              </a:solidFill>
+              <a:prstDash val="sysDot"/>
+            </a:ln>
+          </p:spPr>
+          <p:style>
+            <a:lnRef idx="1">
+              <a:schemeClr val="accent1"/>
+            </a:lnRef>
+            <a:fillRef idx="0">
+              <a:schemeClr val="accent1"/>
+            </a:fillRef>
+            <a:effectRef idx="0">
+              <a:schemeClr val="accent1"/>
+            </a:effectRef>
+            <a:fontRef idx="minor">
+              <a:schemeClr val="tx1"/>
+            </a:fontRef>
+          </p:style>
+        </p:cxnSp>
+        <p:cxnSp>
+          <p:nvCxnSpPr>
+            <p:cNvPr id="62" name="Straight Connector 61">
+              <a:extLst>
+                <a:ext uri="{FF2B5EF4-FFF2-40B4-BE49-F238E27FC236}">
+                  <a16:creationId xmlns:a16="http://schemas.microsoft.com/office/drawing/2014/main" id="{A5687DE6-BF15-4C4D-A34A-43FE9DF281CB}"/>
+                </a:ext>
+                <a:ext uri="{C183D7F6-B498-43B3-948B-1728B52AA6E4}">
+                  <adec:decorative xmlns:adec="http://schemas.microsoft.com/office/drawing/2017/decorative" val="1"/>
+                </a:ext>
+              </a:extLst>
+            </p:cNvPr>
+            <p:cNvCxnSpPr>
+              <a:cxnSpLocks/>
+            </p:cNvCxnSpPr>
+            <p:nvPr>
+              <p:extLst>
+                <p:ext uri="{386F3935-93C4-4BCD-93E2-E3B085C9AB24}">
+                  <p16:designElem xmlns:p16="http://schemas.microsoft.com/office/powerpoint/2015/main" val="1"/>
+                </p:ext>
+              </p:extLst>
+            </p:nvPr>
+          </p:nvCxnSpPr>
+          <p:spPr>
+            <a:xfrm>
+              <a:off x="0" y="171716"/>
+              <a:ext cx="12192000" cy="0"/>
+            </a:xfrm>
+            <a:prstGeom prst="line">
+              <a:avLst/>
+            </a:prstGeom>
+            <a:ln w="12700">
+              <a:solidFill>
+                <a:srgbClr val="BCBCBC">
+                  <a:alpha val="29804"/>
+                </a:srgbClr>
+              </a:solidFill>
+              <a:prstDash val="sysDot"/>
+            </a:ln>
+          </p:spPr>
+          <p:style>
+            <a:lnRef idx="1">
+              <a:schemeClr val="accent1"/>
+            </a:lnRef>
+            <a:fillRef idx="0">
+              <a:schemeClr val="accent1"/>
+            </a:fillRef>
+            <a:effectRef idx="0">
+              <a:schemeClr val="accent1"/>
+            </a:effectRef>
+            <a:fontRef idx="minor">
+              <a:schemeClr val="tx1"/>
+            </a:fontRef>
+          </p:style>
+        </p:cxnSp>
+        <p:cxnSp>
+          <p:nvCxnSpPr>
+            <p:cNvPr id="63" name="Straight Connector 62">
+              <a:extLst>
+                <a:ext uri="{FF2B5EF4-FFF2-40B4-BE49-F238E27FC236}">
+                  <a16:creationId xmlns:a16="http://schemas.microsoft.com/office/drawing/2014/main" id="{80C30A15-74C6-479D-9415-BD3A15509BC2}"/>
+                </a:ext>
+                <a:ext uri="{C183D7F6-B498-43B3-948B-1728B52AA6E4}">
+                  <adec:decorative xmlns:adec="http://schemas.microsoft.com/office/drawing/2017/decorative" val="1"/>
+                </a:ext>
+              </a:extLst>
+            </p:cNvPr>
+            <p:cNvCxnSpPr>
+              <a:cxnSpLocks/>
+            </p:cNvCxnSpPr>
+            <p:nvPr>
+              <p:extLst>
+                <p:ext uri="{386F3935-93C4-4BCD-93E2-E3B085C9AB24}">
+                  <p16:designElem xmlns:p16="http://schemas.microsoft.com/office/powerpoint/2015/main" val="1"/>
+                </p:ext>
+              </p:extLst>
+            </p:nvPr>
+          </p:nvCxnSpPr>
+          <p:spPr>
+            <a:xfrm>
+              <a:off x="0" y="714597"/>
+              <a:ext cx="12192000" cy="0"/>
+            </a:xfrm>
+            <a:prstGeom prst="line">
+              <a:avLst/>
+            </a:prstGeom>
+            <a:ln w="12700">
+              <a:solidFill>
+                <a:srgbClr val="BCBCBC">
+                  <a:alpha val="29804"/>
+                </a:srgbClr>
+              </a:solidFill>
+              <a:prstDash val="sysDot"/>
+            </a:ln>
+          </p:spPr>
+          <p:style>
+            <a:lnRef idx="1">
+              <a:schemeClr val="accent1"/>
+            </a:lnRef>
+            <a:fillRef idx="0">
+              <a:schemeClr val="accent1"/>
+            </a:fillRef>
+            <a:effectRef idx="0">
+              <a:schemeClr val="accent1"/>
+            </a:effectRef>
+            <a:fontRef idx="minor">
+              <a:schemeClr val="tx1"/>
+            </a:fontRef>
+          </p:style>
+        </p:cxnSp>
+        <p:cxnSp>
+          <p:nvCxnSpPr>
+            <p:cNvPr id="64" name="Straight Connector 63">
+              <a:extLst>
+                <a:ext uri="{FF2B5EF4-FFF2-40B4-BE49-F238E27FC236}">
+                  <a16:creationId xmlns:a16="http://schemas.microsoft.com/office/drawing/2014/main" id="{F39D2221-2473-4D0C-867E-15E42CEDACA5}"/>
+                </a:ext>
+                <a:ext uri="{C183D7F6-B498-43B3-948B-1728B52AA6E4}">
+                  <adec:decorative xmlns:adec="http://schemas.microsoft.com/office/drawing/2017/decorative" val="1"/>
+                </a:ext>
+              </a:extLst>
+            </p:cNvPr>
+            <p:cNvCxnSpPr>
+              <a:cxnSpLocks/>
+            </p:cNvCxnSpPr>
+            <p:nvPr>
+              <p:extLst>
+                <p:ext uri="{386F3935-93C4-4BCD-93E2-E3B085C9AB24}">
+                  <p16:designElem xmlns:p16="http://schemas.microsoft.com/office/powerpoint/2015/main" val="1"/>
+                </p:ext>
+              </p:extLst>
+            </p:nvPr>
+          </p:nvCxnSpPr>
+          <p:spPr>
+            <a:xfrm>
+              <a:off x="0" y="1257478"/>
+              <a:ext cx="12192000" cy="0"/>
+            </a:xfrm>
+            <a:prstGeom prst="line">
+              <a:avLst/>
+            </a:prstGeom>
+            <a:ln w="12700">
+              <a:solidFill>
+                <a:srgbClr val="BCBCBC">
+                  <a:alpha val="29804"/>
+                </a:srgbClr>
+              </a:solidFill>
+              <a:prstDash val="sysDot"/>
+            </a:ln>
+          </p:spPr>
+          <p:style>
+            <a:lnRef idx="1">
+              <a:schemeClr val="accent1"/>
+            </a:lnRef>
+            <a:fillRef idx="0">
+              <a:schemeClr val="accent1"/>
+            </a:fillRef>
+            <a:effectRef idx="0">
+              <a:schemeClr val="accent1"/>
+            </a:effectRef>
+            <a:fontRef idx="minor">
+              <a:schemeClr val="tx1"/>
+            </a:fontRef>
+          </p:style>
+        </p:cxnSp>
+        <p:cxnSp>
+          <p:nvCxnSpPr>
+            <p:cNvPr id="65" name="Straight Connector 64">
+              <a:extLst>
+                <a:ext uri="{FF2B5EF4-FFF2-40B4-BE49-F238E27FC236}">
+                  <a16:creationId xmlns:a16="http://schemas.microsoft.com/office/drawing/2014/main" id="{A37B0AC9-52B2-49AE-B9F4-5130967F95D1}"/>
+                </a:ext>
+                <a:ext uri="{C183D7F6-B498-43B3-948B-1728B52AA6E4}">
+                  <adec:decorative xmlns:adec="http://schemas.microsoft.com/office/drawing/2017/decorative" val="1"/>
+                </a:ext>
+              </a:extLst>
+            </p:cNvPr>
+            <p:cNvCxnSpPr>
+              <a:cxnSpLocks/>
+            </p:cNvCxnSpPr>
+            <p:nvPr>
+              <p:extLst>
+                <p:ext uri="{386F3935-93C4-4BCD-93E2-E3B085C9AB24}">
+                  <p16:designElem xmlns:p16="http://schemas.microsoft.com/office/powerpoint/2015/main" val="1"/>
+                </p:ext>
+              </p:extLst>
+            </p:nvPr>
+          </p:nvCxnSpPr>
+          <p:spPr>
+            <a:xfrm>
+              <a:off x="0" y="1800359"/>
+              <a:ext cx="12192000" cy="0"/>
+            </a:xfrm>
+            <a:prstGeom prst="line">
+              <a:avLst/>
+            </a:prstGeom>
+            <a:ln w="12700">
+              <a:solidFill>
+                <a:srgbClr val="BCBCBC">
+                  <a:alpha val="29804"/>
+                </a:srgbClr>
+              </a:solidFill>
+              <a:prstDash val="sysDot"/>
+            </a:ln>
+          </p:spPr>
+          <p:style>
+            <a:lnRef idx="1">
+              <a:schemeClr val="accent1"/>
+            </a:lnRef>
+            <a:fillRef idx="0">
+              <a:schemeClr val="accent1"/>
+            </a:fillRef>
+            <a:effectRef idx="0">
+              <a:schemeClr val="accent1"/>
+            </a:effectRef>
+            <a:fontRef idx="minor">
+              <a:schemeClr val="tx1"/>
+            </a:fontRef>
+          </p:style>
+        </p:cxnSp>
+        <p:cxnSp>
+          <p:nvCxnSpPr>
+            <p:cNvPr id="66" name="Straight Connector 65">
+              <a:extLst>
+                <a:ext uri="{FF2B5EF4-FFF2-40B4-BE49-F238E27FC236}">
+                  <a16:creationId xmlns:a16="http://schemas.microsoft.com/office/drawing/2014/main" id="{0DA4F0D5-4E38-4439-957C-14C7B2C44B90}"/>
+                </a:ext>
+                <a:ext uri="{C183D7F6-B498-43B3-948B-1728B52AA6E4}">
+                  <adec:decorative xmlns:adec="http://schemas.microsoft.com/office/drawing/2017/decorative" val="1"/>
+                </a:ext>
+              </a:extLst>
+            </p:cNvPr>
+            <p:cNvCxnSpPr>
+              <a:cxnSpLocks/>
+            </p:cNvCxnSpPr>
+            <p:nvPr>
+              <p:extLst>
+                <p:ext uri="{386F3935-93C4-4BCD-93E2-E3B085C9AB24}">
+                  <p16:designElem xmlns:p16="http://schemas.microsoft.com/office/powerpoint/2015/main" val="1"/>
+                </p:ext>
+              </p:extLst>
+            </p:nvPr>
+          </p:nvCxnSpPr>
+          <p:spPr>
+            <a:xfrm>
+              <a:off x="0" y="2343240"/>
+              <a:ext cx="12192000" cy="0"/>
+            </a:xfrm>
+            <a:prstGeom prst="line">
+              <a:avLst/>
+            </a:prstGeom>
+            <a:ln w="12700">
+              <a:solidFill>
+                <a:srgbClr val="BCBCBC">
+                  <a:alpha val="29804"/>
+                </a:srgbClr>
+              </a:solidFill>
+              <a:prstDash val="sysDot"/>
+            </a:ln>
+          </p:spPr>
+          <p:style>
+            <a:lnRef idx="1">
+              <a:schemeClr val="accent1"/>
+            </a:lnRef>
+            <a:fillRef idx="0">
+              <a:schemeClr val="accent1"/>
+            </a:fillRef>
+            <a:effectRef idx="0">
+              <a:schemeClr val="accent1"/>
+            </a:effectRef>
+            <a:fontRef idx="minor">
+              <a:schemeClr val="tx1"/>
+            </a:fontRef>
+          </p:style>
+        </p:cxnSp>
+        <p:cxnSp>
+          <p:nvCxnSpPr>
+            <p:cNvPr id="67" name="Straight Connector 66">
+              <a:extLst>
+                <a:ext uri="{FF2B5EF4-FFF2-40B4-BE49-F238E27FC236}">
+                  <a16:creationId xmlns:a16="http://schemas.microsoft.com/office/drawing/2014/main" id="{231DB7A2-5177-4E09-ACE9-15F56E7A0290}"/>
+                </a:ext>
+                <a:ext uri="{C183D7F6-B498-43B3-948B-1728B52AA6E4}">
+                  <adec:decorative xmlns:adec="http://schemas.microsoft.com/office/drawing/2017/decorative" val="1"/>
+                </a:ext>
+              </a:extLst>
+            </p:cNvPr>
+            <p:cNvCxnSpPr>
+              <a:cxnSpLocks/>
+            </p:cNvCxnSpPr>
+            <p:nvPr>
+              <p:extLst>
+                <p:ext uri="{386F3935-93C4-4BCD-93E2-E3B085C9AB24}">
+                  <p16:designElem xmlns:p16="http://schemas.microsoft.com/office/powerpoint/2015/main" val="1"/>
+                </p:ext>
+              </p:extLst>
+            </p:nvPr>
+          </p:nvCxnSpPr>
+          <p:spPr>
+            <a:xfrm>
+              <a:off x="0" y="2886121"/>
+              <a:ext cx="12192000" cy="0"/>
+            </a:xfrm>
+            <a:prstGeom prst="line">
+              <a:avLst/>
+            </a:prstGeom>
+            <a:ln w="12700">
+              <a:solidFill>
+                <a:srgbClr val="BCBCBC">
+                  <a:alpha val="29804"/>
+                </a:srgbClr>
+              </a:solidFill>
+              <a:prstDash val="sysDot"/>
+            </a:ln>
+          </p:spPr>
+          <p:style>
+            <a:lnRef idx="1">
+              <a:schemeClr val="accent1"/>
+            </a:lnRef>
+            <a:fillRef idx="0">
+              <a:schemeClr val="accent1"/>
+            </a:fillRef>
+            <a:effectRef idx="0">
+              <a:schemeClr val="accent1"/>
+            </a:effectRef>
+            <a:fontRef idx="minor">
+              <a:schemeClr val="tx1"/>
+            </a:fontRef>
+          </p:style>
+        </p:cxnSp>
+        <p:cxnSp>
+          <p:nvCxnSpPr>
+            <p:cNvPr id="68" name="Straight Connector 67">
+              <a:extLst>
+                <a:ext uri="{FF2B5EF4-FFF2-40B4-BE49-F238E27FC236}">
+                  <a16:creationId xmlns:a16="http://schemas.microsoft.com/office/drawing/2014/main" id="{BF7AF76B-566E-437B-9B3D-C6061B789AB8}"/>
+                </a:ext>
+                <a:ext uri="{C183D7F6-B498-43B3-948B-1728B52AA6E4}">
+                  <adec:decorative xmlns:adec="http://schemas.microsoft.com/office/drawing/2017/decorative" val="1"/>
+                </a:ext>
+              </a:extLst>
+            </p:cNvPr>
+            <p:cNvCxnSpPr>
+              <a:cxnSpLocks/>
+            </p:cNvCxnSpPr>
+            <p:nvPr>
+              <p:extLst>
+                <p:ext uri="{386F3935-93C4-4BCD-93E2-E3B085C9AB24}">
+                  <p16:designElem xmlns:p16="http://schemas.microsoft.com/office/powerpoint/2015/main" val="1"/>
+                </p:ext>
+              </p:extLst>
+            </p:nvPr>
+          </p:nvCxnSpPr>
+          <p:spPr>
+            <a:xfrm>
+              <a:off x="0" y="3429002"/>
+              <a:ext cx="12192000" cy="0"/>
+            </a:xfrm>
+            <a:prstGeom prst="line">
+              <a:avLst/>
+            </a:prstGeom>
+            <a:ln w="12700">
+              <a:solidFill>
+                <a:srgbClr val="BCBCBC">
+                  <a:alpha val="29804"/>
+                </a:srgbClr>
+              </a:solidFill>
+              <a:prstDash val="sysDot"/>
+            </a:ln>
+          </p:spPr>
+          <p:style>
+            <a:lnRef idx="1">
+              <a:schemeClr val="accent1"/>
+            </a:lnRef>
+            <a:fillRef idx="0">
+              <a:schemeClr val="accent1"/>
+            </a:fillRef>
+            <a:effectRef idx="0">
+              <a:schemeClr val="accent1"/>
+            </a:effectRef>
+            <a:fontRef idx="minor">
+              <a:schemeClr val="tx1"/>
+            </a:fontRef>
+          </p:style>
+        </p:cxnSp>
+        <p:cxnSp>
+          <p:nvCxnSpPr>
+            <p:cNvPr id="69" name="Straight Connector 68">
+              <a:extLst>
+                <a:ext uri="{FF2B5EF4-FFF2-40B4-BE49-F238E27FC236}">
+                  <a16:creationId xmlns:a16="http://schemas.microsoft.com/office/drawing/2014/main" id="{80CCD94C-5468-4E4D-83E1-087C30B101B4}"/>
+                </a:ext>
+                <a:ext uri="{C183D7F6-B498-43B3-948B-1728B52AA6E4}">
+                  <adec:decorative xmlns:adec="http://schemas.microsoft.com/office/drawing/2017/decorative" val="1"/>
+                </a:ext>
+              </a:extLst>
+            </p:cNvPr>
+            <p:cNvCxnSpPr>
+              <a:cxnSpLocks/>
+            </p:cNvCxnSpPr>
+            <p:nvPr>
+              <p:extLst>
+                <p:ext uri="{386F3935-93C4-4BCD-93E2-E3B085C9AB24}">
+                  <p16:designElem xmlns:p16="http://schemas.microsoft.com/office/powerpoint/2015/main" val="1"/>
+                </p:ext>
+              </p:extLst>
+            </p:nvPr>
+          </p:nvCxnSpPr>
+          <p:spPr>
+            <a:xfrm>
+              <a:off x="0" y="3971883"/>
+              <a:ext cx="12192000" cy="0"/>
+            </a:xfrm>
+            <a:prstGeom prst="line">
+              <a:avLst/>
+            </a:prstGeom>
+            <a:ln w="12700">
+              <a:solidFill>
+                <a:srgbClr val="BCBCBC">
+                  <a:alpha val="29804"/>
+                </a:srgbClr>
+              </a:solidFill>
+              <a:prstDash val="sysDot"/>
+            </a:ln>
+          </p:spPr>
+          <p:style>
+            <a:lnRef idx="1">
+              <a:schemeClr val="accent1"/>
+            </a:lnRef>
+            <a:fillRef idx="0">
+              <a:schemeClr val="accent1"/>
+            </a:fillRef>
+            <a:effectRef idx="0">
+              <a:schemeClr val="accent1"/>
+            </a:effectRef>
+            <a:fontRef idx="minor">
+              <a:schemeClr val="tx1"/>
+            </a:fontRef>
+          </p:style>
+        </p:cxnSp>
+        <p:cxnSp>
+          <p:nvCxnSpPr>
+            <p:cNvPr id="70" name="Straight Connector 69">
+              <a:extLst>
+                <a:ext uri="{FF2B5EF4-FFF2-40B4-BE49-F238E27FC236}">
+                  <a16:creationId xmlns:a16="http://schemas.microsoft.com/office/drawing/2014/main" id="{F7DE3320-D7F0-4B34-979B-D695DA263419}"/>
+                </a:ext>
+                <a:ext uri="{C183D7F6-B498-43B3-948B-1728B52AA6E4}">
+                  <adec:decorative xmlns:adec="http://schemas.microsoft.com/office/drawing/2017/decorative" val="1"/>
+                </a:ext>
+              </a:extLst>
+            </p:cNvPr>
+            <p:cNvCxnSpPr>
+              <a:cxnSpLocks/>
+            </p:cNvCxnSpPr>
+            <p:nvPr>
+              <p:extLst>
+                <p:ext uri="{386F3935-93C4-4BCD-93E2-E3B085C9AB24}">
+                  <p16:designElem xmlns:p16="http://schemas.microsoft.com/office/powerpoint/2015/main" val="1"/>
+                </p:ext>
+              </p:extLst>
+            </p:nvPr>
+          </p:nvCxnSpPr>
+          <p:spPr>
+            <a:xfrm>
+              <a:off x="0" y="4514764"/>
+              <a:ext cx="12192000" cy="0"/>
+            </a:xfrm>
+            <a:prstGeom prst="line">
+              <a:avLst/>
+            </a:prstGeom>
+            <a:ln w="12700">
+              <a:solidFill>
+                <a:srgbClr val="BCBCBC">
+                  <a:alpha val="29804"/>
+                </a:srgbClr>
+              </a:solidFill>
+              <a:prstDash val="sysDot"/>
+            </a:ln>
+          </p:spPr>
+          <p:style>
+            <a:lnRef idx="1">
+              <a:schemeClr val="accent1"/>
+            </a:lnRef>
+            <a:fillRef idx="0">
+              <a:schemeClr val="accent1"/>
+            </a:fillRef>
+            <a:effectRef idx="0">
+              <a:schemeClr val="accent1"/>
+            </a:effectRef>
+            <a:fontRef idx="minor">
+              <a:schemeClr val="tx1"/>
+            </a:fontRef>
+          </p:style>
+        </p:cxnSp>
+        <p:cxnSp>
+          <p:nvCxnSpPr>
+            <p:cNvPr id="71" name="Straight Connector 70">
+              <a:extLst>
+                <a:ext uri="{FF2B5EF4-FFF2-40B4-BE49-F238E27FC236}">
+                  <a16:creationId xmlns:a16="http://schemas.microsoft.com/office/drawing/2014/main" id="{1961C1D5-CC28-4E56-8667-F195AC96C8D0}"/>
+                </a:ext>
+                <a:ext uri="{C183D7F6-B498-43B3-948B-1728B52AA6E4}">
+                  <adec:decorative xmlns:adec="http://schemas.microsoft.com/office/drawing/2017/decorative" val="1"/>
+                </a:ext>
+              </a:extLst>
+            </p:cNvPr>
+            <p:cNvCxnSpPr>
+              <a:cxnSpLocks/>
+            </p:cNvCxnSpPr>
+            <p:nvPr>
+              <p:extLst>
+                <p:ext uri="{386F3935-93C4-4BCD-93E2-E3B085C9AB24}">
+                  <p16:designElem xmlns:p16="http://schemas.microsoft.com/office/powerpoint/2015/main" val="1"/>
+                </p:ext>
+              </p:extLst>
+            </p:nvPr>
+          </p:nvCxnSpPr>
+          <p:spPr>
+            <a:xfrm>
+              <a:off x="0" y="5057645"/>
+              <a:ext cx="12192000" cy="0"/>
+            </a:xfrm>
+            <a:prstGeom prst="line">
+              <a:avLst/>
+            </a:prstGeom>
+            <a:ln w="12700">
+              <a:solidFill>
+                <a:srgbClr val="BCBCBC">
+                  <a:alpha val="29804"/>
+                </a:srgbClr>
+              </a:solidFill>
+              <a:prstDash val="sysDot"/>
+            </a:ln>
+          </p:spPr>
+          <p:style>
+            <a:lnRef idx="1">
+              <a:schemeClr val="accent1"/>
+            </a:lnRef>
+            <a:fillRef idx="0">
+              <a:schemeClr val="accent1"/>
+            </a:fillRef>
+            <a:effectRef idx="0">
+              <a:schemeClr val="accent1"/>
+            </a:effectRef>
+            <a:fontRef idx="minor">
+              <a:schemeClr val="tx1"/>
+            </a:fontRef>
+          </p:style>
+        </p:cxnSp>
+        <p:cxnSp>
+          <p:nvCxnSpPr>
+            <p:cNvPr id="72" name="Straight Connector 71">
+              <a:extLst>
+                <a:ext uri="{FF2B5EF4-FFF2-40B4-BE49-F238E27FC236}">
+                  <a16:creationId xmlns:a16="http://schemas.microsoft.com/office/drawing/2014/main" id="{F8B42B07-3D51-413F-9B94-05C76898296F}"/>
+                </a:ext>
+                <a:ext uri="{C183D7F6-B498-43B3-948B-1728B52AA6E4}">
+                  <adec:decorative xmlns:adec="http://schemas.microsoft.com/office/drawing/2017/decorative" val="1"/>
+                </a:ext>
+              </a:extLst>
+            </p:cNvPr>
+            <p:cNvCxnSpPr>
+              <a:cxnSpLocks/>
+            </p:cNvCxnSpPr>
+            <p:nvPr>
+              <p:extLst>
+                <p:ext uri="{386F3935-93C4-4BCD-93E2-E3B085C9AB24}">
+                  <p16:designElem xmlns:p16="http://schemas.microsoft.com/office/powerpoint/2015/main" val="1"/>
+                </p:ext>
+              </p:extLst>
+            </p:nvPr>
+          </p:nvCxnSpPr>
+          <p:spPr>
+            <a:xfrm>
+              <a:off x="0" y="5600526"/>
+              <a:ext cx="12192000" cy="0"/>
+            </a:xfrm>
+            <a:prstGeom prst="line">
+              <a:avLst/>
+            </a:prstGeom>
+            <a:ln w="12700">
+              <a:solidFill>
+                <a:srgbClr val="BCBCBC">
+                  <a:alpha val="29804"/>
+                </a:srgbClr>
+              </a:solidFill>
+              <a:prstDash val="sysDot"/>
+            </a:ln>
+          </p:spPr>
+          <p:style>
+            <a:lnRef idx="1">
+              <a:schemeClr val="accent1"/>
+            </a:lnRef>
+            <a:fillRef idx="0">
+              <a:schemeClr val="accent1"/>
+            </a:fillRef>
+            <a:effectRef idx="0">
+              <a:schemeClr val="accent1"/>
+            </a:effectRef>
+            <a:fontRef idx="minor">
+              <a:schemeClr val="tx1"/>
+            </a:fontRef>
+          </p:style>
+        </p:cxnSp>
+        <p:cxnSp>
+          <p:nvCxnSpPr>
+            <p:cNvPr id="73" name="Straight Connector 72">
+              <a:extLst>
+                <a:ext uri="{FF2B5EF4-FFF2-40B4-BE49-F238E27FC236}">
+                  <a16:creationId xmlns:a16="http://schemas.microsoft.com/office/drawing/2014/main" id="{F4D497D7-863D-4842-99B7-A1B3711A97D1}"/>
+                </a:ext>
+                <a:ext uri="{C183D7F6-B498-43B3-948B-1728B52AA6E4}">
+                  <adec:decorative xmlns:adec="http://schemas.microsoft.com/office/drawing/2017/decorative" val="1"/>
+                </a:ext>
+              </a:extLst>
+            </p:cNvPr>
+            <p:cNvCxnSpPr>
+              <a:cxnSpLocks/>
+            </p:cNvCxnSpPr>
+            <p:nvPr>
+              <p:extLst>
+                <p:ext uri="{386F3935-93C4-4BCD-93E2-E3B085C9AB24}">
+                  <p16:designElem xmlns:p16="http://schemas.microsoft.com/office/powerpoint/2015/main" val="1"/>
+                </p:ext>
+              </p:extLst>
+            </p:nvPr>
+          </p:nvCxnSpPr>
+          <p:spPr>
+            <a:xfrm>
+              <a:off x="0" y="6857999"/>
+              <a:ext cx="12192000" cy="0"/>
+            </a:xfrm>
+            <a:prstGeom prst="line">
+              <a:avLst/>
+            </a:prstGeom>
+            <a:ln w="12700">
+              <a:solidFill>
+                <a:srgbClr val="BCBCBC">
+                  <a:alpha val="29804"/>
+                </a:srgbClr>
+              </a:solidFill>
+              <a:prstDash val="sysDot"/>
+            </a:ln>
+          </p:spPr>
+          <p:style>
+            <a:lnRef idx="1">
+              <a:schemeClr val="accent1"/>
+            </a:lnRef>
+            <a:fillRef idx="0">
+              <a:schemeClr val="accent1"/>
+            </a:fillRef>
+            <a:effectRef idx="0">
+              <a:schemeClr val="accent1"/>
+            </a:effectRef>
+            <a:fontRef idx="minor">
+              <a:schemeClr val="tx1"/>
+            </a:fontRef>
+          </p:style>
+        </p:cxnSp>
+        <p:cxnSp>
+          <p:nvCxnSpPr>
+            <p:cNvPr id="74" name="Straight Connector 73">
+              <a:extLst>
+                <a:ext uri="{FF2B5EF4-FFF2-40B4-BE49-F238E27FC236}">
+                  <a16:creationId xmlns:a16="http://schemas.microsoft.com/office/drawing/2014/main" id="{09017E5D-F3C5-4CE7-B844-A566DFB81BA9}"/>
+                </a:ext>
+                <a:ext uri="{C183D7F6-B498-43B3-948B-1728B52AA6E4}">
+                  <adec:decorative xmlns:adec="http://schemas.microsoft.com/office/drawing/2017/decorative" val="1"/>
+                </a:ext>
+              </a:extLst>
+            </p:cNvPr>
+            <p:cNvCxnSpPr>
+              <a:cxnSpLocks/>
+            </p:cNvCxnSpPr>
+            <p:nvPr>
+              <p:extLst>
+                <p:ext uri="{386F3935-93C4-4BCD-93E2-E3B085C9AB24}">
+                  <p16:designElem xmlns:p16="http://schemas.microsoft.com/office/powerpoint/2015/main" val="1"/>
+                </p:ext>
+              </p:extLst>
+            </p:nvPr>
+          </p:nvCxnSpPr>
+          <p:spPr>
+            <a:xfrm>
+              <a:off x="16613" y="6143407"/>
+              <a:ext cx="12192000" cy="0"/>
+            </a:xfrm>
+            <a:prstGeom prst="line">
+              <a:avLst/>
+            </a:prstGeom>
+            <a:ln w="12700">
+              <a:solidFill>
+                <a:srgbClr val="BCBCBC">
+                  <a:alpha val="29804"/>
+                </a:srgbClr>
+              </a:solidFill>
+              <a:prstDash val="sysDot"/>
+            </a:ln>
+          </p:spPr>
+          <p:style>
+            <a:lnRef idx="1">
+              <a:schemeClr val="accent1"/>
+            </a:lnRef>
+            <a:fillRef idx="0">
+              <a:schemeClr val="accent1"/>
+            </a:fillRef>
+            <a:effectRef idx="0">
+              <a:schemeClr val="accent1"/>
+            </a:effectRef>
+            <a:fontRef idx="minor">
+              <a:schemeClr val="tx1"/>
+            </a:fontRef>
+          </p:style>
+        </p:cxnSp>
+        <p:cxnSp>
+          <p:nvCxnSpPr>
+            <p:cNvPr id="75" name="Straight Connector 74">
+              <a:extLst>
+                <a:ext uri="{FF2B5EF4-FFF2-40B4-BE49-F238E27FC236}">
+                  <a16:creationId xmlns:a16="http://schemas.microsoft.com/office/drawing/2014/main" id="{24CC2EB5-F3D5-40B2-B140-F5A643C3A303}"/>
+                </a:ext>
+                <a:ext uri="{C183D7F6-B498-43B3-948B-1728B52AA6E4}">
+                  <adec:decorative xmlns:adec="http://schemas.microsoft.com/office/drawing/2017/decorative" val="1"/>
+                </a:ext>
+              </a:extLst>
+            </p:cNvPr>
+            <p:cNvCxnSpPr>
+              <a:cxnSpLocks/>
+            </p:cNvCxnSpPr>
+            <p:nvPr>
+              <p:extLst>
+                <p:ext uri="{386F3935-93C4-4BCD-93E2-E3B085C9AB24}">
+                  <p16:designElem xmlns:p16="http://schemas.microsoft.com/office/powerpoint/2015/main" val="1"/>
+                </p:ext>
+              </p:extLst>
+            </p:nvPr>
+          </p:nvCxnSpPr>
+          <p:spPr>
+            <a:xfrm>
+              <a:off x="684225" y="171716"/>
+              <a:ext cx="0" cy="6511464"/>
+            </a:xfrm>
+            <a:prstGeom prst="line">
+              <a:avLst/>
+            </a:prstGeom>
+            <a:ln w="12700">
+              <a:solidFill>
+                <a:srgbClr val="BCBCBC">
+                  <a:alpha val="29804"/>
+                </a:srgbClr>
+              </a:solidFill>
+              <a:prstDash val="sysDot"/>
+            </a:ln>
+          </p:spPr>
+          <p:style>
+            <a:lnRef idx="1">
+              <a:schemeClr val="accent1"/>
+            </a:lnRef>
+            <a:fillRef idx="0">
+              <a:schemeClr val="accent1"/>
+            </a:fillRef>
+            <a:effectRef idx="0">
+              <a:schemeClr val="accent1"/>
+            </a:effectRef>
+            <a:fontRef idx="minor">
+              <a:schemeClr val="tx1"/>
+            </a:fontRef>
+          </p:style>
+        </p:cxnSp>
+        <p:cxnSp>
+          <p:nvCxnSpPr>
+            <p:cNvPr id="76" name="Straight Connector 75">
+              <a:extLst>
+                <a:ext uri="{FF2B5EF4-FFF2-40B4-BE49-F238E27FC236}">
+                  <a16:creationId xmlns:a16="http://schemas.microsoft.com/office/drawing/2014/main" id="{10C7D98B-0230-4C73-9AFC-BF783AAC5C42}"/>
+                </a:ext>
+                <a:ext uri="{C183D7F6-B498-43B3-948B-1728B52AA6E4}">
+                  <adec:decorative xmlns:adec="http://schemas.microsoft.com/office/drawing/2017/decorative" val="1"/>
+                </a:ext>
+              </a:extLst>
+            </p:cNvPr>
+            <p:cNvCxnSpPr>
+              <a:cxnSpLocks/>
+            </p:cNvCxnSpPr>
+            <p:nvPr>
+              <p:extLst>
+                <p:ext uri="{386F3935-93C4-4BCD-93E2-E3B085C9AB24}">
+                  <p16:designElem xmlns:p16="http://schemas.microsoft.com/office/powerpoint/2015/main" val="1"/>
+                </p:ext>
+              </p:extLst>
+            </p:nvPr>
+          </p:nvCxnSpPr>
+          <p:spPr>
+            <a:xfrm>
+              <a:off x="11508412" y="173267"/>
+              <a:ext cx="0" cy="6511464"/>
+            </a:xfrm>
+            <a:prstGeom prst="line">
+              <a:avLst/>
+            </a:prstGeom>
+            <a:ln w="12700">
+              <a:solidFill>
+                <a:srgbClr val="BCBCBC">
+                  <a:alpha val="29804"/>
+                </a:srgbClr>
+              </a:solidFill>
+              <a:prstDash val="sysDot"/>
+            </a:ln>
+          </p:spPr>
+          <p:style>
+            <a:lnRef idx="1">
+              <a:schemeClr val="accent1"/>
+            </a:lnRef>
+            <a:fillRef idx="0">
+              <a:schemeClr val="accent1"/>
+            </a:fillRef>
+            <a:effectRef idx="0">
+              <a:schemeClr val="accent1"/>
+            </a:effectRef>
+            <a:fontRef idx="minor">
+              <a:schemeClr val="tx1"/>
+            </a:fontRef>
+          </p:style>
+        </p:cxnSp>
+      </p:grpSp>
+      <p:sp>
+        <p:nvSpPr>
+          <p:cNvPr id="2" name="Titel 1">
+            <a:extLst>
+              <a:ext uri="{FF2B5EF4-FFF2-40B4-BE49-F238E27FC236}">
+                <a16:creationId xmlns:a16="http://schemas.microsoft.com/office/drawing/2014/main" id="{F9423091-0796-8802-9BE0-1465DE79E485}"/>
+              </a:ext>
+            </a:extLst>
+          </p:cNvPr>
+          <p:cNvSpPr>
+            <a:spLocks noGrp="1"/>
+          </p:cNvSpPr>
+          <p:nvPr>
+            <p:ph type="title"/>
+          </p:nvPr>
+        </p:nvSpPr>
+        <p:spPr>
+          <a:xfrm>
+            <a:off x="1182775" y="1122363"/>
+            <a:ext cx="9807425" cy="2306634"/>
+          </a:xfrm>
+        </p:spPr>
+        <p:txBody>
+          <a:bodyPr vert="horz" lIns="91440" tIns="45720" rIns="91440" bIns="45720" rtlCol="0" anchor="b">
+            <a:normAutofit/>
+          </a:bodyPr>
+          <a:lstStyle/>
+          <a:p>
+            <a:pPr algn="ctr"/>
+            <a:r>
+              <a:rPr lang="en-US" sz="5400" dirty="0"/>
+              <a:t>Demo</a:t>
+            </a:r>
+          </a:p>
+        </p:txBody>
+      </p:sp>
+      <p:sp>
+        <p:nvSpPr>
+          <p:cNvPr id="3" name="Inhaltsplatzhalter 2">
+            <a:extLst>
+              <a:ext uri="{FF2B5EF4-FFF2-40B4-BE49-F238E27FC236}">
+                <a16:creationId xmlns:a16="http://schemas.microsoft.com/office/drawing/2014/main" id="{83855725-0518-15F8-8E0D-AC31ABA72737}"/>
+              </a:ext>
+            </a:extLst>
+          </p:cNvPr>
+          <p:cNvSpPr>
+            <a:spLocks noGrp="1"/>
+          </p:cNvSpPr>
+          <p:nvPr>
+            <p:ph idx="1"/>
+          </p:nvPr>
+        </p:nvSpPr>
+        <p:spPr>
+          <a:xfrm>
+            <a:off x="2159315" y="3712684"/>
+            <a:ext cx="7847491" cy="1834555"/>
+          </a:xfrm>
+        </p:spPr>
+        <p:txBody>
+          <a:bodyPr vert="horz" lIns="91440" tIns="45720" rIns="91440" bIns="45720" rtlCol="0">
+            <a:normAutofit/>
+          </a:bodyPr>
+          <a:lstStyle/>
+          <a:p>
+            <a:pPr marL="0" indent="0" algn="ctr">
+              <a:buNone/>
+            </a:pPr>
+            <a:r>
+              <a:rPr lang="en-US" sz="2400" dirty="0">
+                <a:hlinkClick r:id="rId2"/>
+              </a:rPr>
+              <a:t>https://niklasrosseck.github.io/AirQuality/homepage_test.html</a:t>
+            </a:r>
+            <a:r>
+              <a:rPr lang="en-US" sz="2400" dirty="0"/>
+              <a:t> </a:t>
+            </a:r>
+          </a:p>
+        </p:txBody>
+      </p:sp>
+      <p:sp>
+        <p:nvSpPr>
+          <p:cNvPr id="78" name="Right Triangle 77">
+            <a:extLst>
+              <a:ext uri="{FF2B5EF4-FFF2-40B4-BE49-F238E27FC236}">
+                <a16:creationId xmlns:a16="http://schemas.microsoft.com/office/drawing/2014/main" id="{1B82D339-163C-4586-A620-52BB056E6E69}"/>
+              </a:ext>
+              <a:ext uri="{C183D7F6-B498-43B3-948B-1728B52AA6E4}">
+                <adec:decorative xmlns:adec="http://schemas.microsoft.com/office/drawing/2017/decorative" val="1"/>
+              </a:ext>
+            </a:extLst>
+          </p:cNvPr>
+          <p:cNvSpPr>
+            <a:spLocks noGrp="1" noRot="1" noChangeAspect="1" noMove="1" noResize="1" noEditPoints="1" noAdjustHandles="1" noChangeArrowheads="1" noChangeShapeType="1" noTextEdit="1"/>
+          </p:cNvSpPr>
+          <p:nvPr>
+            <p:extLst>
+              <p:ext uri="{386F3935-93C4-4BCD-93E2-E3B085C9AB24}">
+                <p16:designElem xmlns:p16="http://schemas.microsoft.com/office/powerpoint/2015/main" val="1"/>
+              </p:ext>
+            </p:extLst>
+          </p:nvPr>
+        </p:nvSpPr>
+        <p:spPr>
+          <a:xfrm rot="18900000">
+            <a:off x="5814053" y="-285756"/>
+            <a:ext cx="568289" cy="568289"/>
+          </a:xfrm>
+          <a:prstGeom prst="rtTriangle">
+            <a:avLst/>
+          </a:prstGeom>
+          <a:solidFill>
+            <a:schemeClr val="accent1">
+              <a:alpha val="50000"/>
+            </a:schemeClr>
+          </a:solidFill>
+          <a:ln>
+            <a:noFill/>
+          </a:ln>
+        </p:spPr>
+        <p:style>
+          <a:lnRef idx="2">
+            <a:schemeClr val="accent1">
+              <a:shade val="50000"/>
+            </a:schemeClr>
+          </a:lnRef>
+          <a:fillRef idx="1">
+            <a:schemeClr val="accent1"/>
+          </a:fillRef>
+          <a:effectRef idx="0">
+            <a:schemeClr val="accent1"/>
+          </a:effectRef>
+          <a:fontRef idx="minor">
+            <a:schemeClr val="lt1"/>
+          </a:fontRef>
+        </p:style>
+        <p:txBody>
+          <a:bodyPr rtlCol="0" anchor="ctr"/>
+          <a:lstStyle/>
+          <a:p>
+            <a:pPr algn="ctr"/>
+            <a:endParaRPr lang="en-US">
+              <a:solidFill>
+                <a:schemeClr val="tx1"/>
+              </a:solidFill>
+            </a:endParaRPr>
+          </a:p>
+        </p:txBody>
+      </p:sp>
+    </p:spTree>
+    <p:extLst>
+      <p:ext uri="{BB962C8B-B14F-4D97-AF65-F5344CB8AC3E}">
+        <p14:creationId xmlns:p14="http://schemas.microsoft.com/office/powerpoint/2010/main" val="1759353870"/>
+      </p:ext>
+    </p:extLst>
+  </p:cSld>
+  <p:clrMapOvr>
+    <a:masterClrMapping/>
+  </p:clrMapOvr>
+</p:sld>
+</file>
+
+<file path=ppt/slides/slide8.xml><?xml version="1.0" encoding="utf-8"?>
 <p:sld xmlns:a="http://schemas.openxmlformats.org/drawingml/2006/main" xmlns:r="http://schemas.openxmlformats.org/officeDocument/2006/relationships" xmlns:p="http://schemas.openxmlformats.org/presentationml/2006/main">
   <p:cSld>
     <p:bg>
@@ -43605,7 +49544,7 @@
 </p:sld>
 </file>
 
-<file path=ppt/slides/slide8.xml><?xml version="1.0" encoding="utf-8"?>
+<file path=ppt/slides/slide9.xml><?xml version="1.0" encoding="utf-8"?>
 <p:sld xmlns:a="http://schemas.openxmlformats.org/drawingml/2006/main" xmlns:r="http://schemas.openxmlformats.org/officeDocument/2006/relationships" xmlns:p="http://schemas.openxmlformats.org/presentationml/2006/main">
   <p:cSld>
     <p:bg>
@@ -45615,2127 +51554,6 @@
     <p:extLst>
       <p:ext uri="{BB962C8B-B14F-4D97-AF65-F5344CB8AC3E}">
         <p14:creationId xmlns:p14="http://schemas.microsoft.com/office/powerpoint/2010/main" val="1533377225"/>
-      </p:ext>
-    </p:extLst>
-  </p:cSld>
-  <p:clrMapOvr>
-    <a:masterClrMapping/>
-  </p:clrMapOvr>
-</p:sld>
-</file>
-
-<file path=ppt/slides/slide9.xml><?xml version="1.0" encoding="utf-8"?>
-<p:sld xmlns:a="http://schemas.openxmlformats.org/drawingml/2006/main" xmlns:r="http://schemas.openxmlformats.org/officeDocument/2006/relationships" xmlns:p="http://schemas.openxmlformats.org/presentationml/2006/main">
-  <p:cSld>
-    <p:bg>
-      <p:bgPr>
-        <a:solidFill>
-          <a:schemeClr val="bg1"/>
-        </a:solidFill>
-        <a:effectLst/>
-      </p:bgPr>
-    </p:bg>
-    <p:spTree>
-      <p:nvGrpSpPr>
-        <p:cNvPr id="1" name=""/>
-        <p:cNvGrpSpPr/>
-        <p:nvPr/>
-      </p:nvGrpSpPr>
-      <p:grpSpPr>
-        <a:xfrm>
-          <a:off x="0" y="0"/>
-          <a:ext cx="0" cy="0"/>
-          <a:chOff x="0" y="0"/>
-          <a:chExt cx="0" cy="0"/>
-        </a:xfrm>
-      </p:grpSpPr>
-      <p:sp useBgFill="1">
-        <p:nvSpPr>
-          <p:cNvPr id="8" name="Rectangle 7">
-            <a:extLst>
-              <a:ext uri="{FF2B5EF4-FFF2-40B4-BE49-F238E27FC236}">
-                <a16:creationId xmlns:a16="http://schemas.microsoft.com/office/drawing/2014/main" id="{D7C3C2D0-A48F-4A6F-9C7D-888E9DFE643A}"/>
-              </a:ext>
-              <a:ext uri="{C183D7F6-B498-43B3-948B-1728B52AA6E4}">
-                <adec:decorative xmlns:adec="http://schemas.microsoft.com/office/drawing/2017/decorative" val="1"/>
-              </a:ext>
-            </a:extLst>
-          </p:cNvPr>
-          <p:cNvSpPr>
-            <a:spLocks noGrp="1" noRot="1" noChangeAspect="1" noMove="1" noResize="1" noEditPoints="1" noAdjustHandles="1" noChangeArrowheads="1" noChangeShapeType="1" noTextEdit="1"/>
-          </p:cNvSpPr>
-          <p:nvPr>
-            <p:extLst>
-              <p:ext uri="{386F3935-93C4-4BCD-93E2-E3B085C9AB24}">
-                <p16:designElem xmlns:p16="http://schemas.microsoft.com/office/powerpoint/2015/main" val="1"/>
-              </p:ext>
-            </p:extLst>
-          </p:nvPr>
-        </p:nvSpPr>
-        <p:spPr>
-          <a:xfrm>
-            <a:off x="0" y="0"/>
-            <a:ext cx="12188952" cy="6858000"/>
-          </a:xfrm>
-          <a:prstGeom prst="rect">
-            <a:avLst/>
-          </a:prstGeom>
-          <a:ln>
-            <a:noFill/>
-          </a:ln>
-        </p:spPr>
-        <p:style>
-          <a:lnRef idx="2">
-            <a:schemeClr val="accent1">
-              <a:shade val="50000"/>
-            </a:schemeClr>
-          </a:lnRef>
-          <a:fillRef idx="1">
-            <a:schemeClr val="accent1"/>
-          </a:fillRef>
-          <a:effectRef idx="0">
-            <a:schemeClr val="accent1"/>
-          </a:effectRef>
-          <a:fontRef idx="minor">
-            <a:schemeClr val="lt1"/>
-          </a:fontRef>
-        </p:style>
-        <p:txBody>
-          <a:bodyPr rtlCol="0" anchor="ctr"/>
-          <a:lstStyle/>
-          <a:p>
-            <a:pPr algn="ctr"/>
-            <a:endParaRPr lang="en-US">
-              <a:solidFill>
-                <a:schemeClr val="bg1"/>
-              </a:solidFill>
-            </a:endParaRPr>
-          </a:p>
-        </p:txBody>
-      </p:sp>
-      <p:grpSp>
-        <p:nvGrpSpPr>
-          <p:cNvPr id="10" name="Group 9">
-            <a:extLst>
-              <a:ext uri="{FF2B5EF4-FFF2-40B4-BE49-F238E27FC236}">
-                <a16:creationId xmlns:a16="http://schemas.microsoft.com/office/drawing/2014/main" id="{ACAC8F7F-D35D-4520-8F56-4EFA77C73B66}"/>
-              </a:ext>
-              <a:ext uri="{C183D7F6-B498-43B3-948B-1728B52AA6E4}">
-                <adec:decorative xmlns:adec="http://schemas.microsoft.com/office/drawing/2017/decorative" val="1"/>
-              </a:ext>
-            </a:extLst>
-          </p:cNvPr>
-          <p:cNvGrpSpPr>
-            <a:grpSpLocks noGrp="1" noUngrp="1" noRot="1" noChangeAspect="1" noMove="1" noResize="1"/>
-          </p:cNvGrpSpPr>
-          <p:nvPr>
-            <p:extLst>
-              <p:ext uri="{386F3935-93C4-4BCD-93E2-E3B085C9AB24}">
-                <p16:designElem xmlns:p16="http://schemas.microsoft.com/office/powerpoint/2015/main" val="1"/>
-              </p:ext>
-            </p:extLst>
-          </p:nvPr>
-        </p:nvGrpSpPr>
-        <p:grpSpPr>
-          <a:xfrm>
-            <a:off x="-6214" y="-1"/>
-            <a:ext cx="12214827" cy="6858000"/>
-            <a:chOff x="-6214" y="-1"/>
-            <a:chExt cx="12214827" cy="6858000"/>
-          </a:xfrm>
-        </p:grpSpPr>
-        <p:cxnSp>
-          <p:nvCxnSpPr>
-            <p:cNvPr id="11" name="Straight Connector 10">
-              <a:extLst>
-                <a:ext uri="{FF2B5EF4-FFF2-40B4-BE49-F238E27FC236}">
-                  <a16:creationId xmlns:a16="http://schemas.microsoft.com/office/drawing/2014/main" id="{E87C587A-B291-49B1-BE30-198570DDACDF}"/>
-                </a:ext>
-                <a:ext uri="{C183D7F6-B498-43B3-948B-1728B52AA6E4}">
-                  <adec:decorative xmlns:adec="http://schemas.microsoft.com/office/drawing/2017/decorative" val="1"/>
-                </a:ext>
-              </a:extLst>
-            </p:cNvPr>
-            <p:cNvCxnSpPr>
-              <a:cxnSpLocks/>
-            </p:cNvCxnSpPr>
-            <p:nvPr>
-              <p:extLst>
-                <p:ext uri="{386F3935-93C4-4BCD-93E2-E3B085C9AB24}">
-                  <p16:designElem xmlns:p16="http://schemas.microsoft.com/office/powerpoint/2015/main" val="1"/>
-                </p:ext>
-              </p:extLst>
-            </p:nvPr>
-          </p:nvCxnSpPr>
-          <p:spPr>
-            <a:xfrm>
-              <a:off x="-6214" y="6686283"/>
-              <a:ext cx="12192000" cy="0"/>
-            </a:xfrm>
-            <a:prstGeom prst="line">
-              <a:avLst/>
-            </a:prstGeom>
-            <a:ln w="12700">
-              <a:solidFill>
-                <a:srgbClr val="BCBCBC">
-                  <a:alpha val="29804"/>
-                </a:srgbClr>
-              </a:solidFill>
-              <a:prstDash val="sysDot"/>
-            </a:ln>
-          </p:spPr>
-          <p:style>
-            <a:lnRef idx="1">
-              <a:schemeClr val="accent1"/>
-            </a:lnRef>
-            <a:fillRef idx="0">
-              <a:schemeClr val="accent1"/>
-            </a:fillRef>
-            <a:effectRef idx="0">
-              <a:schemeClr val="accent1"/>
-            </a:effectRef>
-            <a:fontRef idx="minor">
-              <a:schemeClr val="tx1"/>
-            </a:fontRef>
-          </p:style>
-        </p:cxnSp>
-        <p:cxnSp>
-          <p:nvCxnSpPr>
-            <p:cNvPr id="12" name="Straight Connector 11">
-              <a:extLst>
-                <a:ext uri="{FF2B5EF4-FFF2-40B4-BE49-F238E27FC236}">
-                  <a16:creationId xmlns:a16="http://schemas.microsoft.com/office/drawing/2014/main" id="{CB6C1D58-93FC-4B49-9F8B-2262E08DAAB3}"/>
-                </a:ext>
-                <a:ext uri="{C183D7F6-B498-43B3-948B-1728B52AA6E4}">
-                  <adec:decorative xmlns:adec="http://schemas.microsoft.com/office/drawing/2017/decorative" val="1"/>
-                </a:ext>
-              </a:extLst>
-            </p:cNvPr>
-            <p:cNvCxnSpPr>
-              <a:cxnSpLocks/>
-            </p:cNvCxnSpPr>
-            <p:nvPr>
-              <p:extLst>
-                <p:ext uri="{386F3935-93C4-4BCD-93E2-E3B085C9AB24}">
-                  <p16:designElem xmlns:p16="http://schemas.microsoft.com/office/powerpoint/2015/main" val="1"/>
-                </p:ext>
-              </p:extLst>
-            </p:nvPr>
-          </p:nvCxnSpPr>
-          <p:spPr>
-            <a:xfrm>
-              <a:off x="0" y="-1"/>
-              <a:ext cx="0" cy="6858000"/>
-            </a:xfrm>
-            <a:prstGeom prst="line">
-              <a:avLst/>
-            </a:prstGeom>
-            <a:ln w="12700">
-              <a:solidFill>
-                <a:srgbClr val="BCBCBC">
-                  <a:alpha val="29804"/>
-                </a:srgbClr>
-              </a:solidFill>
-              <a:prstDash val="sysDot"/>
-            </a:ln>
-          </p:spPr>
-          <p:style>
-            <a:lnRef idx="1">
-              <a:schemeClr val="accent1"/>
-            </a:lnRef>
-            <a:fillRef idx="0">
-              <a:schemeClr val="accent1"/>
-            </a:fillRef>
-            <a:effectRef idx="0">
-              <a:schemeClr val="accent1"/>
-            </a:effectRef>
-            <a:fontRef idx="minor">
-              <a:schemeClr val="tx1"/>
-            </a:fontRef>
-          </p:style>
-        </p:cxnSp>
-        <p:cxnSp>
-          <p:nvCxnSpPr>
-            <p:cNvPr id="13" name="Straight Connector 12">
-              <a:extLst>
-                <a:ext uri="{FF2B5EF4-FFF2-40B4-BE49-F238E27FC236}">
-                  <a16:creationId xmlns:a16="http://schemas.microsoft.com/office/drawing/2014/main" id="{F0965ED9-2FC3-4180-9CAC-D7DF1C7BEF99}"/>
-                </a:ext>
-                <a:ext uri="{C183D7F6-B498-43B3-948B-1728B52AA6E4}">
-                  <adec:decorative xmlns:adec="http://schemas.microsoft.com/office/drawing/2017/decorative" val="1"/>
-                </a:ext>
-              </a:extLst>
-            </p:cNvPr>
-            <p:cNvCxnSpPr>
-              <a:cxnSpLocks/>
-            </p:cNvCxnSpPr>
-            <p:nvPr>
-              <p:extLst>
-                <p:ext uri="{386F3935-93C4-4BCD-93E2-E3B085C9AB24}">
-                  <p16:designElem xmlns:p16="http://schemas.microsoft.com/office/powerpoint/2015/main" val="1"/>
-                </p:ext>
-              </p:extLst>
-            </p:nvPr>
-          </p:nvCxnSpPr>
-          <p:spPr>
-            <a:xfrm>
-              <a:off x="11993258" y="-1"/>
-              <a:ext cx="0" cy="6858000"/>
-            </a:xfrm>
-            <a:prstGeom prst="line">
-              <a:avLst/>
-            </a:prstGeom>
-            <a:ln w="12700">
-              <a:solidFill>
-                <a:srgbClr val="BCBCBC">
-                  <a:alpha val="29804"/>
-                </a:srgbClr>
-              </a:solidFill>
-              <a:prstDash val="sysDot"/>
-            </a:ln>
-          </p:spPr>
-          <p:style>
-            <a:lnRef idx="1">
-              <a:schemeClr val="accent1"/>
-            </a:lnRef>
-            <a:fillRef idx="0">
-              <a:schemeClr val="accent1"/>
-            </a:fillRef>
-            <a:effectRef idx="0">
-              <a:schemeClr val="accent1"/>
-            </a:effectRef>
-            <a:fontRef idx="minor">
-              <a:schemeClr val="tx1"/>
-            </a:fontRef>
-          </p:style>
-        </p:cxnSp>
-        <p:cxnSp>
-          <p:nvCxnSpPr>
-            <p:cNvPr id="14" name="Straight Connector 13">
-              <a:extLst>
-                <a:ext uri="{FF2B5EF4-FFF2-40B4-BE49-F238E27FC236}">
-                  <a16:creationId xmlns:a16="http://schemas.microsoft.com/office/drawing/2014/main" id="{F116CA23-FA2C-4A44-A67C-FC147A715DD7}"/>
-                </a:ext>
-                <a:ext uri="{C183D7F6-B498-43B3-948B-1728B52AA6E4}">
-                  <adec:decorative xmlns:adec="http://schemas.microsoft.com/office/drawing/2017/decorative" val="1"/>
-                </a:ext>
-              </a:extLst>
-            </p:cNvPr>
-            <p:cNvCxnSpPr>
-              <a:cxnSpLocks/>
-            </p:cNvCxnSpPr>
-            <p:nvPr>
-              <p:extLst>
-                <p:ext uri="{386F3935-93C4-4BCD-93E2-E3B085C9AB24}">
-                  <p16:designElem xmlns:p16="http://schemas.microsoft.com/office/powerpoint/2015/main" val="1"/>
-                </p:ext>
-              </p:extLst>
-            </p:nvPr>
-          </p:nvCxnSpPr>
-          <p:spPr>
-            <a:xfrm>
-              <a:off x="192528" y="-1"/>
-              <a:ext cx="0" cy="6858000"/>
-            </a:xfrm>
-            <a:prstGeom prst="line">
-              <a:avLst/>
-            </a:prstGeom>
-            <a:ln w="12700">
-              <a:solidFill>
-                <a:srgbClr val="BCBCBC">
-                  <a:alpha val="29804"/>
-                </a:srgbClr>
-              </a:solidFill>
-              <a:prstDash val="sysDot"/>
-            </a:ln>
-          </p:spPr>
-          <p:style>
-            <a:lnRef idx="1">
-              <a:schemeClr val="accent1"/>
-            </a:lnRef>
-            <a:fillRef idx="0">
-              <a:schemeClr val="accent1"/>
-            </a:fillRef>
-            <a:effectRef idx="0">
-              <a:schemeClr val="accent1"/>
-            </a:effectRef>
-            <a:fontRef idx="minor">
-              <a:schemeClr val="tx1"/>
-            </a:fontRef>
-          </p:style>
-        </p:cxnSp>
-        <p:cxnSp>
-          <p:nvCxnSpPr>
-            <p:cNvPr id="15" name="Straight Connector 14">
-              <a:extLst>
-                <a:ext uri="{FF2B5EF4-FFF2-40B4-BE49-F238E27FC236}">
-                  <a16:creationId xmlns:a16="http://schemas.microsoft.com/office/drawing/2014/main" id="{E2C391CF-E782-40EA-B1EB-05ADC774CCE1}"/>
-                </a:ext>
-                <a:ext uri="{C183D7F6-B498-43B3-948B-1728B52AA6E4}">
-                  <adec:decorative xmlns:adec="http://schemas.microsoft.com/office/drawing/2017/decorative" val="1"/>
-                </a:ext>
-              </a:extLst>
-            </p:cNvPr>
-            <p:cNvCxnSpPr>
-              <a:cxnSpLocks/>
-            </p:cNvCxnSpPr>
-            <p:nvPr>
-              <p:extLst>
-                <p:ext uri="{386F3935-93C4-4BCD-93E2-E3B085C9AB24}">
-                  <p16:designElem xmlns:p16="http://schemas.microsoft.com/office/powerpoint/2015/main" val="1"/>
-                </p:ext>
-              </p:extLst>
-            </p:nvPr>
-          </p:nvCxnSpPr>
-          <p:spPr>
-            <a:xfrm>
-              <a:off x="1175922" y="-1"/>
-              <a:ext cx="0" cy="6858000"/>
-            </a:xfrm>
-            <a:prstGeom prst="line">
-              <a:avLst/>
-            </a:prstGeom>
-            <a:ln w="12700">
-              <a:solidFill>
-                <a:srgbClr val="BCBCBC">
-                  <a:alpha val="29804"/>
-                </a:srgbClr>
-              </a:solidFill>
-              <a:prstDash val="sysDot"/>
-            </a:ln>
-          </p:spPr>
-          <p:style>
-            <a:lnRef idx="1">
-              <a:schemeClr val="accent1"/>
-            </a:lnRef>
-            <a:fillRef idx="0">
-              <a:schemeClr val="accent1"/>
-            </a:fillRef>
-            <a:effectRef idx="0">
-              <a:schemeClr val="accent1"/>
-            </a:effectRef>
-            <a:fontRef idx="minor">
-              <a:schemeClr val="tx1"/>
-            </a:fontRef>
-          </p:style>
-        </p:cxnSp>
-        <p:cxnSp>
-          <p:nvCxnSpPr>
-            <p:cNvPr id="16" name="Straight Connector 15">
-              <a:extLst>
-                <a:ext uri="{FF2B5EF4-FFF2-40B4-BE49-F238E27FC236}">
-                  <a16:creationId xmlns:a16="http://schemas.microsoft.com/office/drawing/2014/main" id="{7B322665-68EB-45B5-A6DE-2869B30F1C9C}"/>
-                </a:ext>
-                <a:ext uri="{C183D7F6-B498-43B3-948B-1728B52AA6E4}">
-                  <adec:decorative xmlns:adec="http://schemas.microsoft.com/office/drawing/2017/decorative" val="1"/>
-                </a:ext>
-              </a:extLst>
-            </p:cNvPr>
-            <p:cNvCxnSpPr>
-              <a:cxnSpLocks/>
-            </p:cNvCxnSpPr>
-            <p:nvPr>
-              <p:extLst>
-                <p:ext uri="{386F3935-93C4-4BCD-93E2-E3B085C9AB24}">
-                  <p16:designElem xmlns:p16="http://schemas.microsoft.com/office/powerpoint/2015/main" val="1"/>
-                </p:ext>
-              </p:extLst>
-            </p:nvPr>
-          </p:nvCxnSpPr>
-          <p:spPr>
-            <a:xfrm>
-              <a:off x="2159316" y="-1"/>
-              <a:ext cx="0" cy="6858000"/>
-            </a:xfrm>
-            <a:prstGeom prst="line">
-              <a:avLst/>
-            </a:prstGeom>
-            <a:ln w="12700">
-              <a:solidFill>
-                <a:srgbClr val="BCBCBC">
-                  <a:alpha val="29804"/>
-                </a:srgbClr>
-              </a:solidFill>
-              <a:prstDash val="sysDot"/>
-            </a:ln>
-          </p:spPr>
-          <p:style>
-            <a:lnRef idx="1">
-              <a:schemeClr val="accent1"/>
-            </a:lnRef>
-            <a:fillRef idx="0">
-              <a:schemeClr val="accent1"/>
-            </a:fillRef>
-            <a:effectRef idx="0">
-              <a:schemeClr val="accent1"/>
-            </a:effectRef>
-            <a:fontRef idx="minor">
-              <a:schemeClr val="tx1"/>
-            </a:fontRef>
-          </p:style>
-        </p:cxnSp>
-        <p:cxnSp>
-          <p:nvCxnSpPr>
-            <p:cNvPr id="17" name="Straight Connector 16">
-              <a:extLst>
-                <a:ext uri="{FF2B5EF4-FFF2-40B4-BE49-F238E27FC236}">
-                  <a16:creationId xmlns:a16="http://schemas.microsoft.com/office/drawing/2014/main" id="{A3B7FA59-83C4-4952-AF38-C1FC950E9067}"/>
-                </a:ext>
-                <a:ext uri="{C183D7F6-B498-43B3-948B-1728B52AA6E4}">
-                  <adec:decorative xmlns:adec="http://schemas.microsoft.com/office/drawing/2017/decorative" val="1"/>
-                </a:ext>
-              </a:extLst>
-            </p:cNvPr>
-            <p:cNvCxnSpPr>
-              <a:cxnSpLocks/>
-            </p:cNvCxnSpPr>
-            <p:nvPr>
-              <p:extLst>
-                <p:ext uri="{386F3935-93C4-4BCD-93E2-E3B085C9AB24}">
-                  <p16:designElem xmlns:p16="http://schemas.microsoft.com/office/powerpoint/2015/main" val="1"/>
-                </p:ext>
-              </p:extLst>
-            </p:nvPr>
-          </p:nvCxnSpPr>
-          <p:spPr>
-            <a:xfrm>
-              <a:off x="3142710" y="-1"/>
-              <a:ext cx="0" cy="6858000"/>
-            </a:xfrm>
-            <a:prstGeom prst="line">
-              <a:avLst/>
-            </a:prstGeom>
-            <a:ln w="12700">
-              <a:solidFill>
-                <a:srgbClr val="BCBCBC">
-                  <a:alpha val="29804"/>
-                </a:srgbClr>
-              </a:solidFill>
-              <a:prstDash val="sysDot"/>
-            </a:ln>
-          </p:spPr>
-          <p:style>
-            <a:lnRef idx="1">
-              <a:schemeClr val="accent1"/>
-            </a:lnRef>
-            <a:fillRef idx="0">
-              <a:schemeClr val="accent1"/>
-            </a:fillRef>
-            <a:effectRef idx="0">
-              <a:schemeClr val="accent1"/>
-            </a:effectRef>
-            <a:fontRef idx="minor">
-              <a:schemeClr val="tx1"/>
-            </a:fontRef>
-          </p:style>
-        </p:cxnSp>
-        <p:cxnSp>
-          <p:nvCxnSpPr>
-            <p:cNvPr id="18" name="Straight Connector 17">
-              <a:extLst>
-                <a:ext uri="{FF2B5EF4-FFF2-40B4-BE49-F238E27FC236}">
-                  <a16:creationId xmlns:a16="http://schemas.microsoft.com/office/drawing/2014/main" id="{CE5D6D3A-DE20-486C-BBBF-F9B0E4D8A8B7}"/>
-                </a:ext>
-                <a:ext uri="{C183D7F6-B498-43B3-948B-1728B52AA6E4}">
-                  <adec:decorative xmlns:adec="http://schemas.microsoft.com/office/drawing/2017/decorative" val="1"/>
-                </a:ext>
-              </a:extLst>
-            </p:cNvPr>
-            <p:cNvCxnSpPr>
-              <a:cxnSpLocks/>
-            </p:cNvCxnSpPr>
-            <p:nvPr>
-              <p:extLst>
-                <p:ext uri="{386F3935-93C4-4BCD-93E2-E3B085C9AB24}">
-                  <p16:designElem xmlns:p16="http://schemas.microsoft.com/office/powerpoint/2015/main" val="1"/>
-                </p:ext>
-              </p:extLst>
-            </p:nvPr>
-          </p:nvCxnSpPr>
-          <p:spPr>
-            <a:xfrm>
-              <a:off x="4126104" y="-1"/>
-              <a:ext cx="0" cy="6858000"/>
-            </a:xfrm>
-            <a:prstGeom prst="line">
-              <a:avLst/>
-            </a:prstGeom>
-            <a:ln w="12700">
-              <a:solidFill>
-                <a:srgbClr val="BCBCBC">
-                  <a:alpha val="29804"/>
-                </a:srgbClr>
-              </a:solidFill>
-              <a:prstDash val="sysDot"/>
-            </a:ln>
-          </p:spPr>
-          <p:style>
-            <a:lnRef idx="1">
-              <a:schemeClr val="accent1"/>
-            </a:lnRef>
-            <a:fillRef idx="0">
-              <a:schemeClr val="accent1"/>
-            </a:fillRef>
-            <a:effectRef idx="0">
-              <a:schemeClr val="accent1"/>
-            </a:effectRef>
-            <a:fontRef idx="minor">
-              <a:schemeClr val="tx1"/>
-            </a:fontRef>
-          </p:style>
-        </p:cxnSp>
-        <p:cxnSp>
-          <p:nvCxnSpPr>
-            <p:cNvPr id="19" name="Straight Connector 18">
-              <a:extLst>
-                <a:ext uri="{FF2B5EF4-FFF2-40B4-BE49-F238E27FC236}">
-                  <a16:creationId xmlns:a16="http://schemas.microsoft.com/office/drawing/2014/main" id="{9B8B1D81-CEF1-437F-8252-036661CB5E4B}"/>
-                </a:ext>
-                <a:ext uri="{C183D7F6-B498-43B3-948B-1728B52AA6E4}">
-                  <adec:decorative xmlns:adec="http://schemas.microsoft.com/office/drawing/2017/decorative" val="1"/>
-                </a:ext>
-              </a:extLst>
-            </p:cNvPr>
-            <p:cNvCxnSpPr>
-              <a:cxnSpLocks/>
-            </p:cNvCxnSpPr>
-            <p:nvPr>
-              <p:extLst>
-                <p:ext uri="{386F3935-93C4-4BCD-93E2-E3B085C9AB24}">
-                  <p16:designElem xmlns:p16="http://schemas.microsoft.com/office/powerpoint/2015/main" val="1"/>
-                </p:ext>
-              </p:extLst>
-            </p:nvPr>
-          </p:nvCxnSpPr>
-          <p:spPr>
-            <a:xfrm>
-              <a:off x="5109498" y="-1"/>
-              <a:ext cx="0" cy="6858000"/>
-            </a:xfrm>
-            <a:prstGeom prst="line">
-              <a:avLst/>
-            </a:prstGeom>
-            <a:ln w="12700">
-              <a:solidFill>
-                <a:srgbClr val="BCBCBC">
-                  <a:alpha val="29804"/>
-                </a:srgbClr>
-              </a:solidFill>
-              <a:prstDash val="sysDot"/>
-            </a:ln>
-          </p:spPr>
-          <p:style>
-            <a:lnRef idx="1">
-              <a:schemeClr val="accent1"/>
-            </a:lnRef>
-            <a:fillRef idx="0">
-              <a:schemeClr val="accent1"/>
-            </a:fillRef>
-            <a:effectRef idx="0">
-              <a:schemeClr val="accent1"/>
-            </a:effectRef>
-            <a:fontRef idx="minor">
-              <a:schemeClr val="tx1"/>
-            </a:fontRef>
-          </p:style>
-        </p:cxnSp>
-        <p:cxnSp>
-          <p:nvCxnSpPr>
-            <p:cNvPr id="20" name="Straight Connector 19">
-              <a:extLst>
-                <a:ext uri="{FF2B5EF4-FFF2-40B4-BE49-F238E27FC236}">
-                  <a16:creationId xmlns:a16="http://schemas.microsoft.com/office/drawing/2014/main" id="{E1B0312A-9358-4743-961A-6F77AEB5D9DD}"/>
-                </a:ext>
-                <a:ext uri="{C183D7F6-B498-43B3-948B-1728B52AA6E4}">
-                  <adec:decorative xmlns:adec="http://schemas.microsoft.com/office/drawing/2017/decorative" val="1"/>
-                </a:ext>
-              </a:extLst>
-            </p:cNvPr>
-            <p:cNvCxnSpPr>
-              <a:cxnSpLocks/>
-            </p:cNvCxnSpPr>
-            <p:nvPr>
-              <p:extLst>
-                <p:ext uri="{386F3935-93C4-4BCD-93E2-E3B085C9AB24}">
-                  <p16:designElem xmlns:p16="http://schemas.microsoft.com/office/powerpoint/2015/main" val="1"/>
-                </p:ext>
-              </p:extLst>
-            </p:nvPr>
-          </p:nvCxnSpPr>
-          <p:spPr>
-            <a:xfrm>
-              <a:off x="6092892" y="-1"/>
-              <a:ext cx="0" cy="6858000"/>
-            </a:xfrm>
-            <a:prstGeom prst="line">
-              <a:avLst/>
-            </a:prstGeom>
-            <a:ln w="12700">
-              <a:solidFill>
-                <a:srgbClr val="BCBCBC">
-                  <a:alpha val="29804"/>
-                </a:srgbClr>
-              </a:solidFill>
-              <a:prstDash val="sysDot"/>
-            </a:ln>
-          </p:spPr>
-          <p:style>
-            <a:lnRef idx="1">
-              <a:schemeClr val="accent1"/>
-            </a:lnRef>
-            <a:fillRef idx="0">
-              <a:schemeClr val="accent1"/>
-            </a:fillRef>
-            <a:effectRef idx="0">
-              <a:schemeClr val="accent1"/>
-            </a:effectRef>
-            <a:fontRef idx="minor">
-              <a:schemeClr val="tx1"/>
-            </a:fontRef>
-          </p:style>
-        </p:cxnSp>
-        <p:cxnSp>
-          <p:nvCxnSpPr>
-            <p:cNvPr id="21" name="Straight Connector 20">
-              <a:extLst>
-                <a:ext uri="{FF2B5EF4-FFF2-40B4-BE49-F238E27FC236}">
-                  <a16:creationId xmlns:a16="http://schemas.microsoft.com/office/drawing/2014/main" id="{2C02485F-0EE1-4595-A972-16A13E91914C}"/>
-                </a:ext>
-                <a:ext uri="{C183D7F6-B498-43B3-948B-1728B52AA6E4}">
-                  <adec:decorative xmlns:adec="http://schemas.microsoft.com/office/drawing/2017/decorative" val="1"/>
-                </a:ext>
-              </a:extLst>
-            </p:cNvPr>
-            <p:cNvCxnSpPr>
-              <a:cxnSpLocks/>
-            </p:cNvCxnSpPr>
-            <p:nvPr>
-              <p:extLst>
-                <p:ext uri="{386F3935-93C4-4BCD-93E2-E3B085C9AB24}">
-                  <p16:designElem xmlns:p16="http://schemas.microsoft.com/office/powerpoint/2015/main" val="1"/>
-                </p:ext>
-              </p:extLst>
-            </p:nvPr>
-          </p:nvCxnSpPr>
-          <p:spPr>
-            <a:xfrm>
-              <a:off x="7076286" y="-1"/>
-              <a:ext cx="0" cy="6858000"/>
-            </a:xfrm>
-            <a:prstGeom prst="line">
-              <a:avLst/>
-            </a:prstGeom>
-            <a:ln w="12700">
-              <a:solidFill>
-                <a:srgbClr val="BCBCBC">
-                  <a:alpha val="29804"/>
-                </a:srgbClr>
-              </a:solidFill>
-              <a:prstDash val="sysDot"/>
-            </a:ln>
-          </p:spPr>
-          <p:style>
-            <a:lnRef idx="1">
-              <a:schemeClr val="accent1"/>
-            </a:lnRef>
-            <a:fillRef idx="0">
-              <a:schemeClr val="accent1"/>
-            </a:fillRef>
-            <a:effectRef idx="0">
-              <a:schemeClr val="accent1"/>
-            </a:effectRef>
-            <a:fontRef idx="minor">
-              <a:schemeClr val="tx1"/>
-            </a:fontRef>
-          </p:style>
-        </p:cxnSp>
-        <p:cxnSp>
-          <p:nvCxnSpPr>
-            <p:cNvPr id="22" name="Straight Connector 21">
-              <a:extLst>
-                <a:ext uri="{FF2B5EF4-FFF2-40B4-BE49-F238E27FC236}">
-                  <a16:creationId xmlns:a16="http://schemas.microsoft.com/office/drawing/2014/main" id="{F102D844-6E4F-483E-8E2E-9006EA180121}"/>
-                </a:ext>
-                <a:ext uri="{C183D7F6-B498-43B3-948B-1728B52AA6E4}">
-                  <adec:decorative xmlns:adec="http://schemas.microsoft.com/office/drawing/2017/decorative" val="1"/>
-                </a:ext>
-              </a:extLst>
-            </p:cNvPr>
-            <p:cNvCxnSpPr>
-              <a:cxnSpLocks/>
-            </p:cNvCxnSpPr>
-            <p:nvPr>
-              <p:extLst>
-                <p:ext uri="{386F3935-93C4-4BCD-93E2-E3B085C9AB24}">
-                  <p16:designElem xmlns:p16="http://schemas.microsoft.com/office/powerpoint/2015/main" val="1"/>
-                </p:ext>
-              </p:extLst>
-            </p:nvPr>
-          </p:nvCxnSpPr>
-          <p:spPr>
-            <a:xfrm>
-              <a:off x="8059680" y="-1"/>
-              <a:ext cx="0" cy="6858000"/>
-            </a:xfrm>
-            <a:prstGeom prst="line">
-              <a:avLst/>
-            </a:prstGeom>
-            <a:ln w="12700">
-              <a:solidFill>
-                <a:srgbClr val="BCBCBC">
-                  <a:alpha val="29804"/>
-                </a:srgbClr>
-              </a:solidFill>
-              <a:prstDash val="sysDot"/>
-            </a:ln>
-          </p:spPr>
-          <p:style>
-            <a:lnRef idx="1">
-              <a:schemeClr val="accent1"/>
-            </a:lnRef>
-            <a:fillRef idx="0">
-              <a:schemeClr val="accent1"/>
-            </a:fillRef>
-            <a:effectRef idx="0">
-              <a:schemeClr val="accent1"/>
-            </a:effectRef>
-            <a:fontRef idx="minor">
-              <a:schemeClr val="tx1"/>
-            </a:fontRef>
-          </p:style>
-        </p:cxnSp>
-        <p:cxnSp>
-          <p:nvCxnSpPr>
-            <p:cNvPr id="23" name="Straight Connector 22">
-              <a:extLst>
-                <a:ext uri="{FF2B5EF4-FFF2-40B4-BE49-F238E27FC236}">
-                  <a16:creationId xmlns:a16="http://schemas.microsoft.com/office/drawing/2014/main" id="{658766E6-D2D6-447C-B1DC-B7F7C381F1AC}"/>
-                </a:ext>
-                <a:ext uri="{C183D7F6-B498-43B3-948B-1728B52AA6E4}">
-                  <adec:decorative xmlns:adec="http://schemas.microsoft.com/office/drawing/2017/decorative" val="1"/>
-                </a:ext>
-              </a:extLst>
-            </p:cNvPr>
-            <p:cNvCxnSpPr>
-              <a:cxnSpLocks/>
-            </p:cNvCxnSpPr>
-            <p:nvPr>
-              <p:extLst>
-                <p:ext uri="{386F3935-93C4-4BCD-93E2-E3B085C9AB24}">
-                  <p16:designElem xmlns:p16="http://schemas.microsoft.com/office/powerpoint/2015/main" val="1"/>
-                </p:ext>
-              </p:extLst>
-            </p:nvPr>
-          </p:nvCxnSpPr>
-          <p:spPr>
-            <a:xfrm>
-              <a:off x="9043074" y="-1"/>
-              <a:ext cx="0" cy="6858000"/>
-            </a:xfrm>
-            <a:prstGeom prst="line">
-              <a:avLst/>
-            </a:prstGeom>
-            <a:ln w="12700">
-              <a:solidFill>
-                <a:srgbClr val="BCBCBC">
-                  <a:alpha val="29804"/>
-                </a:srgbClr>
-              </a:solidFill>
-              <a:prstDash val="sysDot"/>
-            </a:ln>
-          </p:spPr>
-          <p:style>
-            <a:lnRef idx="1">
-              <a:schemeClr val="accent1"/>
-            </a:lnRef>
-            <a:fillRef idx="0">
-              <a:schemeClr val="accent1"/>
-            </a:fillRef>
-            <a:effectRef idx="0">
-              <a:schemeClr val="accent1"/>
-            </a:effectRef>
-            <a:fontRef idx="minor">
-              <a:schemeClr val="tx1"/>
-            </a:fontRef>
-          </p:style>
-        </p:cxnSp>
-        <p:cxnSp>
-          <p:nvCxnSpPr>
-            <p:cNvPr id="24" name="Straight Connector 23">
-              <a:extLst>
-                <a:ext uri="{FF2B5EF4-FFF2-40B4-BE49-F238E27FC236}">
-                  <a16:creationId xmlns:a16="http://schemas.microsoft.com/office/drawing/2014/main" id="{B9BBD00C-7AB2-445E-B7DA-98CC7CAF3D92}"/>
-                </a:ext>
-                <a:ext uri="{C183D7F6-B498-43B3-948B-1728B52AA6E4}">
-                  <adec:decorative xmlns:adec="http://schemas.microsoft.com/office/drawing/2017/decorative" val="1"/>
-                </a:ext>
-              </a:extLst>
-            </p:cNvPr>
-            <p:cNvCxnSpPr>
-              <a:cxnSpLocks/>
-            </p:cNvCxnSpPr>
-            <p:nvPr>
-              <p:extLst>
-                <p:ext uri="{386F3935-93C4-4BCD-93E2-E3B085C9AB24}">
-                  <p16:designElem xmlns:p16="http://schemas.microsoft.com/office/powerpoint/2015/main" val="1"/>
-                </p:ext>
-              </p:extLst>
-            </p:nvPr>
-          </p:nvCxnSpPr>
-          <p:spPr>
-            <a:xfrm>
-              <a:off x="10026468" y="-1"/>
-              <a:ext cx="0" cy="6858000"/>
-            </a:xfrm>
-            <a:prstGeom prst="line">
-              <a:avLst/>
-            </a:prstGeom>
-            <a:ln w="12700">
-              <a:solidFill>
-                <a:srgbClr val="BCBCBC">
-                  <a:alpha val="29804"/>
-                </a:srgbClr>
-              </a:solidFill>
-              <a:prstDash val="sysDot"/>
-            </a:ln>
-          </p:spPr>
-          <p:style>
-            <a:lnRef idx="1">
-              <a:schemeClr val="accent1"/>
-            </a:lnRef>
-            <a:fillRef idx="0">
-              <a:schemeClr val="accent1"/>
-            </a:fillRef>
-            <a:effectRef idx="0">
-              <a:schemeClr val="accent1"/>
-            </a:effectRef>
-            <a:fontRef idx="minor">
-              <a:schemeClr val="tx1"/>
-            </a:fontRef>
-          </p:style>
-        </p:cxnSp>
-        <p:cxnSp>
-          <p:nvCxnSpPr>
-            <p:cNvPr id="25" name="Straight Connector 24">
-              <a:extLst>
-                <a:ext uri="{FF2B5EF4-FFF2-40B4-BE49-F238E27FC236}">
-                  <a16:creationId xmlns:a16="http://schemas.microsoft.com/office/drawing/2014/main" id="{6D177E1C-6580-456C-AAAE-89D422A2C187}"/>
-                </a:ext>
-                <a:ext uri="{C183D7F6-B498-43B3-948B-1728B52AA6E4}">
-                  <adec:decorative xmlns:adec="http://schemas.microsoft.com/office/drawing/2017/decorative" val="1"/>
-                </a:ext>
-              </a:extLst>
-            </p:cNvPr>
-            <p:cNvCxnSpPr>
-              <a:cxnSpLocks/>
-            </p:cNvCxnSpPr>
-            <p:nvPr>
-              <p:extLst>
-                <p:ext uri="{386F3935-93C4-4BCD-93E2-E3B085C9AB24}">
-                  <p16:designElem xmlns:p16="http://schemas.microsoft.com/office/powerpoint/2015/main" val="1"/>
-                </p:ext>
-              </p:extLst>
-            </p:nvPr>
-          </p:nvCxnSpPr>
-          <p:spPr>
-            <a:xfrm>
-              <a:off x="11009862" y="-1"/>
-              <a:ext cx="0" cy="6858000"/>
-            </a:xfrm>
-            <a:prstGeom prst="line">
-              <a:avLst/>
-            </a:prstGeom>
-            <a:ln w="12700">
-              <a:solidFill>
-                <a:srgbClr val="BCBCBC">
-                  <a:alpha val="29804"/>
-                </a:srgbClr>
-              </a:solidFill>
-              <a:prstDash val="sysDot"/>
-            </a:ln>
-          </p:spPr>
-          <p:style>
-            <a:lnRef idx="1">
-              <a:schemeClr val="accent1"/>
-            </a:lnRef>
-            <a:fillRef idx="0">
-              <a:schemeClr val="accent1"/>
-            </a:fillRef>
-            <a:effectRef idx="0">
-              <a:schemeClr val="accent1"/>
-            </a:effectRef>
-            <a:fontRef idx="minor">
-              <a:schemeClr val="tx1"/>
-            </a:fontRef>
-          </p:style>
-        </p:cxnSp>
-        <p:cxnSp>
-          <p:nvCxnSpPr>
-            <p:cNvPr id="26" name="Straight Connector 25">
-              <a:extLst>
-                <a:ext uri="{FF2B5EF4-FFF2-40B4-BE49-F238E27FC236}">
-                  <a16:creationId xmlns:a16="http://schemas.microsoft.com/office/drawing/2014/main" id="{BB85538F-9888-4E68-A9F3-DBB136C0FF17}"/>
-                </a:ext>
-                <a:ext uri="{C183D7F6-B498-43B3-948B-1728B52AA6E4}">
-                  <adec:decorative xmlns:adec="http://schemas.microsoft.com/office/drawing/2017/decorative" val="1"/>
-                </a:ext>
-              </a:extLst>
-            </p:cNvPr>
-            <p:cNvCxnSpPr>
-              <a:cxnSpLocks/>
-            </p:cNvCxnSpPr>
-            <p:nvPr>
-              <p:extLst>
-                <p:ext uri="{386F3935-93C4-4BCD-93E2-E3B085C9AB24}">
-                  <p16:designElem xmlns:p16="http://schemas.microsoft.com/office/powerpoint/2015/main" val="1"/>
-                </p:ext>
-              </p:extLst>
-            </p:nvPr>
-          </p:nvCxnSpPr>
-          <p:spPr>
-            <a:xfrm>
-              <a:off x="12185786" y="-1"/>
-              <a:ext cx="0" cy="6858000"/>
-            </a:xfrm>
-            <a:prstGeom prst="line">
-              <a:avLst/>
-            </a:prstGeom>
-            <a:ln w="12700">
-              <a:solidFill>
-                <a:srgbClr val="BCBCBC">
-                  <a:alpha val="29804"/>
-                </a:srgbClr>
-              </a:solidFill>
-              <a:prstDash val="sysDot"/>
-            </a:ln>
-          </p:spPr>
-          <p:style>
-            <a:lnRef idx="1">
-              <a:schemeClr val="accent1"/>
-            </a:lnRef>
-            <a:fillRef idx="0">
-              <a:schemeClr val="accent1"/>
-            </a:fillRef>
-            <a:effectRef idx="0">
-              <a:schemeClr val="accent1"/>
-            </a:effectRef>
-            <a:fontRef idx="minor">
-              <a:schemeClr val="tx1"/>
-            </a:fontRef>
-          </p:style>
-        </p:cxnSp>
-        <p:cxnSp>
-          <p:nvCxnSpPr>
-            <p:cNvPr id="27" name="Straight Connector 26">
-              <a:extLst>
-                <a:ext uri="{FF2B5EF4-FFF2-40B4-BE49-F238E27FC236}">
-                  <a16:creationId xmlns:a16="http://schemas.microsoft.com/office/drawing/2014/main" id="{C29B624F-F9D8-43BB-A468-08331D66CCA6}"/>
-                </a:ext>
-                <a:ext uri="{C183D7F6-B498-43B3-948B-1728B52AA6E4}">
-                  <adec:decorative xmlns:adec="http://schemas.microsoft.com/office/drawing/2017/decorative" val="1"/>
-                </a:ext>
-              </a:extLst>
-            </p:cNvPr>
-            <p:cNvCxnSpPr>
-              <a:cxnSpLocks/>
-            </p:cNvCxnSpPr>
-            <p:nvPr>
-              <p:extLst>
-                <p:ext uri="{386F3935-93C4-4BCD-93E2-E3B085C9AB24}">
-                  <p16:designElem xmlns:p16="http://schemas.microsoft.com/office/powerpoint/2015/main" val="1"/>
-                </p:ext>
-              </p:extLst>
-            </p:nvPr>
-          </p:nvCxnSpPr>
-          <p:spPr>
-            <a:xfrm>
-              <a:off x="0" y="171716"/>
-              <a:ext cx="12192000" cy="0"/>
-            </a:xfrm>
-            <a:prstGeom prst="line">
-              <a:avLst/>
-            </a:prstGeom>
-            <a:ln w="12700">
-              <a:solidFill>
-                <a:srgbClr val="BCBCBC">
-                  <a:alpha val="29804"/>
-                </a:srgbClr>
-              </a:solidFill>
-              <a:prstDash val="sysDot"/>
-            </a:ln>
-          </p:spPr>
-          <p:style>
-            <a:lnRef idx="1">
-              <a:schemeClr val="accent1"/>
-            </a:lnRef>
-            <a:fillRef idx="0">
-              <a:schemeClr val="accent1"/>
-            </a:fillRef>
-            <a:effectRef idx="0">
-              <a:schemeClr val="accent1"/>
-            </a:effectRef>
-            <a:fontRef idx="minor">
-              <a:schemeClr val="tx1"/>
-            </a:fontRef>
-          </p:style>
-        </p:cxnSp>
-        <p:cxnSp>
-          <p:nvCxnSpPr>
-            <p:cNvPr id="28" name="Straight Connector 27">
-              <a:extLst>
-                <a:ext uri="{FF2B5EF4-FFF2-40B4-BE49-F238E27FC236}">
-                  <a16:creationId xmlns:a16="http://schemas.microsoft.com/office/drawing/2014/main" id="{660E66F4-AE52-4D19-AF99-540F0CCFD716}"/>
-                </a:ext>
-                <a:ext uri="{C183D7F6-B498-43B3-948B-1728B52AA6E4}">
-                  <adec:decorative xmlns:adec="http://schemas.microsoft.com/office/drawing/2017/decorative" val="1"/>
-                </a:ext>
-              </a:extLst>
-            </p:cNvPr>
-            <p:cNvCxnSpPr>
-              <a:cxnSpLocks/>
-            </p:cNvCxnSpPr>
-            <p:nvPr>
-              <p:extLst>
-                <p:ext uri="{386F3935-93C4-4BCD-93E2-E3B085C9AB24}">
-                  <p16:designElem xmlns:p16="http://schemas.microsoft.com/office/powerpoint/2015/main" val="1"/>
-                </p:ext>
-              </p:extLst>
-            </p:nvPr>
-          </p:nvCxnSpPr>
-          <p:spPr>
-            <a:xfrm>
-              <a:off x="0" y="714597"/>
-              <a:ext cx="12192000" cy="0"/>
-            </a:xfrm>
-            <a:prstGeom prst="line">
-              <a:avLst/>
-            </a:prstGeom>
-            <a:ln w="12700">
-              <a:solidFill>
-                <a:srgbClr val="BCBCBC">
-                  <a:alpha val="29804"/>
-                </a:srgbClr>
-              </a:solidFill>
-              <a:prstDash val="sysDot"/>
-            </a:ln>
-          </p:spPr>
-          <p:style>
-            <a:lnRef idx="1">
-              <a:schemeClr val="accent1"/>
-            </a:lnRef>
-            <a:fillRef idx="0">
-              <a:schemeClr val="accent1"/>
-            </a:fillRef>
-            <a:effectRef idx="0">
-              <a:schemeClr val="accent1"/>
-            </a:effectRef>
-            <a:fontRef idx="minor">
-              <a:schemeClr val="tx1"/>
-            </a:fontRef>
-          </p:style>
-        </p:cxnSp>
-        <p:cxnSp>
-          <p:nvCxnSpPr>
-            <p:cNvPr id="29" name="Straight Connector 28">
-              <a:extLst>
-                <a:ext uri="{FF2B5EF4-FFF2-40B4-BE49-F238E27FC236}">
-                  <a16:creationId xmlns:a16="http://schemas.microsoft.com/office/drawing/2014/main" id="{ACADC852-407F-4870-9F7B-A6004FE77CEB}"/>
-                </a:ext>
-                <a:ext uri="{C183D7F6-B498-43B3-948B-1728B52AA6E4}">
-                  <adec:decorative xmlns:adec="http://schemas.microsoft.com/office/drawing/2017/decorative" val="1"/>
-                </a:ext>
-              </a:extLst>
-            </p:cNvPr>
-            <p:cNvCxnSpPr>
-              <a:cxnSpLocks/>
-            </p:cNvCxnSpPr>
-            <p:nvPr>
-              <p:extLst>
-                <p:ext uri="{386F3935-93C4-4BCD-93E2-E3B085C9AB24}">
-                  <p16:designElem xmlns:p16="http://schemas.microsoft.com/office/powerpoint/2015/main" val="1"/>
-                </p:ext>
-              </p:extLst>
-            </p:nvPr>
-          </p:nvCxnSpPr>
-          <p:spPr>
-            <a:xfrm>
-              <a:off x="0" y="1257478"/>
-              <a:ext cx="12192000" cy="0"/>
-            </a:xfrm>
-            <a:prstGeom prst="line">
-              <a:avLst/>
-            </a:prstGeom>
-            <a:ln w="12700">
-              <a:solidFill>
-                <a:srgbClr val="BCBCBC">
-                  <a:alpha val="29804"/>
-                </a:srgbClr>
-              </a:solidFill>
-              <a:prstDash val="sysDot"/>
-            </a:ln>
-          </p:spPr>
-          <p:style>
-            <a:lnRef idx="1">
-              <a:schemeClr val="accent1"/>
-            </a:lnRef>
-            <a:fillRef idx="0">
-              <a:schemeClr val="accent1"/>
-            </a:fillRef>
-            <a:effectRef idx="0">
-              <a:schemeClr val="accent1"/>
-            </a:effectRef>
-            <a:fontRef idx="minor">
-              <a:schemeClr val="tx1"/>
-            </a:fontRef>
-          </p:style>
-        </p:cxnSp>
-        <p:cxnSp>
-          <p:nvCxnSpPr>
-            <p:cNvPr id="30" name="Straight Connector 29">
-              <a:extLst>
-                <a:ext uri="{FF2B5EF4-FFF2-40B4-BE49-F238E27FC236}">
-                  <a16:creationId xmlns:a16="http://schemas.microsoft.com/office/drawing/2014/main" id="{8E9CC738-B12D-4154-A4EA-81D4576BC106}"/>
-                </a:ext>
-                <a:ext uri="{C183D7F6-B498-43B3-948B-1728B52AA6E4}">
-                  <adec:decorative xmlns:adec="http://schemas.microsoft.com/office/drawing/2017/decorative" val="1"/>
-                </a:ext>
-              </a:extLst>
-            </p:cNvPr>
-            <p:cNvCxnSpPr>
-              <a:cxnSpLocks/>
-            </p:cNvCxnSpPr>
-            <p:nvPr>
-              <p:extLst>
-                <p:ext uri="{386F3935-93C4-4BCD-93E2-E3B085C9AB24}">
-                  <p16:designElem xmlns:p16="http://schemas.microsoft.com/office/powerpoint/2015/main" val="1"/>
-                </p:ext>
-              </p:extLst>
-            </p:nvPr>
-          </p:nvCxnSpPr>
-          <p:spPr>
-            <a:xfrm>
-              <a:off x="0" y="1800359"/>
-              <a:ext cx="12192000" cy="0"/>
-            </a:xfrm>
-            <a:prstGeom prst="line">
-              <a:avLst/>
-            </a:prstGeom>
-            <a:ln w="12700">
-              <a:solidFill>
-                <a:srgbClr val="BCBCBC">
-                  <a:alpha val="29804"/>
-                </a:srgbClr>
-              </a:solidFill>
-              <a:prstDash val="sysDot"/>
-            </a:ln>
-          </p:spPr>
-          <p:style>
-            <a:lnRef idx="1">
-              <a:schemeClr val="accent1"/>
-            </a:lnRef>
-            <a:fillRef idx="0">
-              <a:schemeClr val="accent1"/>
-            </a:fillRef>
-            <a:effectRef idx="0">
-              <a:schemeClr val="accent1"/>
-            </a:effectRef>
-            <a:fontRef idx="minor">
-              <a:schemeClr val="tx1"/>
-            </a:fontRef>
-          </p:style>
-        </p:cxnSp>
-        <p:cxnSp>
-          <p:nvCxnSpPr>
-            <p:cNvPr id="31" name="Straight Connector 30">
-              <a:extLst>
-                <a:ext uri="{FF2B5EF4-FFF2-40B4-BE49-F238E27FC236}">
-                  <a16:creationId xmlns:a16="http://schemas.microsoft.com/office/drawing/2014/main" id="{0A2A84F5-CD6A-4287-A9C1-EED0E65CA9D9}"/>
-                </a:ext>
-                <a:ext uri="{C183D7F6-B498-43B3-948B-1728B52AA6E4}">
-                  <adec:decorative xmlns:adec="http://schemas.microsoft.com/office/drawing/2017/decorative" val="1"/>
-                </a:ext>
-              </a:extLst>
-            </p:cNvPr>
-            <p:cNvCxnSpPr>
-              <a:cxnSpLocks/>
-            </p:cNvCxnSpPr>
-            <p:nvPr>
-              <p:extLst>
-                <p:ext uri="{386F3935-93C4-4BCD-93E2-E3B085C9AB24}">
-                  <p16:designElem xmlns:p16="http://schemas.microsoft.com/office/powerpoint/2015/main" val="1"/>
-                </p:ext>
-              </p:extLst>
-            </p:nvPr>
-          </p:nvCxnSpPr>
-          <p:spPr>
-            <a:xfrm>
-              <a:off x="0" y="2343240"/>
-              <a:ext cx="12192000" cy="0"/>
-            </a:xfrm>
-            <a:prstGeom prst="line">
-              <a:avLst/>
-            </a:prstGeom>
-            <a:ln w="12700">
-              <a:solidFill>
-                <a:srgbClr val="BCBCBC">
-                  <a:alpha val="29804"/>
-                </a:srgbClr>
-              </a:solidFill>
-              <a:prstDash val="sysDot"/>
-            </a:ln>
-          </p:spPr>
-          <p:style>
-            <a:lnRef idx="1">
-              <a:schemeClr val="accent1"/>
-            </a:lnRef>
-            <a:fillRef idx="0">
-              <a:schemeClr val="accent1"/>
-            </a:fillRef>
-            <a:effectRef idx="0">
-              <a:schemeClr val="accent1"/>
-            </a:effectRef>
-            <a:fontRef idx="minor">
-              <a:schemeClr val="tx1"/>
-            </a:fontRef>
-          </p:style>
-        </p:cxnSp>
-        <p:cxnSp>
-          <p:nvCxnSpPr>
-            <p:cNvPr id="32" name="Straight Connector 31">
-              <a:extLst>
-                <a:ext uri="{FF2B5EF4-FFF2-40B4-BE49-F238E27FC236}">
-                  <a16:creationId xmlns:a16="http://schemas.microsoft.com/office/drawing/2014/main" id="{53F4EFD5-6D1E-4865-83BA-0F116DF06F39}"/>
-                </a:ext>
-                <a:ext uri="{C183D7F6-B498-43B3-948B-1728B52AA6E4}">
-                  <adec:decorative xmlns:adec="http://schemas.microsoft.com/office/drawing/2017/decorative" val="1"/>
-                </a:ext>
-              </a:extLst>
-            </p:cNvPr>
-            <p:cNvCxnSpPr>
-              <a:cxnSpLocks/>
-            </p:cNvCxnSpPr>
-            <p:nvPr>
-              <p:extLst>
-                <p:ext uri="{386F3935-93C4-4BCD-93E2-E3B085C9AB24}">
-                  <p16:designElem xmlns:p16="http://schemas.microsoft.com/office/powerpoint/2015/main" val="1"/>
-                </p:ext>
-              </p:extLst>
-            </p:nvPr>
-          </p:nvCxnSpPr>
-          <p:spPr>
-            <a:xfrm>
-              <a:off x="0" y="2886121"/>
-              <a:ext cx="12192000" cy="0"/>
-            </a:xfrm>
-            <a:prstGeom prst="line">
-              <a:avLst/>
-            </a:prstGeom>
-            <a:ln w="12700">
-              <a:solidFill>
-                <a:srgbClr val="BCBCBC">
-                  <a:alpha val="29804"/>
-                </a:srgbClr>
-              </a:solidFill>
-              <a:prstDash val="sysDot"/>
-            </a:ln>
-          </p:spPr>
-          <p:style>
-            <a:lnRef idx="1">
-              <a:schemeClr val="accent1"/>
-            </a:lnRef>
-            <a:fillRef idx="0">
-              <a:schemeClr val="accent1"/>
-            </a:fillRef>
-            <a:effectRef idx="0">
-              <a:schemeClr val="accent1"/>
-            </a:effectRef>
-            <a:fontRef idx="minor">
-              <a:schemeClr val="tx1"/>
-            </a:fontRef>
-          </p:style>
-        </p:cxnSp>
-        <p:cxnSp>
-          <p:nvCxnSpPr>
-            <p:cNvPr id="33" name="Straight Connector 32">
-              <a:extLst>
-                <a:ext uri="{FF2B5EF4-FFF2-40B4-BE49-F238E27FC236}">
-                  <a16:creationId xmlns:a16="http://schemas.microsoft.com/office/drawing/2014/main" id="{A0A8CE11-5C23-4CA3-8D8E-9E094566DBCF}"/>
-                </a:ext>
-                <a:ext uri="{C183D7F6-B498-43B3-948B-1728B52AA6E4}">
-                  <adec:decorative xmlns:adec="http://schemas.microsoft.com/office/drawing/2017/decorative" val="1"/>
-                </a:ext>
-              </a:extLst>
-            </p:cNvPr>
-            <p:cNvCxnSpPr>
-              <a:cxnSpLocks/>
-            </p:cNvCxnSpPr>
-            <p:nvPr>
-              <p:extLst>
-                <p:ext uri="{386F3935-93C4-4BCD-93E2-E3B085C9AB24}">
-                  <p16:designElem xmlns:p16="http://schemas.microsoft.com/office/powerpoint/2015/main" val="1"/>
-                </p:ext>
-              </p:extLst>
-            </p:nvPr>
-          </p:nvCxnSpPr>
-          <p:spPr>
-            <a:xfrm>
-              <a:off x="0" y="3429002"/>
-              <a:ext cx="12192000" cy="0"/>
-            </a:xfrm>
-            <a:prstGeom prst="line">
-              <a:avLst/>
-            </a:prstGeom>
-            <a:ln w="12700">
-              <a:solidFill>
-                <a:srgbClr val="BCBCBC">
-                  <a:alpha val="29804"/>
-                </a:srgbClr>
-              </a:solidFill>
-              <a:prstDash val="sysDot"/>
-            </a:ln>
-          </p:spPr>
-          <p:style>
-            <a:lnRef idx="1">
-              <a:schemeClr val="accent1"/>
-            </a:lnRef>
-            <a:fillRef idx="0">
-              <a:schemeClr val="accent1"/>
-            </a:fillRef>
-            <a:effectRef idx="0">
-              <a:schemeClr val="accent1"/>
-            </a:effectRef>
-            <a:fontRef idx="minor">
-              <a:schemeClr val="tx1"/>
-            </a:fontRef>
-          </p:style>
-        </p:cxnSp>
-        <p:cxnSp>
-          <p:nvCxnSpPr>
-            <p:cNvPr id="34" name="Straight Connector 33">
-              <a:extLst>
-                <a:ext uri="{FF2B5EF4-FFF2-40B4-BE49-F238E27FC236}">
-                  <a16:creationId xmlns:a16="http://schemas.microsoft.com/office/drawing/2014/main" id="{A5D41DA6-2047-4BB5-8469-509E240E4924}"/>
-                </a:ext>
-                <a:ext uri="{C183D7F6-B498-43B3-948B-1728B52AA6E4}">
-                  <adec:decorative xmlns:adec="http://schemas.microsoft.com/office/drawing/2017/decorative" val="1"/>
-                </a:ext>
-              </a:extLst>
-            </p:cNvPr>
-            <p:cNvCxnSpPr>
-              <a:cxnSpLocks/>
-            </p:cNvCxnSpPr>
-            <p:nvPr>
-              <p:extLst>
-                <p:ext uri="{386F3935-93C4-4BCD-93E2-E3B085C9AB24}">
-                  <p16:designElem xmlns:p16="http://schemas.microsoft.com/office/powerpoint/2015/main" val="1"/>
-                </p:ext>
-              </p:extLst>
-            </p:nvPr>
-          </p:nvCxnSpPr>
-          <p:spPr>
-            <a:xfrm>
-              <a:off x="0" y="3971883"/>
-              <a:ext cx="12192000" cy="0"/>
-            </a:xfrm>
-            <a:prstGeom prst="line">
-              <a:avLst/>
-            </a:prstGeom>
-            <a:ln w="12700">
-              <a:solidFill>
-                <a:srgbClr val="BCBCBC">
-                  <a:alpha val="29804"/>
-                </a:srgbClr>
-              </a:solidFill>
-              <a:prstDash val="sysDot"/>
-            </a:ln>
-          </p:spPr>
-          <p:style>
-            <a:lnRef idx="1">
-              <a:schemeClr val="accent1"/>
-            </a:lnRef>
-            <a:fillRef idx="0">
-              <a:schemeClr val="accent1"/>
-            </a:fillRef>
-            <a:effectRef idx="0">
-              <a:schemeClr val="accent1"/>
-            </a:effectRef>
-            <a:fontRef idx="minor">
-              <a:schemeClr val="tx1"/>
-            </a:fontRef>
-          </p:style>
-        </p:cxnSp>
-        <p:cxnSp>
-          <p:nvCxnSpPr>
-            <p:cNvPr id="35" name="Straight Connector 34">
-              <a:extLst>
-                <a:ext uri="{FF2B5EF4-FFF2-40B4-BE49-F238E27FC236}">
-                  <a16:creationId xmlns:a16="http://schemas.microsoft.com/office/drawing/2014/main" id="{FAACD460-E6E2-4C46-A780-095B52D1B2B6}"/>
-                </a:ext>
-                <a:ext uri="{C183D7F6-B498-43B3-948B-1728B52AA6E4}">
-                  <adec:decorative xmlns:adec="http://schemas.microsoft.com/office/drawing/2017/decorative" val="1"/>
-                </a:ext>
-              </a:extLst>
-            </p:cNvPr>
-            <p:cNvCxnSpPr>
-              <a:cxnSpLocks/>
-            </p:cNvCxnSpPr>
-            <p:nvPr>
-              <p:extLst>
-                <p:ext uri="{386F3935-93C4-4BCD-93E2-E3B085C9AB24}">
-                  <p16:designElem xmlns:p16="http://schemas.microsoft.com/office/powerpoint/2015/main" val="1"/>
-                </p:ext>
-              </p:extLst>
-            </p:nvPr>
-          </p:nvCxnSpPr>
-          <p:spPr>
-            <a:xfrm>
-              <a:off x="0" y="4514764"/>
-              <a:ext cx="12192000" cy="0"/>
-            </a:xfrm>
-            <a:prstGeom prst="line">
-              <a:avLst/>
-            </a:prstGeom>
-            <a:ln w="12700">
-              <a:solidFill>
-                <a:srgbClr val="BCBCBC">
-                  <a:alpha val="29804"/>
-                </a:srgbClr>
-              </a:solidFill>
-              <a:prstDash val="sysDot"/>
-            </a:ln>
-          </p:spPr>
-          <p:style>
-            <a:lnRef idx="1">
-              <a:schemeClr val="accent1"/>
-            </a:lnRef>
-            <a:fillRef idx="0">
-              <a:schemeClr val="accent1"/>
-            </a:fillRef>
-            <a:effectRef idx="0">
-              <a:schemeClr val="accent1"/>
-            </a:effectRef>
-            <a:fontRef idx="minor">
-              <a:schemeClr val="tx1"/>
-            </a:fontRef>
-          </p:style>
-        </p:cxnSp>
-        <p:cxnSp>
-          <p:nvCxnSpPr>
-            <p:cNvPr id="36" name="Straight Connector 35">
-              <a:extLst>
-                <a:ext uri="{FF2B5EF4-FFF2-40B4-BE49-F238E27FC236}">
-                  <a16:creationId xmlns:a16="http://schemas.microsoft.com/office/drawing/2014/main" id="{8B36364A-122E-43B1-B2B8-F00D83E5D68B}"/>
-                </a:ext>
-                <a:ext uri="{C183D7F6-B498-43B3-948B-1728B52AA6E4}">
-                  <adec:decorative xmlns:adec="http://schemas.microsoft.com/office/drawing/2017/decorative" val="1"/>
-                </a:ext>
-              </a:extLst>
-            </p:cNvPr>
-            <p:cNvCxnSpPr>
-              <a:cxnSpLocks/>
-            </p:cNvCxnSpPr>
-            <p:nvPr>
-              <p:extLst>
-                <p:ext uri="{386F3935-93C4-4BCD-93E2-E3B085C9AB24}">
-                  <p16:designElem xmlns:p16="http://schemas.microsoft.com/office/powerpoint/2015/main" val="1"/>
-                </p:ext>
-              </p:extLst>
-            </p:nvPr>
-          </p:nvCxnSpPr>
-          <p:spPr>
-            <a:xfrm>
-              <a:off x="0" y="5057645"/>
-              <a:ext cx="12192000" cy="0"/>
-            </a:xfrm>
-            <a:prstGeom prst="line">
-              <a:avLst/>
-            </a:prstGeom>
-            <a:ln w="12700">
-              <a:solidFill>
-                <a:srgbClr val="BCBCBC">
-                  <a:alpha val="29804"/>
-                </a:srgbClr>
-              </a:solidFill>
-              <a:prstDash val="sysDot"/>
-            </a:ln>
-          </p:spPr>
-          <p:style>
-            <a:lnRef idx="1">
-              <a:schemeClr val="accent1"/>
-            </a:lnRef>
-            <a:fillRef idx="0">
-              <a:schemeClr val="accent1"/>
-            </a:fillRef>
-            <a:effectRef idx="0">
-              <a:schemeClr val="accent1"/>
-            </a:effectRef>
-            <a:fontRef idx="minor">
-              <a:schemeClr val="tx1"/>
-            </a:fontRef>
-          </p:style>
-        </p:cxnSp>
-        <p:cxnSp>
-          <p:nvCxnSpPr>
-            <p:cNvPr id="37" name="Straight Connector 36">
-              <a:extLst>
-                <a:ext uri="{FF2B5EF4-FFF2-40B4-BE49-F238E27FC236}">
-                  <a16:creationId xmlns:a16="http://schemas.microsoft.com/office/drawing/2014/main" id="{99A63098-DBC2-4C59-9D33-809ECCA62333}"/>
-                </a:ext>
-                <a:ext uri="{C183D7F6-B498-43B3-948B-1728B52AA6E4}">
-                  <adec:decorative xmlns:adec="http://schemas.microsoft.com/office/drawing/2017/decorative" val="1"/>
-                </a:ext>
-              </a:extLst>
-            </p:cNvPr>
-            <p:cNvCxnSpPr>
-              <a:cxnSpLocks/>
-            </p:cNvCxnSpPr>
-            <p:nvPr>
-              <p:extLst>
-                <p:ext uri="{386F3935-93C4-4BCD-93E2-E3B085C9AB24}">
-                  <p16:designElem xmlns:p16="http://schemas.microsoft.com/office/powerpoint/2015/main" val="1"/>
-                </p:ext>
-              </p:extLst>
-            </p:nvPr>
-          </p:nvCxnSpPr>
-          <p:spPr>
-            <a:xfrm>
-              <a:off x="0" y="5600526"/>
-              <a:ext cx="12192000" cy="0"/>
-            </a:xfrm>
-            <a:prstGeom prst="line">
-              <a:avLst/>
-            </a:prstGeom>
-            <a:ln w="12700">
-              <a:solidFill>
-                <a:srgbClr val="BCBCBC">
-                  <a:alpha val="29804"/>
-                </a:srgbClr>
-              </a:solidFill>
-              <a:prstDash val="sysDot"/>
-            </a:ln>
-          </p:spPr>
-          <p:style>
-            <a:lnRef idx="1">
-              <a:schemeClr val="accent1"/>
-            </a:lnRef>
-            <a:fillRef idx="0">
-              <a:schemeClr val="accent1"/>
-            </a:fillRef>
-            <a:effectRef idx="0">
-              <a:schemeClr val="accent1"/>
-            </a:effectRef>
-            <a:fontRef idx="minor">
-              <a:schemeClr val="tx1"/>
-            </a:fontRef>
-          </p:style>
-        </p:cxnSp>
-        <p:cxnSp>
-          <p:nvCxnSpPr>
-            <p:cNvPr id="38" name="Straight Connector 37">
-              <a:extLst>
-                <a:ext uri="{FF2B5EF4-FFF2-40B4-BE49-F238E27FC236}">
-                  <a16:creationId xmlns:a16="http://schemas.microsoft.com/office/drawing/2014/main" id="{98F309E4-ACE9-4428-8DDA-20E0F1A1BC9B}"/>
-                </a:ext>
-                <a:ext uri="{C183D7F6-B498-43B3-948B-1728B52AA6E4}">
-                  <adec:decorative xmlns:adec="http://schemas.microsoft.com/office/drawing/2017/decorative" val="1"/>
-                </a:ext>
-              </a:extLst>
-            </p:cNvPr>
-            <p:cNvCxnSpPr>
-              <a:cxnSpLocks/>
-            </p:cNvCxnSpPr>
-            <p:nvPr>
-              <p:extLst>
-                <p:ext uri="{386F3935-93C4-4BCD-93E2-E3B085C9AB24}">
-                  <p16:designElem xmlns:p16="http://schemas.microsoft.com/office/powerpoint/2015/main" val="1"/>
-                </p:ext>
-              </p:extLst>
-            </p:nvPr>
-          </p:nvCxnSpPr>
-          <p:spPr>
-            <a:xfrm>
-              <a:off x="0" y="6857999"/>
-              <a:ext cx="12192000" cy="0"/>
-            </a:xfrm>
-            <a:prstGeom prst="line">
-              <a:avLst/>
-            </a:prstGeom>
-            <a:ln w="12700">
-              <a:solidFill>
-                <a:srgbClr val="BCBCBC">
-                  <a:alpha val="29804"/>
-                </a:srgbClr>
-              </a:solidFill>
-              <a:prstDash val="sysDot"/>
-            </a:ln>
-          </p:spPr>
-          <p:style>
-            <a:lnRef idx="1">
-              <a:schemeClr val="accent1"/>
-            </a:lnRef>
-            <a:fillRef idx="0">
-              <a:schemeClr val="accent1"/>
-            </a:fillRef>
-            <a:effectRef idx="0">
-              <a:schemeClr val="accent1"/>
-            </a:effectRef>
-            <a:fontRef idx="minor">
-              <a:schemeClr val="tx1"/>
-            </a:fontRef>
-          </p:style>
-        </p:cxnSp>
-        <p:cxnSp>
-          <p:nvCxnSpPr>
-            <p:cNvPr id="39" name="Straight Connector 38">
-              <a:extLst>
-                <a:ext uri="{FF2B5EF4-FFF2-40B4-BE49-F238E27FC236}">
-                  <a16:creationId xmlns:a16="http://schemas.microsoft.com/office/drawing/2014/main" id="{239F177F-07E3-45BF-85B1-21E231DCCC99}"/>
-                </a:ext>
-                <a:ext uri="{C183D7F6-B498-43B3-948B-1728B52AA6E4}">
-                  <adec:decorative xmlns:adec="http://schemas.microsoft.com/office/drawing/2017/decorative" val="1"/>
-                </a:ext>
-              </a:extLst>
-            </p:cNvPr>
-            <p:cNvCxnSpPr>
-              <a:cxnSpLocks/>
-            </p:cNvCxnSpPr>
-            <p:nvPr>
-              <p:extLst>
-                <p:ext uri="{386F3935-93C4-4BCD-93E2-E3B085C9AB24}">
-                  <p16:designElem xmlns:p16="http://schemas.microsoft.com/office/powerpoint/2015/main" val="1"/>
-                </p:ext>
-              </p:extLst>
-            </p:nvPr>
-          </p:nvCxnSpPr>
-          <p:spPr>
-            <a:xfrm>
-              <a:off x="16613" y="6143407"/>
-              <a:ext cx="12192000" cy="0"/>
-            </a:xfrm>
-            <a:prstGeom prst="line">
-              <a:avLst/>
-            </a:prstGeom>
-            <a:ln w="12700">
-              <a:solidFill>
-                <a:srgbClr val="BCBCBC">
-                  <a:alpha val="29804"/>
-                </a:srgbClr>
-              </a:solidFill>
-              <a:prstDash val="sysDot"/>
-            </a:ln>
-          </p:spPr>
-          <p:style>
-            <a:lnRef idx="1">
-              <a:schemeClr val="accent1"/>
-            </a:lnRef>
-            <a:fillRef idx="0">
-              <a:schemeClr val="accent1"/>
-            </a:fillRef>
-            <a:effectRef idx="0">
-              <a:schemeClr val="accent1"/>
-            </a:effectRef>
-            <a:fontRef idx="minor">
-              <a:schemeClr val="tx1"/>
-            </a:fontRef>
-          </p:style>
-        </p:cxnSp>
-        <p:cxnSp>
-          <p:nvCxnSpPr>
-            <p:cNvPr id="40" name="Straight Connector 39">
-              <a:extLst>
-                <a:ext uri="{FF2B5EF4-FFF2-40B4-BE49-F238E27FC236}">
-                  <a16:creationId xmlns:a16="http://schemas.microsoft.com/office/drawing/2014/main" id="{23EC3277-85FC-401E-80E3-B64B9808DE41}"/>
-                </a:ext>
-                <a:ext uri="{C183D7F6-B498-43B3-948B-1728B52AA6E4}">
-                  <adec:decorative xmlns:adec="http://schemas.microsoft.com/office/drawing/2017/decorative" val="1"/>
-                </a:ext>
-              </a:extLst>
-            </p:cNvPr>
-            <p:cNvCxnSpPr>
-              <a:cxnSpLocks/>
-            </p:cNvCxnSpPr>
-            <p:nvPr>
-              <p:extLst>
-                <p:ext uri="{386F3935-93C4-4BCD-93E2-E3B085C9AB24}">
-                  <p16:designElem xmlns:p16="http://schemas.microsoft.com/office/powerpoint/2015/main" val="1"/>
-                </p:ext>
-              </p:extLst>
-            </p:nvPr>
-          </p:nvCxnSpPr>
-          <p:spPr>
-            <a:xfrm>
-              <a:off x="684225" y="171716"/>
-              <a:ext cx="0" cy="6511464"/>
-            </a:xfrm>
-            <a:prstGeom prst="line">
-              <a:avLst/>
-            </a:prstGeom>
-            <a:ln w="12700">
-              <a:solidFill>
-                <a:srgbClr val="BCBCBC">
-                  <a:alpha val="29804"/>
-                </a:srgbClr>
-              </a:solidFill>
-              <a:prstDash val="sysDot"/>
-            </a:ln>
-          </p:spPr>
-          <p:style>
-            <a:lnRef idx="1">
-              <a:schemeClr val="accent1"/>
-            </a:lnRef>
-            <a:fillRef idx="0">
-              <a:schemeClr val="accent1"/>
-            </a:fillRef>
-            <a:effectRef idx="0">
-              <a:schemeClr val="accent1"/>
-            </a:effectRef>
-            <a:fontRef idx="minor">
-              <a:schemeClr val="tx1"/>
-            </a:fontRef>
-          </p:style>
-        </p:cxnSp>
-        <p:cxnSp>
-          <p:nvCxnSpPr>
-            <p:cNvPr id="41" name="Straight Connector 40">
-              <a:extLst>
-                <a:ext uri="{FF2B5EF4-FFF2-40B4-BE49-F238E27FC236}">
-                  <a16:creationId xmlns:a16="http://schemas.microsoft.com/office/drawing/2014/main" id="{59A24ED6-70A5-4DC0-A213-5385E58417FE}"/>
-                </a:ext>
-                <a:ext uri="{C183D7F6-B498-43B3-948B-1728B52AA6E4}">
-                  <adec:decorative xmlns:adec="http://schemas.microsoft.com/office/drawing/2017/decorative" val="1"/>
-                </a:ext>
-              </a:extLst>
-            </p:cNvPr>
-            <p:cNvCxnSpPr>
-              <a:cxnSpLocks/>
-            </p:cNvCxnSpPr>
-            <p:nvPr>
-              <p:extLst>
-                <p:ext uri="{386F3935-93C4-4BCD-93E2-E3B085C9AB24}">
-                  <p16:designElem xmlns:p16="http://schemas.microsoft.com/office/powerpoint/2015/main" val="1"/>
-                </p:ext>
-              </p:extLst>
-            </p:nvPr>
-          </p:nvCxnSpPr>
-          <p:spPr>
-            <a:xfrm>
-              <a:off x="11508412" y="173267"/>
-              <a:ext cx="0" cy="6511464"/>
-            </a:xfrm>
-            <a:prstGeom prst="line">
-              <a:avLst/>
-            </a:prstGeom>
-            <a:ln w="12700">
-              <a:solidFill>
-                <a:srgbClr val="BCBCBC">
-                  <a:alpha val="29804"/>
-                </a:srgbClr>
-              </a:solidFill>
-              <a:prstDash val="sysDot"/>
-            </a:ln>
-          </p:spPr>
-          <p:style>
-            <a:lnRef idx="1">
-              <a:schemeClr val="accent1"/>
-            </a:lnRef>
-            <a:fillRef idx="0">
-              <a:schemeClr val="accent1"/>
-            </a:fillRef>
-            <a:effectRef idx="0">
-              <a:schemeClr val="accent1"/>
-            </a:effectRef>
-            <a:fontRef idx="minor">
-              <a:schemeClr val="tx1"/>
-            </a:fontRef>
-          </p:style>
-        </p:cxnSp>
-      </p:grpSp>
-      <p:sp>
-        <p:nvSpPr>
-          <p:cNvPr id="2" name="Titel 1">
-            <a:extLst>
-              <a:ext uri="{FF2B5EF4-FFF2-40B4-BE49-F238E27FC236}">
-                <a16:creationId xmlns:a16="http://schemas.microsoft.com/office/drawing/2014/main" id="{6686947D-9BC0-037C-DA34-AED8FEF38419}"/>
-              </a:ext>
-            </a:extLst>
-          </p:cNvPr>
-          <p:cNvSpPr>
-            <a:spLocks noGrp="1"/>
-          </p:cNvSpPr>
-          <p:nvPr>
-            <p:ph type="title"/>
-          </p:nvPr>
-        </p:nvSpPr>
-        <p:spPr>
-          <a:xfrm>
-            <a:off x="691079" y="725951"/>
-            <a:ext cx="5401812" cy="5417452"/>
-          </a:xfrm>
-        </p:spPr>
-        <p:txBody>
-          <a:bodyPr anchor="ctr">
-            <a:normAutofit/>
-          </a:bodyPr>
-          <a:lstStyle/>
-          <a:p>
-            <a:r>
-              <a:rPr lang="de-DE" dirty="0" err="1"/>
-              <a:t>What</a:t>
-            </a:r>
-            <a:r>
-              <a:rPr lang="de-DE" dirty="0"/>
-              <a:t> still </a:t>
-            </a:r>
-            <a:r>
-              <a:rPr lang="de-DE" dirty="0" err="1"/>
-              <a:t>needs</a:t>
-            </a:r>
-            <a:r>
-              <a:rPr lang="de-DE" dirty="0"/>
-              <a:t> </a:t>
-            </a:r>
-            <a:r>
-              <a:rPr lang="de-DE" dirty="0" err="1"/>
-              <a:t>to</a:t>
-            </a:r>
-            <a:r>
-              <a:rPr lang="de-DE" dirty="0"/>
-              <a:t> </a:t>
-            </a:r>
-            <a:r>
-              <a:rPr lang="de-DE" dirty="0" err="1"/>
-              <a:t>be</a:t>
-            </a:r>
-            <a:r>
-              <a:rPr lang="de-DE" dirty="0"/>
-              <a:t> </a:t>
-            </a:r>
-            <a:r>
-              <a:rPr lang="de-DE" dirty="0" err="1"/>
-              <a:t>added</a:t>
-            </a:r>
-            <a:r>
-              <a:rPr lang="de-DE" dirty="0"/>
-              <a:t>?</a:t>
-            </a:r>
-          </a:p>
-        </p:txBody>
-      </p:sp>
-      <p:sp>
-        <p:nvSpPr>
-          <p:cNvPr id="43" name="Right Triangle 42">
-            <a:extLst>
-              <a:ext uri="{FF2B5EF4-FFF2-40B4-BE49-F238E27FC236}">
-                <a16:creationId xmlns:a16="http://schemas.microsoft.com/office/drawing/2014/main" id="{69F0804E-F8DE-40E7-90F4-68B638136E17}"/>
-              </a:ext>
-              <a:ext uri="{C183D7F6-B498-43B3-948B-1728B52AA6E4}">
-                <adec:decorative xmlns:adec="http://schemas.microsoft.com/office/drawing/2017/decorative" val="1"/>
-              </a:ext>
-            </a:extLst>
-          </p:cNvPr>
-          <p:cNvSpPr>
-            <a:spLocks noGrp="1" noRot="1" noChangeAspect="1" noMove="1" noResize="1" noEditPoints="1" noAdjustHandles="1" noChangeArrowheads="1" noChangeShapeType="1" noTextEdit="1"/>
-          </p:cNvSpPr>
-          <p:nvPr>
-            <p:extLst>
-              <p:ext uri="{386F3935-93C4-4BCD-93E2-E3B085C9AB24}">
-                <p16:designElem xmlns:p16="http://schemas.microsoft.com/office/powerpoint/2015/main" val="1"/>
-              </p:ext>
-            </p:extLst>
-          </p:nvPr>
-        </p:nvSpPr>
-        <p:spPr>
-          <a:xfrm rot="13500000">
-            <a:off x="-288924" y="3137678"/>
-            <a:ext cx="568289" cy="568289"/>
-          </a:xfrm>
-          <a:prstGeom prst="rtTriangle">
-            <a:avLst/>
-          </a:prstGeom>
-          <a:solidFill>
-            <a:schemeClr val="accent1">
-              <a:alpha val="50000"/>
-            </a:schemeClr>
-          </a:solidFill>
-          <a:ln>
-            <a:noFill/>
-          </a:ln>
-        </p:spPr>
-        <p:style>
-          <a:lnRef idx="2">
-            <a:schemeClr val="accent1">
-              <a:shade val="50000"/>
-            </a:schemeClr>
-          </a:lnRef>
-          <a:fillRef idx="1">
-            <a:schemeClr val="accent1"/>
-          </a:fillRef>
-          <a:effectRef idx="0">
-            <a:schemeClr val="accent1"/>
-          </a:effectRef>
-          <a:fontRef idx="minor">
-            <a:schemeClr val="lt1"/>
-          </a:fontRef>
-        </p:style>
-        <p:txBody>
-          <a:bodyPr rtlCol="0" anchor="ctr"/>
-          <a:lstStyle/>
-          <a:p>
-            <a:pPr algn="ctr"/>
-            <a:endParaRPr lang="en-US">
-              <a:solidFill>
-                <a:schemeClr val="tx1"/>
-              </a:solidFill>
-            </a:endParaRPr>
-          </a:p>
-        </p:txBody>
-      </p:sp>
-      <p:sp>
-        <p:nvSpPr>
-          <p:cNvPr id="3" name="Inhaltsplatzhalter 2">
-            <a:extLst>
-              <a:ext uri="{FF2B5EF4-FFF2-40B4-BE49-F238E27FC236}">
-                <a16:creationId xmlns:a16="http://schemas.microsoft.com/office/drawing/2014/main" id="{83BFFFC7-4466-7412-4C20-67420030FA68}"/>
-              </a:ext>
-            </a:extLst>
-          </p:cNvPr>
-          <p:cNvSpPr>
-            <a:spLocks noGrp="1"/>
-          </p:cNvSpPr>
-          <p:nvPr>
-            <p:ph idx="1"/>
-          </p:nvPr>
-        </p:nvSpPr>
-        <p:spPr>
-          <a:xfrm>
-            <a:off x="7086745" y="713048"/>
-            <a:ext cx="4414176" cy="5449532"/>
-          </a:xfrm>
-        </p:spPr>
-        <p:txBody>
-          <a:bodyPr anchor="ctr">
-            <a:normAutofit/>
-          </a:bodyPr>
-          <a:lstStyle/>
-          <a:p>
-            <a:r>
-              <a:rPr lang="de-DE" dirty="0"/>
-              <a:t>Pages </a:t>
-            </a:r>
-            <a:r>
-              <a:rPr lang="de-DE" dirty="0" err="1"/>
-              <a:t>for</a:t>
-            </a:r>
-            <a:r>
-              <a:rPr lang="de-DE" dirty="0"/>
-              <a:t> all different </a:t>
-            </a:r>
-            <a:r>
-              <a:rPr lang="de-DE" dirty="0" err="1"/>
-              <a:t>air</a:t>
-            </a:r>
-            <a:r>
-              <a:rPr lang="de-DE" dirty="0"/>
-              <a:t> </a:t>
-            </a:r>
-            <a:r>
-              <a:rPr lang="de-DE" dirty="0" err="1"/>
-              <a:t>quality</a:t>
-            </a:r>
-            <a:r>
-              <a:rPr lang="de-DE" dirty="0"/>
-              <a:t> </a:t>
-            </a:r>
-            <a:r>
-              <a:rPr lang="de-DE" dirty="0" err="1"/>
-              <a:t>values</a:t>
-            </a:r>
-            <a:endParaRPr lang="de-DE" dirty="0"/>
-          </a:p>
-          <a:p>
-            <a:r>
-              <a:rPr lang="de-DE" dirty="0"/>
-              <a:t>Reading </a:t>
-            </a:r>
-            <a:r>
-              <a:rPr lang="de-DE" dirty="0" err="1"/>
-              <a:t>data</a:t>
-            </a:r>
-            <a:r>
-              <a:rPr lang="de-DE" dirty="0"/>
-              <a:t> </a:t>
-            </a:r>
-            <a:r>
-              <a:rPr lang="de-DE" dirty="0" err="1"/>
-              <a:t>from</a:t>
-            </a:r>
-            <a:r>
-              <a:rPr lang="de-DE" dirty="0"/>
-              <a:t> CSV </a:t>
-            </a:r>
-          </a:p>
-          <a:p>
-            <a:r>
-              <a:rPr lang="de-DE" dirty="0"/>
-              <a:t>A </a:t>
-            </a:r>
-            <a:r>
-              <a:rPr lang="de-DE" dirty="0" err="1"/>
-              <a:t>footer</a:t>
-            </a:r>
-            <a:endParaRPr lang="de-DE" dirty="0"/>
-          </a:p>
-          <a:p>
-            <a:r>
-              <a:rPr lang="de-DE" dirty="0"/>
-              <a:t>Making </a:t>
-            </a:r>
-            <a:r>
-              <a:rPr lang="de-DE" dirty="0" err="1"/>
-              <a:t>it</a:t>
-            </a:r>
-            <a:r>
-              <a:rPr lang="de-DE" dirty="0"/>
-              <a:t> adaptive </a:t>
-            </a:r>
-            <a:r>
-              <a:rPr lang="de-DE" dirty="0" err="1"/>
-              <a:t>to</a:t>
-            </a:r>
-            <a:r>
-              <a:rPr lang="de-DE" dirty="0"/>
-              <a:t> </a:t>
-            </a:r>
-            <a:r>
-              <a:rPr lang="de-DE" dirty="0" err="1"/>
-              <a:t>various</a:t>
-            </a:r>
-            <a:r>
-              <a:rPr lang="de-DE" dirty="0"/>
-              <a:t> screen </a:t>
-            </a:r>
-            <a:r>
-              <a:rPr lang="de-DE" dirty="0" err="1"/>
-              <a:t>sizes</a:t>
-            </a:r>
-            <a:endParaRPr lang="de-DE" dirty="0"/>
-          </a:p>
-          <a:p>
-            <a:r>
-              <a:rPr lang="de-DE" dirty="0" err="1"/>
-              <a:t>Documentation</a:t>
-            </a:r>
-            <a:r>
-              <a:rPr lang="de-DE" dirty="0"/>
-              <a:t> (README.md)</a:t>
-            </a:r>
-          </a:p>
-        </p:txBody>
-      </p:sp>
-    </p:spTree>
-    <p:extLst>
-      <p:ext uri="{BB962C8B-B14F-4D97-AF65-F5344CB8AC3E}">
-        <p14:creationId xmlns:p14="http://schemas.microsoft.com/office/powerpoint/2010/main" val="3877148910"/>
       </p:ext>
     </p:extLst>
   </p:cSld>
